--- a/SE489/Lectures/8-DevOps Metrics/DevOps Metrics.pptx
+++ b/SE489/Lectures/8-DevOps Metrics/DevOps Metrics.pptx
@@ -5,7 +5,7 @@
     <p:sldMasterId id="2147483648" r:id="rId1"/>
   </p:sldMasterIdLst>
   <p:notesMasterIdLst>
-    <p:notesMasterId r:id="rId30"/>
+    <p:notesMasterId r:id="rId41"/>
   </p:notesMasterIdLst>
   <p:sldIdLst>
     <p:sldId id="256" r:id="rId2"/>
@@ -27,15 +27,26 @@
     <p:sldId id="530" r:id="rId18"/>
     <p:sldId id="516" r:id="rId19"/>
     <p:sldId id="517" r:id="rId20"/>
-    <p:sldId id="521" r:id="rId21"/>
-    <p:sldId id="509" r:id="rId22"/>
-    <p:sldId id="510" r:id="rId23"/>
+    <p:sldId id="532" r:id="rId21"/>
+    <p:sldId id="521" r:id="rId22"/>
+    <p:sldId id="509" r:id="rId23"/>
     <p:sldId id="511" r:id="rId24"/>
-    <p:sldId id="512" r:id="rId25"/>
-    <p:sldId id="513" r:id="rId26"/>
-    <p:sldId id="514" r:id="rId27"/>
-    <p:sldId id="515" r:id="rId28"/>
-    <p:sldId id="519" r:id="rId29"/>
+    <p:sldId id="534" r:id="rId25"/>
+    <p:sldId id="533" r:id="rId26"/>
+    <p:sldId id="510" r:id="rId27"/>
+    <p:sldId id="514" r:id="rId28"/>
+    <p:sldId id="535" r:id="rId29"/>
+    <p:sldId id="515" r:id="rId30"/>
+    <p:sldId id="536" r:id="rId31"/>
+    <p:sldId id="537" r:id="rId32"/>
+    <p:sldId id="538" r:id="rId33"/>
+    <p:sldId id="539" r:id="rId34"/>
+    <p:sldId id="540" r:id="rId35"/>
+    <p:sldId id="541" r:id="rId36"/>
+    <p:sldId id="542" r:id="rId37"/>
+    <p:sldId id="513" r:id="rId38"/>
+    <p:sldId id="519" r:id="rId39"/>
+    <p:sldId id="543" r:id="rId40"/>
   </p:sldIdLst>
   <p:sldSz cx="12192000" cy="6858000"/>
   <p:notesSz cx="6858000" cy="9144000"/>
@@ -346,7 +357,7 @@
           <a:p>
             <a:fld id="{41DA9887-9249-49FD-809A-BACB264048C3}" type="datetimeFigureOut">
               <a:rPr lang="en-US" smtClean="0"/>
-              <a:t>4/1/2022</a:t>
+              <a:t>11/10/2022</a:t>
             </a:fld>
             <a:endParaRPr lang="en-US"/>
           </a:p>
@@ -748,7 +759,7 @@
           <a:p>
             <a:fld id="{08A707AD-71EE-4F71-BFB0-5CFFA7745367}" type="datetime1">
               <a:rPr lang="en-US" smtClean="0"/>
-              <a:t>4/1/2022</a:t>
+              <a:t>11/10/2022</a:t>
             </a:fld>
             <a:endParaRPr lang="en-US"/>
           </a:p>
@@ -1038,7 +1049,7 @@
           <a:p>
             <a:fld id="{CF6F9948-F8FC-4163-B3EE-CE0CD0EF91F9}" type="datetime1">
               <a:rPr lang="en-US" smtClean="0"/>
-              <a:t>4/1/2022</a:t>
+              <a:t>11/10/2022</a:t>
             </a:fld>
             <a:endParaRPr lang="en-US"/>
           </a:p>
@@ -1216,7 +1227,7 @@
           <a:p>
             <a:fld id="{090C3B62-4C74-4EE9-93F0-BE51AE88912F}" type="datetime1">
               <a:rPr lang="en-US" smtClean="0"/>
-              <a:t>4/1/2022</a:t>
+              <a:t>11/10/2022</a:t>
             </a:fld>
             <a:endParaRPr lang="en-US"/>
           </a:p>
@@ -1470,7 +1481,7 @@
           <a:p>
             <a:fld id="{D63A470F-AE83-4D43-9CAA-74593F94EAD0}" type="datetime1">
               <a:rPr lang="en-US" smtClean="0"/>
-              <a:t>4/1/2022</a:t>
+              <a:t>11/10/2022</a:t>
             </a:fld>
             <a:endParaRPr lang="en-US"/>
           </a:p>
@@ -1814,7 +1825,7 @@
           <a:p>
             <a:fld id="{E5B8C5BE-3403-4496-9B81-C40FD99BCC4A}" type="datetime1">
               <a:rPr lang="en-US" smtClean="0"/>
-              <a:t>4/1/2022</a:t>
+              <a:t>11/10/2022</a:t>
             </a:fld>
             <a:endParaRPr lang="en-US"/>
           </a:p>
@@ -2043,7 +2054,7 @@
           <a:p>
             <a:fld id="{B78E11C0-1713-41FC-9E65-ABB713C18815}" type="datetime1">
               <a:rPr lang="en-US" smtClean="0"/>
-              <a:t>4/1/2022</a:t>
+              <a:t>11/10/2022</a:t>
             </a:fld>
             <a:endParaRPr lang="en-US"/>
           </a:p>
@@ -2407,7 +2418,7 @@
           <a:p>
             <a:fld id="{555C483D-0DA7-48F4-B572-48ADE24F3969}" type="datetime1">
               <a:rPr lang="en-US" smtClean="0"/>
-              <a:t>4/1/2022</a:t>
+              <a:t>11/10/2022</a:t>
             </a:fld>
             <a:endParaRPr lang="en-US"/>
           </a:p>
@@ -2502,7 +2513,7 @@
           <a:p>
             <a:fld id="{4C06054D-416E-4D32-B207-3C4728F29C83}" type="datetime1">
               <a:rPr lang="en-US" smtClean="0"/>
-              <a:t>4/1/2022</a:t>
+              <a:t>11/10/2022</a:t>
             </a:fld>
             <a:endParaRPr lang="en-US"/>
           </a:p>
@@ -2724,7 +2735,7 @@
             <a:fld id="{B2F5E2FA-C428-4CE7-95B0-168D3259A5BB}" type="datetimeFigureOut">
               <a:rPr lang="en-US" smtClean="0"/>
               <a:pPr/>
-              <a:t>4/1/2022</a:t>
+              <a:t>11/10/2022</a:t>
             </a:fld>
             <a:endParaRPr lang="en-US"/>
           </a:p>
@@ -2895,7 +2906,7 @@
           <a:p>
             <a:fld id="{B34CF2DF-EBB2-4927-9B4B-28D12CAF900C}" type="datetime1">
               <a:rPr lang="en-US" smtClean="0"/>
-              <a:t>4/1/2022</a:t>
+              <a:t>11/10/2022</a:t>
             </a:fld>
             <a:endParaRPr lang="en-US"/>
           </a:p>
@@ -3170,7 +3181,7 @@
           <a:p>
             <a:fld id="{287D8537-E29A-46E3-9242-0E7B32B09241}" type="datetime1">
               <a:rPr lang="en-US" smtClean="0"/>
-              <a:t>4/1/2022</a:t>
+              <a:t>11/10/2022</a:t>
             </a:fld>
             <a:endParaRPr lang="en-US"/>
           </a:p>
@@ -3422,7 +3433,7 @@
           <a:p>
             <a:fld id="{0B8D9EDF-63DE-4DED-A3C4-232814F0B4D7}" type="datetime1">
               <a:rPr lang="en-US" smtClean="0"/>
-              <a:t>4/1/2022</a:t>
+              <a:t>11/10/2022</a:t>
             </a:fld>
             <a:endParaRPr lang="en-US"/>
           </a:p>
@@ -3633,7 +3644,7 @@
           <a:p>
             <a:fld id="{1DC34F13-F0A8-4E10-9ECC-0BA9AAA5E3EB}" type="datetime1">
               <a:rPr lang="en-US" smtClean="0"/>
-              <a:t>4/1/2022</a:t>
+              <a:t>11/10/2022</a:t>
             </a:fld>
             <a:endParaRPr lang="en-US"/>
           </a:p>
@@ -5477,8 +5488,12 @@
               </a:lnSpc>
             </a:pPr>
             <a:r>
-              <a:rPr lang="en-US" dirty="0"/>
-              <a:t>6 Key DevOps Metrics</a:t>
+              <a:rPr lang="en-US" dirty="0" smtClean="0"/>
+              <a:t>15 </a:t>
+            </a:r>
+            <a:r>
+              <a:rPr lang="en-US" dirty="0"/>
+              <a:t>Key DevOps Metrics</a:t>
             </a:r>
           </a:p>
         </p:txBody>
@@ -5539,7 +5554,7 @@
       </p:grpSpPr>
       <p:sp>
         <p:nvSpPr>
-          <p:cNvPr id="5" name="Title 4"/>
+          <p:cNvPr id="2" name="Title 1"/>
           <p:cNvSpPr>
             <a:spLocks noGrp="1"/>
           </p:cNvSpPr>
@@ -5549,32 +5564,92 @@
         </p:nvSpPr>
         <p:spPr/>
         <p:txBody>
-          <a:bodyPr/>
-          <a:lstStyle/>
-          <a:p>
-            <a:r>
-              <a:rPr lang="en-US" dirty="0"/>
-              <a:t>6 Key DevOps Metrics</a:t>
-            </a:r>
-          </a:p>
-        </p:txBody>
-      </p:sp>
-      <p:sp>
-        <p:nvSpPr>
-          <p:cNvPr id="6" name="Text Placeholder 5"/>
-          <p:cNvSpPr>
-            <a:spLocks noGrp="1"/>
-          </p:cNvSpPr>
-          <p:nvPr>
-            <p:ph type="body" idx="1"/>
-          </p:nvPr>
-        </p:nvSpPr>
-        <p:spPr/>
-        <p:txBody>
-          <a:bodyPr/>
-          <a:lstStyle/>
-          <a:p>
-            <a:endParaRPr lang="en-US"/>
+          <a:bodyPr>
+            <a:normAutofit/>
+          </a:bodyPr>
+          <a:lstStyle/>
+          <a:p>
+            <a:r>
+              <a:rPr lang="en-US" dirty="0"/>
+              <a:t>Characteristics of Useful DevOps </a:t>
+            </a:r>
+            <a:r>
+              <a:rPr lang="en-US" dirty="0" smtClean="0"/>
+              <a:t>Metrics</a:t>
+            </a:r>
+            <a:endParaRPr lang="en-US" dirty="0"/>
+          </a:p>
+        </p:txBody>
+      </p:sp>
+      <p:sp>
+        <p:nvSpPr>
+          <p:cNvPr id="3" name="Content Placeholder 2"/>
+          <p:cNvSpPr>
+            <a:spLocks noGrp="1"/>
+          </p:cNvSpPr>
+          <p:nvPr>
+            <p:ph idx="1"/>
+          </p:nvPr>
+        </p:nvSpPr>
+        <p:spPr/>
+        <p:txBody>
+          <a:bodyPr>
+            <a:normAutofit/>
+          </a:bodyPr>
+          <a:lstStyle/>
+          <a:p>
+            <a:r>
+              <a:rPr lang="en-US" dirty="0" smtClean="0"/>
+              <a:t>Here </a:t>
+            </a:r>
+            <a:r>
+              <a:rPr lang="en-US" dirty="0"/>
+              <a:t>are five characteristics of a good DevOps </a:t>
+            </a:r>
+            <a:r>
+              <a:rPr lang="en-US" dirty="0" smtClean="0"/>
+              <a:t>indicator:</a:t>
+            </a:r>
+            <a:endParaRPr lang="en-US" dirty="0"/>
+          </a:p>
+          <a:p>
+            <a:pPr lvl="1"/>
+            <a:r>
+              <a:rPr lang="en-US" dirty="0" smtClean="0"/>
+              <a:t>Measurable—metrics </a:t>
+            </a:r>
+            <a:r>
+              <a:rPr lang="en-US" dirty="0"/>
+              <a:t>must have standardized values that are consistent over time.</a:t>
+            </a:r>
+          </a:p>
+          <a:p>
+            <a:pPr lvl="1"/>
+            <a:r>
+              <a:rPr lang="en-US" dirty="0"/>
+              <a:t>Relevant—metrics should measure aspects that are important to the business.</a:t>
+            </a:r>
+          </a:p>
+          <a:p>
+            <a:pPr lvl="1"/>
+            <a:r>
+              <a:rPr lang="en-US" dirty="0"/>
+              <a:t>Reliable—team members cannot affect or “game” the measurement.</a:t>
+            </a:r>
+          </a:p>
+          <a:p>
+            <a:pPr lvl="1"/>
+            <a:r>
+              <a:rPr lang="en-US" dirty="0"/>
+              <a:t>Actionable—long-term analysis of the metric should provide insights into possible improvements in systems, workflows, strategies, etc.</a:t>
+            </a:r>
+          </a:p>
+          <a:p>
+            <a:pPr lvl="1"/>
+            <a:r>
+              <a:rPr lang="en-US" dirty="0"/>
+              <a:t>Traceable—the metrics should point directly to a root cause, not just allude to a general problem.</a:t>
+            </a:r>
           </a:p>
         </p:txBody>
       </p:sp>
@@ -5605,7 +5680,7 @@
     </p:spTree>
     <p:extLst>
       <p:ext uri="{BB962C8B-B14F-4D97-AF65-F5344CB8AC3E}">
-        <p14:creationId xmlns:p14="http://schemas.microsoft.com/office/powerpoint/2010/main" val="67450362"/>
+        <p14:creationId xmlns:p14="http://schemas.microsoft.com/office/powerpoint/2010/main" val="3898236590"/>
       </p:ext>
     </p:extLst>
   </p:cSld>
@@ -5634,7 +5709,7 @@
       </p:grpSpPr>
       <p:sp>
         <p:nvSpPr>
-          <p:cNvPr id="2" name="Title 1"/>
+          <p:cNvPr id="5" name="Title 4"/>
           <p:cNvSpPr>
             <a:spLocks noGrp="1"/>
           </p:cNvSpPr>
@@ -5648,91 +5723,32 @@
           <a:lstStyle/>
           <a:p>
             <a:r>
-              <a:rPr lang="en-US" dirty="0"/>
-              <a:t>6 Key DevOps Metrics</a:t>
-            </a:r>
-          </a:p>
-        </p:txBody>
-      </p:sp>
-      <p:sp>
-        <p:nvSpPr>
-          <p:cNvPr id="3" name="Content Placeholder 2"/>
-          <p:cNvSpPr>
-            <a:spLocks noGrp="1"/>
-          </p:cNvSpPr>
-          <p:nvPr>
-            <p:ph idx="1"/>
-          </p:nvPr>
-        </p:nvSpPr>
-        <p:spPr/>
-        <p:txBody>
-          <a:bodyPr/>
-          <a:lstStyle/>
-          <a:p>
-            <a:r>
-              <a:rPr lang="en-US" dirty="0"/>
-              <a:t>The following six metrics can be important for measuring DevOps performance and progress in most organizations</a:t>
-            </a:r>
-          </a:p>
-          <a:p>
-            <a:pPr marL="914400" lvl="1" indent="-457200">
-              <a:buFont typeface="+mj-lt"/>
-              <a:buAutoNum type="arabicPeriod"/>
-            </a:pPr>
-            <a:r>
-              <a:rPr lang="en-US" dirty="0"/>
-              <a:t>Lead Time</a:t>
-            </a:r>
-          </a:p>
-          <a:p>
-            <a:pPr marL="914400" lvl="1" indent="-457200">
-              <a:buFont typeface="+mj-lt"/>
-              <a:buAutoNum type="arabicPeriod"/>
-            </a:pPr>
-            <a:r>
-              <a:rPr lang="en-US" dirty="0"/>
-              <a:t>Deployment Frequency</a:t>
-            </a:r>
-          </a:p>
-          <a:p>
-            <a:pPr marL="914400" lvl="1" indent="-457200">
-              <a:buFont typeface="+mj-lt"/>
-              <a:buAutoNum type="arabicPeriod"/>
-            </a:pPr>
-            <a:r>
-              <a:rPr lang="en-US" dirty="0"/>
-              <a:t>Change Failure Rate</a:t>
-            </a:r>
-          </a:p>
-          <a:p>
-            <a:pPr marL="914400" lvl="1" indent="-457200">
-              <a:buFont typeface="+mj-lt"/>
-              <a:buAutoNum type="arabicPeriod"/>
-            </a:pPr>
-            <a:r>
-              <a:rPr lang="en-US" dirty="0"/>
-              <a:t>Mean Time to Recovery (MTTR)</a:t>
-            </a:r>
-          </a:p>
-          <a:p>
-            <a:pPr marL="914400" lvl="1" indent="-457200">
-              <a:buFont typeface="+mj-lt"/>
-              <a:buAutoNum type="arabicPeriod"/>
-            </a:pPr>
-            <a:r>
-              <a:rPr lang="en-US" dirty="0"/>
-              <a:t>Customer Ticket Volume</a:t>
-            </a:r>
-          </a:p>
-          <a:p>
-            <a:pPr marL="914400" lvl="1" indent="-457200">
-              <a:buFont typeface="+mj-lt"/>
-              <a:buAutoNum type="arabicPeriod"/>
-            </a:pPr>
-            <a:r>
-              <a:rPr lang="en-US" dirty="0"/>
-              <a:t>Defect Escape Rate</a:t>
-            </a:r>
+              <a:rPr lang="en-US" dirty="0" smtClean="0"/>
+              <a:t>15 </a:t>
+            </a:r>
+            <a:r>
+              <a:rPr lang="en-US" dirty="0"/>
+              <a:t>Key DevOps Metrics</a:t>
+            </a:r>
+          </a:p>
+        </p:txBody>
+      </p:sp>
+      <p:sp>
+        <p:nvSpPr>
+          <p:cNvPr id="6" name="Text Placeholder 5"/>
+          <p:cNvSpPr>
+            <a:spLocks noGrp="1"/>
+          </p:cNvSpPr>
+          <p:nvPr>
+            <p:ph type="body" idx="1"/>
+          </p:nvPr>
+        </p:nvSpPr>
+        <p:spPr/>
+        <p:txBody>
+          <a:bodyPr/>
+          <a:lstStyle/>
+          <a:p>
+            <a:endParaRPr lang="en-US"/>
           </a:p>
         </p:txBody>
       </p:sp>
@@ -5763,7 +5779,7 @@
     </p:spTree>
     <p:extLst>
       <p:ext uri="{BB962C8B-B14F-4D97-AF65-F5344CB8AC3E}">
-        <p14:creationId xmlns:p14="http://schemas.microsoft.com/office/powerpoint/2010/main" val="3009427701"/>
+        <p14:creationId xmlns:p14="http://schemas.microsoft.com/office/powerpoint/2010/main" val="67450362"/>
       </p:ext>
     </p:extLst>
   </p:cSld>
@@ -5802,6 +5818,37 @@
         </p:nvSpPr>
         <p:spPr/>
         <p:txBody>
+          <a:bodyPr/>
+          <a:lstStyle/>
+          <a:p>
+            <a:r>
+              <a:rPr lang="en-US" dirty="0" smtClean="0"/>
+              <a:t>15 </a:t>
+            </a:r>
+            <a:r>
+              <a:rPr lang="en-US" dirty="0"/>
+              <a:t>Key DevOps Metrics</a:t>
+            </a:r>
+          </a:p>
+        </p:txBody>
+      </p:sp>
+      <p:sp>
+        <p:nvSpPr>
+          <p:cNvPr id="3" name="Content Placeholder 2"/>
+          <p:cNvSpPr>
+            <a:spLocks noGrp="1"/>
+          </p:cNvSpPr>
+          <p:nvPr>
+            <p:ph idx="1"/>
+          </p:nvPr>
+        </p:nvSpPr>
+        <p:spPr>
+          <a:xfrm>
+            <a:off x="347526" y="1406881"/>
+            <a:ext cx="11650767" cy="988848"/>
+          </a:xfrm>
+        </p:spPr>
+        <p:txBody>
           <a:bodyPr>
             <a:normAutofit/>
           </a:bodyPr>
@@ -5809,42 +5856,13 @@
           <a:p>
             <a:r>
               <a:rPr lang="en-US" dirty="0"/>
-              <a:t>Lead Time</a:t>
-            </a:r>
-          </a:p>
-        </p:txBody>
-      </p:sp>
-      <p:sp>
-        <p:nvSpPr>
-          <p:cNvPr id="3" name="Content Placeholder 2"/>
-          <p:cNvSpPr>
-            <a:spLocks noGrp="1"/>
-          </p:cNvSpPr>
-          <p:nvPr>
-            <p:ph idx="1"/>
-          </p:nvPr>
-        </p:nvSpPr>
-        <p:spPr/>
-        <p:txBody>
-          <a:bodyPr/>
-          <a:lstStyle/>
-          <a:p>
-            <a:r>
-              <a:rPr lang="en-US" dirty="0"/>
-              <a:t>The time it takes to implement, test, and deliver code. </a:t>
-            </a:r>
-          </a:p>
-          <a:p>
-            <a:r>
-              <a:rPr lang="en-US" dirty="0"/>
-              <a:t>To measure delivery time, the team must clearly define the start and end of the work (e.g. measurable time from code commitment to production deployment). </a:t>
-            </a:r>
-          </a:p>
-          <a:p>
-            <a:r>
-              <a:rPr lang="en-US" dirty="0"/>
-              <a:t>The goal is to speed up deployment through automation and reduce overall deployment time, for example by optimizing test integration and automation.</a:t>
-            </a:r>
+              <a:t>The following six metrics can be important for measuring DevOps performance and progress in most </a:t>
+            </a:r>
+            <a:r>
+              <a:rPr lang="en-US" dirty="0" smtClean="0"/>
+              <a:t>organizations</a:t>
+            </a:r>
+            <a:endParaRPr lang="en-US" dirty="0"/>
           </a:p>
         </p:txBody>
       </p:sp>
@@ -5872,10 +5890,268 @@
           </a:p>
         </p:txBody>
       </p:sp>
+      <p:sp>
+        <p:nvSpPr>
+          <p:cNvPr id="5" name="TextBox 4"/>
+          <p:cNvSpPr txBox="1"/>
+          <p:nvPr/>
+        </p:nvSpPr>
+        <p:spPr>
+          <a:xfrm>
+            <a:off x="713232" y="2395729"/>
+            <a:ext cx="10533888" cy="3785652"/>
+          </a:xfrm>
+          <a:prstGeom prst="rect">
+            <a:avLst/>
+          </a:prstGeom>
+          <a:noFill/>
+        </p:spPr>
+        <p:txBody>
+          <a:bodyPr wrap="square" numCol="2" rtlCol="0">
+            <a:spAutoFit/>
+          </a:bodyPr>
+          <a:lstStyle/>
+          <a:p>
+            <a:pPr marL="914400" lvl="1" indent="-457200">
+              <a:lnSpc>
+                <a:spcPct val="150000"/>
+              </a:lnSpc>
+              <a:buFont typeface="+mj-lt"/>
+              <a:buAutoNum type="arabicPeriod"/>
+            </a:pPr>
+            <a:r>
+              <a:rPr lang="en-US" sz="2000" dirty="0">
+                <a:latin typeface="Candara" panose="020E0502030303020204" pitchFamily="34" charset="0"/>
+              </a:rPr>
+              <a:t>Deployment frequency</a:t>
+            </a:r>
+          </a:p>
+          <a:p>
+            <a:pPr marL="914400" lvl="1" indent="-457200">
+              <a:lnSpc>
+                <a:spcPct val="150000"/>
+              </a:lnSpc>
+              <a:buFont typeface="+mj-lt"/>
+              <a:buAutoNum type="arabicPeriod"/>
+            </a:pPr>
+            <a:r>
+              <a:rPr lang="en-US" sz="2000" dirty="0">
+                <a:latin typeface="Candara" panose="020E0502030303020204" pitchFamily="34" charset="0"/>
+              </a:rPr>
+              <a:t>Change volume</a:t>
+            </a:r>
+          </a:p>
+          <a:p>
+            <a:pPr marL="914400" lvl="1" indent="-457200">
+              <a:lnSpc>
+                <a:spcPct val="150000"/>
+              </a:lnSpc>
+              <a:buFont typeface="+mj-lt"/>
+              <a:buAutoNum type="arabicPeriod"/>
+            </a:pPr>
+            <a:r>
+              <a:rPr lang="en-US" sz="2000" dirty="0">
+                <a:latin typeface="Candara" panose="020E0502030303020204" pitchFamily="34" charset="0"/>
+              </a:rPr>
+              <a:t>Deployment time</a:t>
+            </a:r>
+          </a:p>
+          <a:p>
+            <a:pPr marL="914400" lvl="1" indent="-457200">
+              <a:lnSpc>
+                <a:spcPct val="150000"/>
+              </a:lnSpc>
+              <a:buFont typeface="+mj-lt"/>
+              <a:buAutoNum type="arabicPeriod"/>
+            </a:pPr>
+            <a:r>
+              <a:rPr lang="en-US" sz="2000" dirty="0">
+                <a:latin typeface="Candara" panose="020E0502030303020204" pitchFamily="34" charset="0"/>
+              </a:rPr>
+              <a:t>Lead time</a:t>
+            </a:r>
+          </a:p>
+          <a:p>
+            <a:pPr marL="914400" lvl="1" indent="-457200">
+              <a:lnSpc>
+                <a:spcPct val="150000"/>
+              </a:lnSpc>
+              <a:buFont typeface="+mj-lt"/>
+              <a:buAutoNum type="arabicPeriod"/>
+            </a:pPr>
+            <a:r>
+              <a:rPr lang="en-US" sz="2000" dirty="0">
+                <a:latin typeface="Candara" panose="020E0502030303020204" pitchFamily="34" charset="0"/>
+              </a:rPr>
+              <a:t>Customer tickets</a:t>
+            </a:r>
+          </a:p>
+          <a:p>
+            <a:pPr marL="914400" lvl="1" indent="-457200">
+              <a:lnSpc>
+                <a:spcPct val="150000"/>
+              </a:lnSpc>
+              <a:buFont typeface="+mj-lt"/>
+              <a:buAutoNum type="arabicPeriod"/>
+            </a:pPr>
+            <a:r>
+              <a:rPr lang="en-US" sz="2000" dirty="0">
+                <a:latin typeface="Candara" panose="020E0502030303020204" pitchFamily="34" charset="0"/>
+              </a:rPr>
+              <a:t>Automated test pass %</a:t>
+            </a:r>
+          </a:p>
+          <a:p>
+            <a:pPr marL="914400" lvl="1" indent="-457200">
+              <a:lnSpc>
+                <a:spcPct val="150000"/>
+              </a:lnSpc>
+              <a:buFont typeface="+mj-lt"/>
+              <a:buAutoNum type="arabicPeriod"/>
+            </a:pPr>
+            <a:r>
+              <a:rPr lang="en-US" sz="2000" dirty="0">
+                <a:latin typeface="Candara" panose="020E0502030303020204" pitchFamily="34" charset="0"/>
+              </a:rPr>
+              <a:t>Defect escape rate</a:t>
+            </a:r>
+          </a:p>
+          <a:p>
+            <a:pPr marL="914400" lvl="1" indent="-457200">
+              <a:lnSpc>
+                <a:spcPct val="150000"/>
+              </a:lnSpc>
+              <a:buFont typeface="+mj-lt"/>
+              <a:buAutoNum type="arabicPeriod"/>
+            </a:pPr>
+            <a:r>
+              <a:rPr lang="en-US" sz="2000" dirty="0">
+                <a:latin typeface="Candara" panose="020E0502030303020204" pitchFamily="34" charset="0"/>
+              </a:rPr>
+              <a:t>Availability</a:t>
+            </a:r>
+          </a:p>
+          <a:p>
+            <a:pPr marL="914400" lvl="1" indent="-457200">
+              <a:lnSpc>
+                <a:spcPct val="150000"/>
+              </a:lnSpc>
+              <a:buFont typeface="+mj-lt"/>
+              <a:buAutoNum type="arabicPeriod"/>
+            </a:pPr>
+            <a:r>
+              <a:rPr lang="en-US" sz="2000" dirty="0">
+                <a:latin typeface="Candara" panose="020E0502030303020204" pitchFamily="34" charset="0"/>
+              </a:rPr>
+              <a:t>Service level agreements</a:t>
+            </a:r>
+          </a:p>
+          <a:p>
+            <a:pPr marL="914400" lvl="1" indent="-457200">
+              <a:lnSpc>
+                <a:spcPct val="150000"/>
+              </a:lnSpc>
+              <a:buFont typeface="+mj-lt"/>
+              <a:buAutoNum type="arabicPeriod"/>
+            </a:pPr>
+            <a:r>
+              <a:rPr lang="en-US" sz="2000" dirty="0">
+                <a:latin typeface="Candara" panose="020E0502030303020204" pitchFamily="34" charset="0"/>
+              </a:rPr>
+              <a:t>Failed deployments</a:t>
+            </a:r>
+          </a:p>
+          <a:p>
+            <a:pPr marL="914400" lvl="1" indent="-457200">
+              <a:lnSpc>
+                <a:spcPct val="150000"/>
+              </a:lnSpc>
+              <a:buFont typeface="+mj-lt"/>
+              <a:buAutoNum type="arabicPeriod"/>
+            </a:pPr>
+            <a:r>
+              <a:rPr lang="en-US" sz="2000" dirty="0">
+                <a:latin typeface="Candara" panose="020E0502030303020204" pitchFamily="34" charset="0"/>
+              </a:rPr>
+              <a:t>Error rates</a:t>
+            </a:r>
+          </a:p>
+          <a:p>
+            <a:pPr marL="914400" lvl="1" indent="-457200">
+              <a:lnSpc>
+                <a:spcPct val="150000"/>
+              </a:lnSpc>
+              <a:buFont typeface="+mj-lt"/>
+              <a:buAutoNum type="arabicPeriod"/>
+            </a:pPr>
+            <a:r>
+              <a:rPr lang="en-US" sz="2000" dirty="0">
+                <a:latin typeface="Candara" panose="020E0502030303020204" pitchFamily="34" charset="0"/>
+              </a:rPr>
+              <a:t>Application usage and traffic</a:t>
+            </a:r>
+          </a:p>
+          <a:p>
+            <a:pPr marL="914400" lvl="1" indent="-457200">
+              <a:lnSpc>
+                <a:spcPct val="150000"/>
+              </a:lnSpc>
+              <a:buFont typeface="+mj-lt"/>
+              <a:buAutoNum type="arabicPeriod"/>
+            </a:pPr>
+            <a:r>
+              <a:rPr lang="en-US" sz="2000" dirty="0">
+                <a:latin typeface="Candara" panose="020E0502030303020204" pitchFamily="34" charset="0"/>
+              </a:rPr>
+              <a:t>Application performance</a:t>
+            </a:r>
+          </a:p>
+          <a:p>
+            <a:pPr marL="914400" lvl="1" indent="-457200">
+              <a:lnSpc>
+                <a:spcPct val="150000"/>
+              </a:lnSpc>
+              <a:buFont typeface="+mj-lt"/>
+              <a:buAutoNum type="arabicPeriod"/>
+            </a:pPr>
+            <a:r>
+              <a:rPr lang="en-US" sz="2000" dirty="0">
+                <a:latin typeface="Candara" panose="020E0502030303020204" pitchFamily="34" charset="0"/>
+              </a:rPr>
+              <a:t>Mean time to detection (MTTD)</a:t>
+            </a:r>
+          </a:p>
+          <a:p>
+            <a:pPr marL="914400" lvl="1" indent="-457200">
+              <a:lnSpc>
+                <a:spcPct val="150000"/>
+              </a:lnSpc>
+              <a:buFont typeface="+mj-lt"/>
+              <a:buAutoNum type="arabicPeriod"/>
+            </a:pPr>
+            <a:r>
+              <a:rPr lang="en-US" sz="2000" dirty="0">
+                <a:latin typeface="Candara" panose="020E0502030303020204" pitchFamily="34" charset="0"/>
+              </a:rPr>
+              <a:t>Mean time to recovery (MTTR)</a:t>
+            </a:r>
+          </a:p>
+          <a:p>
+            <a:pPr>
+              <a:lnSpc>
+                <a:spcPct val="150000"/>
+              </a:lnSpc>
+            </a:pPr>
+            <a:endParaRPr lang="en-US" sz="2000" dirty="0">
+              <a:latin typeface="Candara" panose="020E0502030303020204" pitchFamily="34" charset="0"/>
+            </a:endParaRPr>
+          </a:p>
+        </p:txBody>
+      </p:sp>
     </p:spTree>
     <p:extLst>
       <p:ext uri="{BB962C8B-B14F-4D97-AF65-F5344CB8AC3E}">
-        <p14:creationId xmlns:p14="http://schemas.microsoft.com/office/powerpoint/2010/main" val="1003919779"/>
+        <p14:creationId xmlns:p14="http://schemas.microsoft.com/office/powerpoint/2010/main" val="3009427701"/>
       </p:ext>
     </p:extLst>
   </p:cSld>
@@ -6028,9 +6304,10 @@
           <a:lstStyle/>
           <a:p>
             <a:r>
-              <a:rPr lang="en-US" dirty="0"/>
-              <a:t>Change Failure Rate</a:t>
-            </a:r>
+              <a:rPr lang="en-US" dirty="0" smtClean="0"/>
+              <a:t>Change Volume</a:t>
+            </a:r>
+            <a:endParaRPr lang="en-US" dirty="0"/>
           </a:p>
         </p:txBody>
       </p:sp>
@@ -6051,19 +6328,13 @@
           <a:p>
             <a:r>
               <a:rPr lang="en-US" dirty="0"/>
-              <a:t>Improving velocity seems to be one of the ultimate goals of a DevOps initiative, but it should be assessed along with failure rates. </a:t>
-            </a:r>
-          </a:p>
-          <a:p>
-            <a:r>
-              <a:rPr lang="en-US" dirty="0"/>
-              <a:t>Frequent failures of changes that are deployed to production can ultimately lead to unsatisfied customers.</a:t>
-            </a:r>
-          </a:p>
-          <a:p>
-            <a:r>
-              <a:rPr lang="en-US" dirty="0"/>
-              <a:t>If KPIs show a higher rate of failure as deployments increase, it’s time to slow down and investigate issues in the development and deployment pipeline.</a:t>
+              <a:t>Change Lead Time — how much time we have from issuing a feature and deploy it to production?</a:t>
+            </a:r>
+          </a:p>
+          <a:p>
+            <a:r>
+              <a:rPr lang="en-US" dirty="0"/>
+              <a:t>Change Volume — how many stories/features and lines-of-code we push to production per deploy?</a:t>
             </a:r>
           </a:p>
         </p:txBody>
@@ -6095,7 +6366,7 @@
     </p:spTree>
     <p:extLst>
       <p:ext uri="{BB962C8B-B14F-4D97-AF65-F5344CB8AC3E}">
-        <p14:creationId xmlns:p14="http://schemas.microsoft.com/office/powerpoint/2010/main" val="1549349487"/>
+        <p14:creationId xmlns:p14="http://schemas.microsoft.com/office/powerpoint/2010/main" val="2506147866"/>
       </p:ext>
     </p:extLst>
   </p:cSld>
@@ -6139,7 +6410,7 @@
           <a:p>
             <a:r>
               <a:rPr lang="en-US" dirty="0"/>
-              <a:t>Mean Time to Recovery (MTTR)</a:t>
+              <a:t>Deployment time</a:t>
             </a:r>
           </a:p>
         </p:txBody>
@@ -6156,32 +6427,38 @@
         </p:nvSpPr>
         <p:spPr/>
         <p:txBody>
-          <a:bodyPr>
-            <a:normAutofit/>
-          </a:bodyPr>
-          <a:lstStyle/>
-          <a:p>
-            <a:r>
-              <a:rPr lang="en-US" dirty="0"/>
-              <a:t>This indicator tracks how long it will take the organization to recover from failure. </a:t>
-            </a:r>
-          </a:p>
-          <a:p>
-            <a:r>
-              <a:rPr lang="en-US" dirty="0"/>
-              <a:t>It is a key business indicator because it reflects the ability to minimize disruption and recover normal operations quickly. </a:t>
-            </a:r>
-          </a:p>
-          <a:p>
-            <a:r>
-              <a:rPr lang="en-US" dirty="0"/>
-              <a:t>It is usually measured in minutes or hours, and can sometimes refer to time during business days, not clock time. </a:t>
-            </a:r>
-          </a:p>
-          <a:p>
-            <a:r>
-              <a:rPr lang="en-US" dirty="0"/>
-              <a:t>To reduce MTTR, it is important to have the right application monitoring tools, as well as effective collaboration between operations and developers, which can help you find root causes and deploy solutions quickly.</a:t>
+          <a:bodyPr/>
+          <a:lstStyle/>
+          <a:p>
+            <a:r>
+              <a:rPr lang="en-US" dirty="0" smtClean="0"/>
+              <a:t>Tracking </a:t>
+            </a:r>
+            <a:r>
+              <a:rPr lang="en-US" dirty="0"/>
+              <a:t>how long it takes to do an actual deployment is another good metric. </a:t>
+            </a:r>
+            <a:endParaRPr lang="en-US" dirty="0" smtClean="0"/>
+          </a:p>
+          <a:p>
+            <a:r>
+              <a:rPr lang="en-US" dirty="0" smtClean="0"/>
+              <a:t>Tracking </a:t>
+            </a:r>
+            <a:r>
+              <a:rPr lang="en-US" dirty="0"/>
+              <a:t>such things could help identify potential problems. </a:t>
+            </a:r>
+            <a:endParaRPr lang="en-US" dirty="0" smtClean="0"/>
+          </a:p>
+          <a:p>
+            <a:r>
+              <a:rPr lang="en-US" dirty="0" smtClean="0"/>
+              <a:t>It </a:t>
+            </a:r>
+            <a:r>
+              <a:rPr lang="en-US" dirty="0"/>
+              <a:t>is much easier to deploy more often when the task of actually doing it is quick.</a:t>
             </a:r>
           </a:p>
         </p:txBody>
@@ -6213,7 +6490,7 @@
     </p:spTree>
     <p:extLst>
       <p:ext uri="{BB962C8B-B14F-4D97-AF65-F5344CB8AC3E}">
-        <p14:creationId xmlns:p14="http://schemas.microsoft.com/office/powerpoint/2010/main" val="3917286219"/>
+        <p14:creationId xmlns:p14="http://schemas.microsoft.com/office/powerpoint/2010/main" val="1059190640"/>
       </p:ext>
     </p:extLst>
   </p:cSld>
@@ -6252,12 +6529,14 @@
         </p:nvSpPr>
         <p:spPr/>
         <p:txBody>
-          <a:bodyPr/>
-          <a:lstStyle/>
-          <a:p>
-            <a:r>
-              <a:rPr lang="en-US" dirty="0"/>
-              <a:t>Customer Ticket Volume</a:t>
+          <a:bodyPr>
+            <a:normAutofit/>
+          </a:bodyPr>
+          <a:lstStyle/>
+          <a:p>
+            <a:r>
+              <a:rPr lang="en-US" dirty="0"/>
+              <a:t>Lead Time</a:t>
             </a:r>
           </a:p>
         </p:txBody>
@@ -6279,31 +6558,19 @@
           <a:p>
             <a:r>
               <a:rPr lang="en-US" dirty="0"/>
-              <a:t>This metric is a measure of end user satisfaction. </a:t>
-            </a:r>
-          </a:p>
-          <a:p>
-            <a:r>
-              <a:rPr lang="en-US" dirty="0"/>
-              <a:t>Bugs and errors can often bypass the testing phase and be detected by the end user. </a:t>
-            </a:r>
-          </a:p>
-          <a:p>
-            <a:r>
-              <a:rPr lang="en-US" dirty="0"/>
-              <a:t>Customers will then contact support and share their feedback. </a:t>
-            </a:r>
-          </a:p>
-          <a:p>
-            <a:r>
-              <a:rPr lang="en-US" dirty="0"/>
-              <a:t>Therefore, the number of customer tickets marked as problems or bugs are an important indicator of application reliability. </a:t>
-            </a:r>
-          </a:p>
-          <a:p>
-            <a:r>
-              <a:rPr lang="en-US" dirty="0"/>
-              <a:t>A large number of tickets indicates quality issues, while a small number indicates robustness of the application.</a:t>
+              <a:t>The time it takes to implement, test, and deliver code. </a:t>
+            </a:r>
+          </a:p>
+          <a:p>
+            <a:r>
+              <a:rPr lang="en-US" dirty="0"/>
+              <a:t>To measure delivery time, the team must clearly define the start and end of the work (e.g. measurable time from code commitment to production deployment). </a:t>
+            </a:r>
+          </a:p>
+          <a:p>
+            <a:r>
+              <a:rPr lang="en-US" dirty="0"/>
+              <a:t>The goal is to speed up deployment through automation and reduce overall deployment time, for example by optimizing test integration and automation.</a:t>
             </a:r>
           </a:p>
         </p:txBody>
@@ -6335,7 +6602,7 @@
     </p:spTree>
     <p:extLst>
       <p:ext uri="{BB962C8B-B14F-4D97-AF65-F5344CB8AC3E}">
-        <p14:creationId xmlns:p14="http://schemas.microsoft.com/office/powerpoint/2010/main" val="2774400387"/>
+        <p14:creationId xmlns:p14="http://schemas.microsoft.com/office/powerpoint/2010/main" val="1003919779"/>
       </p:ext>
     </p:extLst>
   </p:cSld>
@@ -6379,7 +6646,7 @@
           <a:p>
             <a:r>
               <a:rPr lang="en-US" dirty="0"/>
-              <a:t>Defect Escape Rate</a:t>
+              <a:t>Customer Ticket Volume</a:t>
             </a:r>
           </a:p>
         </p:txBody>
@@ -6401,32 +6668,32 @@
           <a:p>
             <a:r>
               <a:rPr lang="en-US" dirty="0"/>
-              <a:t>Even with a great DevOps pipeline, defects will occur. </a:t>
-            </a:r>
-          </a:p>
-          <a:p>
-            <a:r>
-              <a:rPr lang="en-US" dirty="0"/>
-              <a:t>In some cases, these defects may be detected during development or testing phases of the pipeline. But in the worst case, they will pass tests and be detected by end users.</a:t>
-            </a:r>
-          </a:p>
-          <a:p>
-            <a:r>
-              <a:rPr lang="en-US" dirty="0"/>
-              <a:t>The defect escape rate reflects the number of defects found in production during and after deployment. </a:t>
-            </a:r>
-          </a:p>
-          <a:p>
-            <a:r>
-              <a:rPr lang="en-US" dirty="0"/>
-              <a:t>It identifies cracks in the software development process—defects slide through these cracks and indicates that the quality process should be optimized and tightened.</a:t>
-            </a:r>
-          </a:p>
-          <a:p>
-            <a:endParaRPr lang="en-US" dirty="0"/>
-          </a:p>
-          <a:p>
-            <a:endParaRPr lang="en-US" dirty="0"/>
+              <a:t>This metric is a measure of end user satisfaction. </a:t>
+            </a:r>
+          </a:p>
+          <a:p>
+            <a:r>
+              <a:rPr lang="en-US" dirty="0"/>
+              <a:t>Bugs and errors can often bypass the testing phase and be detected by the end user. </a:t>
+            </a:r>
+          </a:p>
+          <a:p>
+            <a:r>
+              <a:rPr lang="en-US" dirty="0"/>
+              <a:t>Customers will then contact support and share their feedback. </a:t>
+            </a:r>
+          </a:p>
+          <a:p>
+            <a:r>
+              <a:rPr lang="en-US" dirty="0"/>
+              <a:t>Therefore, the number of customer tickets marked as problems or bugs are an important indicator of application reliability. </a:t>
+            </a:r>
+          </a:p>
+          <a:p>
+            <a:r>
+              <a:rPr lang="en-US" dirty="0"/>
+              <a:t>A large number of tickets indicates quality issues, while a small number indicates robustness of the application.</a:t>
+            </a:r>
           </a:p>
         </p:txBody>
       </p:sp>
@@ -6457,7 +6724,7 @@
     </p:spTree>
     <p:extLst>
       <p:ext uri="{BB962C8B-B14F-4D97-AF65-F5344CB8AC3E}">
-        <p14:creationId xmlns:p14="http://schemas.microsoft.com/office/powerpoint/2010/main" val="1640919458"/>
+        <p14:creationId xmlns:p14="http://schemas.microsoft.com/office/powerpoint/2010/main" val="2774400387"/>
       </p:ext>
     </p:extLst>
   </p:cSld>
@@ -6496,45 +6763,67 @@
         </p:nvSpPr>
         <p:spPr/>
         <p:txBody>
-          <a:bodyPr/>
-          <a:lstStyle/>
-          <a:p>
-            <a:r>
-              <a:rPr lang="en-US" dirty="0"/>
-              <a:t>Measuring DevOps</a:t>
-            </a:r>
-          </a:p>
-        </p:txBody>
-      </p:sp>
-      <p:pic>
-        <p:nvPicPr>
-          <p:cNvPr id="5" name="Content Placeholder 4"/>
-          <p:cNvPicPr>
-            <a:picLocks noGrp="1" noChangeAspect="1"/>
-          </p:cNvPicPr>
+          <a:bodyPr>
+            <a:normAutofit/>
+          </a:bodyPr>
+          <a:lstStyle/>
+          <a:p>
+            <a:r>
+              <a:rPr lang="en-US" dirty="0"/>
+              <a:t>Automated test pass </a:t>
+            </a:r>
+            <a:r>
+              <a:rPr lang="en-US" dirty="0" smtClean="0"/>
+              <a:t>%</a:t>
+            </a:r>
+            <a:endParaRPr lang="en-US" dirty="0"/>
+          </a:p>
+        </p:txBody>
+      </p:sp>
+      <p:sp>
+        <p:nvSpPr>
+          <p:cNvPr id="3" name="Content Placeholder 2"/>
+          <p:cNvSpPr>
+            <a:spLocks noGrp="1"/>
+          </p:cNvSpPr>
           <p:nvPr>
             <p:ph idx="1"/>
           </p:nvPr>
-        </p:nvPicPr>
-        <p:blipFill>
-          <a:blip r:embed="rId2">
-            <a:extLst>
-              <a:ext uri="{28A0092B-C50C-407E-A947-70E740481C1C}">
-                <a14:useLocalDpi xmlns:a14="http://schemas.microsoft.com/office/drawing/2010/main" val="0"/>
-              </a:ext>
-            </a:extLst>
-          </a:blip>
-          <a:stretch>
-            <a:fillRect/>
-          </a:stretch>
-        </p:blipFill>
-        <p:spPr>
-          <a:xfrm>
-            <a:off x="2362910" y="1940179"/>
-            <a:ext cx="7620000" cy="3971925"/>
-          </a:xfrm>
-        </p:spPr>
-      </p:pic>
+        </p:nvSpPr>
+        <p:spPr/>
+        <p:txBody>
+          <a:bodyPr/>
+          <a:lstStyle/>
+          <a:p>
+            <a:r>
+              <a:rPr lang="en-US" dirty="0"/>
+              <a:t>To increase velocity, it is highly recommended that your team makes extensive usage of unit and functional testing. </a:t>
+            </a:r>
+            <a:endParaRPr lang="en-US" dirty="0" smtClean="0"/>
+          </a:p>
+          <a:p>
+            <a:r>
+              <a:rPr lang="en-US" dirty="0" smtClean="0"/>
+              <a:t>Since </a:t>
+            </a:r>
+            <a:r>
+              <a:rPr lang="en-US" dirty="0"/>
+              <a:t>DevOps relies heavily on automation, tracking how well your automated tests work is a good DevOps metrics. </a:t>
+            </a:r>
+            <a:endParaRPr lang="en-US" dirty="0" smtClean="0"/>
+          </a:p>
+          <a:p>
+            <a:r>
+              <a:rPr lang="en-US" dirty="0" smtClean="0"/>
+              <a:t>It </a:t>
+            </a:r>
+            <a:r>
+              <a:rPr lang="en-US" dirty="0"/>
+              <a:t>is good to know how often code changes are causing your tests to break.</a:t>
+            </a:r>
+          </a:p>
+        </p:txBody>
+      </p:sp>
       <p:sp>
         <p:nvSpPr>
           <p:cNvPr id="4" name="Slide Number Placeholder 3"/>
@@ -6562,7 +6851,129 @@
     </p:spTree>
     <p:extLst>
       <p:ext uri="{BB962C8B-B14F-4D97-AF65-F5344CB8AC3E}">
-        <p14:creationId xmlns:p14="http://schemas.microsoft.com/office/powerpoint/2010/main" val="3671150327"/>
+        <p14:creationId xmlns:p14="http://schemas.microsoft.com/office/powerpoint/2010/main" val="849201769"/>
+      </p:ext>
+    </p:extLst>
+  </p:cSld>
+  <p:clrMapOvr>
+    <a:masterClrMapping/>
+  </p:clrMapOvr>
+</p:sld>
+</file>
+
+<file path=ppt/slides/slide29.xml><?xml version="1.0" encoding="utf-8"?>
+<p:sld xmlns:a="http://schemas.openxmlformats.org/drawingml/2006/main" xmlns:r="http://schemas.openxmlformats.org/officeDocument/2006/relationships" xmlns:p="http://schemas.openxmlformats.org/presentationml/2006/main">
+  <p:cSld>
+    <p:spTree>
+      <p:nvGrpSpPr>
+        <p:cNvPr id="1" name=""/>
+        <p:cNvGrpSpPr/>
+        <p:nvPr/>
+      </p:nvGrpSpPr>
+      <p:grpSpPr>
+        <a:xfrm>
+          <a:off x="0" y="0"/>
+          <a:ext cx="0" cy="0"/>
+          <a:chOff x="0" y="0"/>
+          <a:chExt cx="0" cy="0"/>
+        </a:xfrm>
+      </p:grpSpPr>
+      <p:sp>
+        <p:nvSpPr>
+          <p:cNvPr id="2" name="Title 1"/>
+          <p:cNvSpPr>
+            <a:spLocks noGrp="1"/>
+          </p:cNvSpPr>
+          <p:nvPr>
+            <p:ph type="title"/>
+          </p:nvPr>
+        </p:nvSpPr>
+        <p:spPr/>
+        <p:txBody>
+          <a:bodyPr/>
+          <a:lstStyle/>
+          <a:p>
+            <a:r>
+              <a:rPr lang="en-US" dirty="0"/>
+              <a:t>Defect Escape Rate</a:t>
+            </a:r>
+          </a:p>
+        </p:txBody>
+      </p:sp>
+      <p:sp>
+        <p:nvSpPr>
+          <p:cNvPr id="3" name="Content Placeholder 2"/>
+          <p:cNvSpPr>
+            <a:spLocks noGrp="1"/>
+          </p:cNvSpPr>
+          <p:nvPr>
+            <p:ph idx="1"/>
+          </p:nvPr>
+        </p:nvSpPr>
+        <p:spPr/>
+        <p:txBody>
+          <a:bodyPr/>
+          <a:lstStyle/>
+          <a:p>
+            <a:r>
+              <a:rPr lang="en-US" dirty="0"/>
+              <a:t>Even with a great DevOps pipeline, defects will occur. </a:t>
+            </a:r>
+          </a:p>
+          <a:p>
+            <a:r>
+              <a:rPr lang="en-US" dirty="0"/>
+              <a:t>In some cases, these defects may be detected during development or testing phases of the pipeline. But in the worst case, they will pass tests and be detected by end users.</a:t>
+            </a:r>
+          </a:p>
+          <a:p>
+            <a:r>
+              <a:rPr lang="en-US" dirty="0"/>
+              <a:t>The defect escape rate reflects the number of defects found in production during and after deployment. </a:t>
+            </a:r>
+          </a:p>
+          <a:p>
+            <a:r>
+              <a:rPr lang="en-US" dirty="0"/>
+              <a:t>It identifies cracks in the software development process—defects slide through these cracks and indicates that the quality process should be optimized and tightened.</a:t>
+            </a:r>
+          </a:p>
+          <a:p>
+            <a:endParaRPr lang="en-US" dirty="0"/>
+          </a:p>
+          <a:p>
+            <a:endParaRPr lang="en-US" dirty="0"/>
+          </a:p>
+        </p:txBody>
+      </p:sp>
+      <p:sp>
+        <p:nvSpPr>
+          <p:cNvPr id="4" name="Slide Number Placeholder 3"/>
+          <p:cNvSpPr>
+            <a:spLocks noGrp="1"/>
+          </p:cNvSpPr>
+          <p:nvPr>
+            <p:ph type="sldNum" sz="quarter" idx="12"/>
+          </p:nvPr>
+        </p:nvSpPr>
+        <p:spPr/>
+        <p:txBody>
+          <a:bodyPr/>
+          <a:lstStyle/>
+          <a:p>
+            <a:fld id="{B8DACC02-A2BD-4578-8E03-6D891060A695}" type="slidenum">
+              <a:rPr lang="en-US" smtClean="0"/>
+              <a:pPr/>
+              <a:t>29</a:t>
+            </a:fld>
+            <a:endParaRPr lang="en-US" dirty="0"/>
+          </a:p>
+        </p:txBody>
+      </p:sp>
+    </p:spTree>
+    <p:extLst>
+      <p:ext uri="{BB962C8B-B14F-4D97-AF65-F5344CB8AC3E}">
+        <p14:creationId xmlns:p14="http://schemas.microsoft.com/office/powerpoint/2010/main" val="1640919458"/>
       </p:ext>
     </p:extLst>
   </p:cSld>
@@ -6664,6 +7075,1412 @@
   <p:clrMapOvr>
     <a:masterClrMapping/>
   </p:clrMapOvr>
+</p:sld>
+</file>
+
+<file path=ppt/slides/slide30.xml><?xml version="1.0" encoding="utf-8"?>
+<p:sld xmlns:a="http://schemas.openxmlformats.org/drawingml/2006/main" xmlns:r="http://schemas.openxmlformats.org/officeDocument/2006/relationships" xmlns:p="http://schemas.openxmlformats.org/presentationml/2006/main">
+  <p:cSld>
+    <p:spTree>
+      <p:nvGrpSpPr>
+        <p:cNvPr id="1" name=""/>
+        <p:cNvGrpSpPr/>
+        <p:nvPr/>
+      </p:nvGrpSpPr>
+      <p:grpSpPr>
+        <a:xfrm>
+          <a:off x="0" y="0"/>
+          <a:ext cx="0" cy="0"/>
+          <a:chOff x="0" y="0"/>
+          <a:chExt cx="0" cy="0"/>
+        </a:xfrm>
+      </p:grpSpPr>
+      <p:sp>
+        <p:nvSpPr>
+          <p:cNvPr id="2" name="Title 1"/>
+          <p:cNvSpPr>
+            <a:spLocks noGrp="1"/>
+          </p:cNvSpPr>
+          <p:nvPr>
+            <p:ph type="title"/>
+          </p:nvPr>
+        </p:nvSpPr>
+        <p:spPr/>
+        <p:txBody>
+          <a:bodyPr>
+            <a:normAutofit/>
+          </a:bodyPr>
+          <a:lstStyle/>
+          <a:p>
+            <a:r>
+              <a:rPr lang="en-US" dirty="0" smtClean="0"/>
+              <a:t>Availability</a:t>
+            </a:r>
+            <a:endParaRPr lang="en-US" dirty="0"/>
+          </a:p>
+        </p:txBody>
+      </p:sp>
+      <p:sp>
+        <p:nvSpPr>
+          <p:cNvPr id="3" name="Content Placeholder 2"/>
+          <p:cNvSpPr>
+            <a:spLocks noGrp="1"/>
+          </p:cNvSpPr>
+          <p:nvPr>
+            <p:ph idx="1"/>
+          </p:nvPr>
+        </p:nvSpPr>
+        <p:spPr/>
+        <p:txBody>
+          <a:bodyPr/>
+          <a:lstStyle/>
+          <a:p>
+            <a:r>
+              <a:rPr lang="en-US" dirty="0" smtClean="0"/>
+              <a:t>The </a:t>
+            </a:r>
+            <a:r>
+              <a:rPr lang="en-US" dirty="0"/>
+              <a:t>last thing you ever want is for your application to be down. </a:t>
+            </a:r>
+            <a:endParaRPr lang="en-US" dirty="0" smtClean="0"/>
+          </a:p>
+          <a:p>
+            <a:r>
+              <a:rPr lang="en-US" dirty="0" smtClean="0"/>
+              <a:t>Depending </a:t>
+            </a:r>
+            <a:r>
+              <a:rPr lang="en-US" dirty="0"/>
+              <a:t>on your type of application and how you deploy it, you may have a little downtime as part of scheduled maintenance. </a:t>
+            </a:r>
+            <a:endParaRPr lang="en-US" dirty="0" smtClean="0"/>
+          </a:p>
+          <a:p>
+            <a:endParaRPr lang="en-US" dirty="0"/>
+          </a:p>
+        </p:txBody>
+      </p:sp>
+      <p:sp>
+        <p:nvSpPr>
+          <p:cNvPr id="4" name="Slide Number Placeholder 3"/>
+          <p:cNvSpPr>
+            <a:spLocks noGrp="1"/>
+          </p:cNvSpPr>
+          <p:nvPr>
+            <p:ph type="sldNum" sz="quarter" idx="12"/>
+          </p:nvPr>
+        </p:nvSpPr>
+        <p:spPr/>
+        <p:txBody>
+          <a:bodyPr/>
+          <a:lstStyle/>
+          <a:p>
+            <a:fld id="{B8DACC02-A2BD-4578-8E03-6D891060A695}" type="slidenum">
+              <a:rPr lang="en-US" smtClean="0"/>
+              <a:pPr/>
+              <a:t>30</a:t>
+            </a:fld>
+            <a:endParaRPr lang="en-US" dirty="0"/>
+          </a:p>
+        </p:txBody>
+      </p:sp>
+    </p:spTree>
+    <p:extLst>
+      <p:ext uri="{BB962C8B-B14F-4D97-AF65-F5344CB8AC3E}">
+        <p14:creationId xmlns:p14="http://schemas.microsoft.com/office/powerpoint/2010/main" val="3979352005"/>
+      </p:ext>
+    </p:extLst>
+  </p:cSld>
+  <p:clrMapOvr>
+    <a:masterClrMapping/>
+  </p:clrMapOvr>
+</p:sld>
+</file>
+
+<file path=ppt/slides/slide31.xml><?xml version="1.0" encoding="utf-8"?>
+<p:sld xmlns:a="http://schemas.openxmlformats.org/drawingml/2006/main" xmlns:r="http://schemas.openxmlformats.org/officeDocument/2006/relationships" xmlns:p="http://schemas.openxmlformats.org/presentationml/2006/main">
+  <p:cSld>
+    <p:spTree>
+      <p:nvGrpSpPr>
+        <p:cNvPr id="1" name=""/>
+        <p:cNvGrpSpPr/>
+        <p:nvPr/>
+      </p:nvGrpSpPr>
+      <p:grpSpPr>
+        <a:xfrm>
+          <a:off x="0" y="0"/>
+          <a:ext cx="0" cy="0"/>
+          <a:chOff x="0" y="0"/>
+          <a:chExt cx="0" cy="0"/>
+        </a:xfrm>
+      </p:grpSpPr>
+      <p:sp>
+        <p:nvSpPr>
+          <p:cNvPr id="2" name="Title 1"/>
+          <p:cNvSpPr>
+            <a:spLocks noGrp="1"/>
+          </p:cNvSpPr>
+          <p:nvPr>
+            <p:ph type="title"/>
+          </p:nvPr>
+        </p:nvSpPr>
+        <p:spPr/>
+        <p:txBody>
+          <a:bodyPr>
+            <a:normAutofit/>
+          </a:bodyPr>
+          <a:lstStyle/>
+          <a:p>
+            <a:r>
+              <a:rPr lang="en-US" dirty="0"/>
+              <a:t>Service level </a:t>
+            </a:r>
+            <a:r>
+              <a:rPr lang="en-US" dirty="0" smtClean="0"/>
+              <a:t>agreements</a:t>
+            </a:r>
+            <a:endParaRPr lang="en-US" dirty="0"/>
+          </a:p>
+        </p:txBody>
+      </p:sp>
+      <p:sp>
+        <p:nvSpPr>
+          <p:cNvPr id="3" name="Content Placeholder 2"/>
+          <p:cNvSpPr>
+            <a:spLocks noGrp="1"/>
+          </p:cNvSpPr>
+          <p:nvPr>
+            <p:ph idx="1"/>
+          </p:nvPr>
+        </p:nvSpPr>
+        <p:spPr/>
+        <p:txBody>
+          <a:bodyPr/>
+          <a:lstStyle/>
+          <a:p>
+            <a:r>
+              <a:rPr lang="en-US" dirty="0" smtClean="0"/>
+              <a:t>Most </a:t>
+            </a:r>
+            <a:r>
+              <a:rPr lang="en-US" dirty="0"/>
+              <a:t>companies have some service level agreement (SLA) that they operate with. </a:t>
+            </a:r>
+            <a:endParaRPr lang="en-US" dirty="0" smtClean="0"/>
+          </a:p>
+          <a:p>
+            <a:r>
+              <a:rPr lang="en-US" dirty="0" smtClean="0"/>
+              <a:t>It </a:t>
+            </a:r>
+            <a:r>
+              <a:rPr lang="en-US" dirty="0"/>
+              <a:t>is also important that you track your compliance with your SLAs. </a:t>
+            </a:r>
+            <a:endParaRPr lang="en-US" dirty="0" smtClean="0"/>
+          </a:p>
+          <a:p>
+            <a:r>
+              <a:rPr lang="en-US" dirty="0" smtClean="0"/>
+              <a:t>Even </a:t>
+            </a:r>
+            <a:r>
+              <a:rPr lang="en-US" dirty="0"/>
+              <a:t>if there are no formal SLA, there probably are application requirements or expectations to be achieved.</a:t>
+            </a:r>
+          </a:p>
+        </p:txBody>
+      </p:sp>
+      <p:sp>
+        <p:nvSpPr>
+          <p:cNvPr id="4" name="Slide Number Placeholder 3"/>
+          <p:cNvSpPr>
+            <a:spLocks noGrp="1"/>
+          </p:cNvSpPr>
+          <p:nvPr>
+            <p:ph type="sldNum" sz="quarter" idx="12"/>
+          </p:nvPr>
+        </p:nvSpPr>
+        <p:spPr/>
+        <p:txBody>
+          <a:bodyPr/>
+          <a:lstStyle/>
+          <a:p>
+            <a:fld id="{B8DACC02-A2BD-4578-8E03-6D891060A695}" type="slidenum">
+              <a:rPr lang="en-US" smtClean="0"/>
+              <a:pPr/>
+              <a:t>31</a:t>
+            </a:fld>
+            <a:endParaRPr lang="en-US" dirty="0"/>
+          </a:p>
+        </p:txBody>
+      </p:sp>
+    </p:spTree>
+    <p:extLst>
+      <p:ext uri="{BB962C8B-B14F-4D97-AF65-F5344CB8AC3E}">
+        <p14:creationId xmlns:p14="http://schemas.microsoft.com/office/powerpoint/2010/main" val="3960581462"/>
+      </p:ext>
+    </p:extLst>
+  </p:cSld>
+  <p:clrMapOvr>
+    <a:masterClrMapping/>
+  </p:clrMapOvr>
+</p:sld>
+</file>
+
+<file path=ppt/slides/slide32.xml><?xml version="1.0" encoding="utf-8"?>
+<p:sld xmlns:a="http://schemas.openxmlformats.org/drawingml/2006/main" xmlns:r="http://schemas.openxmlformats.org/officeDocument/2006/relationships" xmlns:p="http://schemas.openxmlformats.org/presentationml/2006/main">
+  <p:cSld>
+    <p:spTree>
+      <p:nvGrpSpPr>
+        <p:cNvPr id="1" name=""/>
+        <p:cNvGrpSpPr/>
+        <p:nvPr/>
+      </p:nvGrpSpPr>
+      <p:grpSpPr>
+        <a:xfrm>
+          <a:off x="0" y="0"/>
+          <a:ext cx="0" cy="0"/>
+          <a:chOff x="0" y="0"/>
+          <a:chExt cx="0" cy="0"/>
+        </a:xfrm>
+      </p:grpSpPr>
+      <p:sp>
+        <p:nvSpPr>
+          <p:cNvPr id="2" name="Title 1"/>
+          <p:cNvSpPr>
+            <a:spLocks noGrp="1"/>
+          </p:cNvSpPr>
+          <p:nvPr>
+            <p:ph type="title"/>
+          </p:nvPr>
+        </p:nvSpPr>
+        <p:spPr/>
+        <p:txBody>
+          <a:bodyPr>
+            <a:normAutofit/>
+          </a:bodyPr>
+          <a:lstStyle/>
+          <a:p>
+            <a:r>
+              <a:rPr lang="en-US" dirty="0"/>
+              <a:t>Failed </a:t>
+            </a:r>
+            <a:r>
+              <a:rPr lang="en-US" dirty="0" smtClean="0"/>
+              <a:t>deployments</a:t>
+            </a:r>
+            <a:endParaRPr lang="en-US" dirty="0"/>
+          </a:p>
+        </p:txBody>
+      </p:sp>
+      <p:sp>
+        <p:nvSpPr>
+          <p:cNvPr id="3" name="Content Placeholder 2"/>
+          <p:cNvSpPr>
+            <a:spLocks noGrp="1"/>
+          </p:cNvSpPr>
+          <p:nvPr>
+            <p:ph idx="1"/>
+          </p:nvPr>
+        </p:nvSpPr>
+        <p:spPr/>
+        <p:txBody>
+          <a:bodyPr/>
+          <a:lstStyle/>
+          <a:p>
+            <a:r>
+              <a:rPr lang="en-US" dirty="0" smtClean="0"/>
+              <a:t>We </a:t>
+            </a:r>
+            <a:r>
+              <a:rPr lang="en-US" dirty="0"/>
+              <a:t>all hope this never happens, but how often do your deployments cause an outage or major issues for your users? </a:t>
+            </a:r>
+            <a:endParaRPr lang="en-US" dirty="0" smtClean="0"/>
+          </a:p>
+          <a:p>
+            <a:r>
+              <a:rPr lang="en-US" dirty="0" smtClean="0"/>
+              <a:t>Reversing </a:t>
+            </a:r>
+            <a:r>
+              <a:rPr lang="en-US" dirty="0"/>
+              <a:t>a failed deployment is something we never want to do, but it is something you should always plan for. </a:t>
+            </a:r>
+            <a:endParaRPr lang="en-US" dirty="0" smtClean="0"/>
+          </a:p>
+          <a:p>
+            <a:r>
+              <a:rPr lang="en-US" dirty="0" smtClean="0"/>
+              <a:t>If </a:t>
+            </a:r>
+            <a:r>
+              <a:rPr lang="en-US" dirty="0"/>
+              <a:t>you have issues with failed deployments, be sure to track this metric over time. </a:t>
+            </a:r>
+            <a:endParaRPr lang="en-US" dirty="0" smtClean="0"/>
+          </a:p>
+          <a:p>
+            <a:r>
+              <a:rPr lang="en-US" dirty="0" smtClean="0"/>
+              <a:t>This </a:t>
+            </a:r>
+            <a:r>
+              <a:rPr lang="en-US" dirty="0"/>
+              <a:t>could also be seen as tracking mean time to failure (MTTF).</a:t>
+            </a:r>
+          </a:p>
+          <a:p>
+            <a:endParaRPr lang="en-US" dirty="0"/>
+          </a:p>
+        </p:txBody>
+      </p:sp>
+      <p:sp>
+        <p:nvSpPr>
+          <p:cNvPr id="4" name="Slide Number Placeholder 3"/>
+          <p:cNvSpPr>
+            <a:spLocks noGrp="1"/>
+          </p:cNvSpPr>
+          <p:nvPr>
+            <p:ph type="sldNum" sz="quarter" idx="12"/>
+          </p:nvPr>
+        </p:nvSpPr>
+        <p:spPr/>
+        <p:txBody>
+          <a:bodyPr/>
+          <a:lstStyle/>
+          <a:p>
+            <a:fld id="{B8DACC02-A2BD-4578-8E03-6D891060A695}" type="slidenum">
+              <a:rPr lang="en-US" smtClean="0"/>
+              <a:pPr/>
+              <a:t>32</a:t>
+            </a:fld>
+            <a:endParaRPr lang="en-US" dirty="0"/>
+          </a:p>
+        </p:txBody>
+      </p:sp>
+    </p:spTree>
+    <p:extLst>
+      <p:ext uri="{BB962C8B-B14F-4D97-AF65-F5344CB8AC3E}">
+        <p14:creationId xmlns:p14="http://schemas.microsoft.com/office/powerpoint/2010/main" val="279919680"/>
+      </p:ext>
+    </p:extLst>
+  </p:cSld>
+  <p:clrMapOvr>
+    <a:masterClrMapping/>
+  </p:clrMapOvr>
+</p:sld>
+</file>
+
+<file path=ppt/slides/slide33.xml><?xml version="1.0" encoding="utf-8"?>
+<p:sld xmlns:a="http://schemas.openxmlformats.org/drawingml/2006/main" xmlns:r="http://schemas.openxmlformats.org/officeDocument/2006/relationships" xmlns:p="http://schemas.openxmlformats.org/presentationml/2006/main">
+  <p:cSld>
+    <p:spTree>
+      <p:nvGrpSpPr>
+        <p:cNvPr id="1" name=""/>
+        <p:cNvGrpSpPr/>
+        <p:nvPr/>
+      </p:nvGrpSpPr>
+      <p:grpSpPr>
+        <a:xfrm>
+          <a:off x="0" y="0"/>
+          <a:ext cx="0" cy="0"/>
+          <a:chOff x="0" y="0"/>
+          <a:chExt cx="0" cy="0"/>
+        </a:xfrm>
+      </p:grpSpPr>
+      <p:sp>
+        <p:nvSpPr>
+          <p:cNvPr id="2" name="Title 1"/>
+          <p:cNvSpPr>
+            <a:spLocks noGrp="1"/>
+          </p:cNvSpPr>
+          <p:nvPr>
+            <p:ph type="title"/>
+          </p:nvPr>
+        </p:nvSpPr>
+        <p:spPr/>
+        <p:txBody>
+          <a:bodyPr/>
+          <a:lstStyle/>
+          <a:p>
+            <a:r>
+              <a:rPr lang="en-US" dirty="0"/>
+              <a:t>Error rates</a:t>
+            </a:r>
+          </a:p>
+        </p:txBody>
+      </p:sp>
+      <p:sp>
+        <p:nvSpPr>
+          <p:cNvPr id="3" name="Content Placeholder 2"/>
+          <p:cNvSpPr>
+            <a:spLocks noGrp="1"/>
+          </p:cNvSpPr>
+          <p:nvPr>
+            <p:ph idx="1"/>
+          </p:nvPr>
+        </p:nvSpPr>
+        <p:spPr/>
+        <p:txBody>
+          <a:bodyPr>
+            <a:normAutofit/>
+          </a:bodyPr>
+          <a:lstStyle/>
+          <a:p>
+            <a:r>
+              <a:rPr lang="en-US" dirty="0" smtClean="0"/>
+              <a:t>Tracking </a:t>
+            </a:r>
+            <a:r>
+              <a:rPr lang="en-US" dirty="0"/>
+              <a:t>error rates within your application is super important. </a:t>
+            </a:r>
+            <a:endParaRPr lang="en-US" dirty="0" smtClean="0"/>
+          </a:p>
+          <a:p>
+            <a:r>
+              <a:rPr lang="en-US" dirty="0" smtClean="0"/>
+              <a:t>Not </a:t>
+            </a:r>
+            <a:r>
+              <a:rPr lang="en-US" dirty="0"/>
+              <a:t>only are they an indicator of quality problems, but also ongoing performance and uptime related issues. </a:t>
+            </a:r>
+            <a:endParaRPr lang="en-US" dirty="0" smtClean="0"/>
+          </a:p>
+          <a:p>
+            <a:r>
+              <a:rPr lang="en-US" dirty="0" smtClean="0"/>
+              <a:t>Good </a:t>
+            </a:r>
+            <a:r>
+              <a:rPr lang="en-US" dirty="0"/>
+              <a:t>exception handling best practices are critical for good software.</a:t>
+            </a:r>
+          </a:p>
+          <a:p>
+            <a:pPr lvl="1"/>
+            <a:r>
+              <a:rPr lang="en-US" dirty="0" smtClean="0"/>
+              <a:t>Bugs </a:t>
+            </a:r>
+            <a:r>
+              <a:rPr lang="en-US" dirty="0"/>
+              <a:t>– Identify new exceptions being thrown in your code after a deployment</a:t>
+            </a:r>
+          </a:p>
+          <a:p>
+            <a:pPr lvl="1"/>
+            <a:r>
+              <a:rPr lang="en-US" dirty="0"/>
+              <a:t>Production issues – Capture issues with database connections, query timeouts, and other related issues</a:t>
+            </a:r>
+            <a:r>
+              <a:rPr lang="en-US" dirty="0" smtClean="0"/>
+              <a:t>.</a:t>
+            </a:r>
+            <a:endParaRPr lang="en-US" dirty="0"/>
+          </a:p>
+        </p:txBody>
+      </p:sp>
+      <p:sp>
+        <p:nvSpPr>
+          <p:cNvPr id="4" name="Slide Number Placeholder 3"/>
+          <p:cNvSpPr>
+            <a:spLocks noGrp="1"/>
+          </p:cNvSpPr>
+          <p:nvPr>
+            <p:ph type="sldNum" sz="quarter" idx="12"/>
+          </p:nvPr>
+        </p:nvSpPr>
+        <p:spPr/>
+        <p:txBody>
+          <a:bodyPr/>
+          <a:lstStyle/>
+          <a:p>
+            <a:fld id="{B8DACC02-A2BD-4578-8E03-6D891060A695}" type="slidenum">
+              <a:rPr lang="en-US" smtClean="0"/>
+              <a:pPr/>
+              <a:t>33</a:t>
+            </a:fld>
+            <a:endParaRPr lang="en-US" dirty="0"/>
+          </a:p>
+        </p:txBody>
+      </p:sp>
+      <p:pic>
+        <p:nvPicPr>
+          <p:cNvPr id="1026" name="Picture 2" descr="https://stackify.com/wp-content/uploads/2017/12/word-image-2.png"/>
+          <p:cNvPicPr>
+            <a:picLocks noChangeAspect="1" noChangeArrowheads="1"/>
+          </p:cNvPicPr>
+          <p:nvPr/>
+        </p:nvPicPr>
+        <p:blipFill>
+          <a:blip r:embed="rId2">
+            <a:extLst>
+              <a:ext uri="{28A0092B-C50C-407E-A947-70E740481C1C}">
+                <a14:useLocalDpi xmlns:a14="http://schemas.microsoft.com/office/drawing/2010/main" val="0"/>
+              </a:ext>
+            </a:extLst>
+          </a:blip>
+          <a:srcRect/>
+          <a:stretch>
+            <a:fillRect/>
+          </a:stretch>
+        </p:blipFill>
+        <p:spPr bwMode="auto">
+          <a:xfrm>
+            <a:off x="1682496" y="4802045"/>
+            <a:ext cx="8915400" cy="1550505"/>
+          </a:xfrm>
+          <a:prstGeom prst="rect">
+            <a:avLst/>
+          </a:prstGeom>
+          <a:noFill/>
+          <a:extLst>
+            <a:ext uri="{909E8E84-426E-40DD-AFC4-6F175D3DCCD1}">
+              <a14:hiddenFill xmlns:a14="http://schemas.microsoft.com/office/drawing/2010/main">
+                <a:solidFill>
+                  <a:srgbClr val="FFFFFF"/>
+                </a:solidFill>
+              </a14:hiddenFill>
+            </a:ext>
+          </a:extLst>
+        </p:spPr>
+      </p:pic>
+    </p:spTree>
+    <p:extLst>
+      <p:ext uri="{BB962C8B-B14F-4D97-AF65-F5344CB8AC3E}">
+        <p14:creationId xmlns:p14="http://schemas.microsoft.com/office/powerpoint/2010/main" val="3683158242"/>
+      </p:ext>
+    </p:extLst>
+  </p:cSld>
+  <p:clrMapOvr>
+    <a:masterClrMapping/>
+  </p:clrMapOvr>
+</p:sld>
+</file>
+
+<file path=ppt/slides/slide34.xml><?xml version="1.0" encoding="utf-8"?>
+<p:sld xmlns:a="http://schemas.openxmlformats.org/drawingml/2006/main" xmlns:r="http://schemas.openxmlformats.org/officeDocument/2006/relationships" xmlns:p="http://schemas.openxmlformats.org/presentationml/2006/main">
+  <p:cSld>
+    <p:spTree>
+      <p:nvGrpSpPr>
+        <p:cNvPr id="1" name=""/>
+        <p:cNvGrpSpPr/>
+        <p:nvPr/>
+      </p:nvGrpSpPr>
+      <p:grpSpPr>
+        <a:xfrm>
+          <a:off x="0" y="0"/>
+          <a:ext cx="0" cy="0"/>
+          <a:chOff x="0" y="0"/>
+          <a:chExt cx="0" cy="0"/>
+        </a:xfrm>
+      </p:grpSpPr>
+      <p:sp>
+        <p:nvSpPr>
+          <p:cNvPr id="2" name="Title 1"/>
+          <p:cNvSpPr>
+            <a:spLocks noGrp="1"/>
+          </p:cNvSpPr>
+          <p:nvPr>
+            <p:ph type="title"/>
+          </p:nvPr>
+        </p:nvSpPr>
+        <p:spPr/>
+        <p:txBody>
+          <a:bodyPr>
+            <a:normAutofit/>
+          </a:bodyPr>
+          <a:lstStyle/>
+          <a:p>
+            <a:r>
+              <a:rPr lang="en-US" dirty="0"/>
+              <a:t>Application usage &amp; </a:t>
+            </a:r>
+            <a:r>
+              <a:rPr lang="en-US" dirty="0" smtClean="0"/>
+              <a:t>traffic</a:t>
+            </a:r>
+            <a:endParaRPr lang="en-US" dirty="0"/>
+          </a:p>
+        </p:txBody>
+      </p:sp>
+      <p:sp>
+        <p:nvSpPr>
+          <p:cNvPr id="3" name="Content Placeholder 2"/>
+          <p:cNvSpPr>
+            <a:spLocks noGrp="1"/>
+          </p:cNvSpPr>
+          <p:nvPr>
+            <p:ph idx="1"/>
+          </p:nvPr>
+        </p:nvSpPr>
+        <p:spPr/>
+        <p:txBody>
+          <a:bodyPr/>
+          <a:lstStyle/>
+          <a:p>
+            <a:r>
+              <a:rPr lang="en-US" dirty="0" smtClean="0"/>
+              <a:t>After </a:t>
+            </a:r>
+            <a:r>
+              <a:rPr lang="en-US" dirty="0"/>
+              <a:t>a deployment, you want to see if the amount of transactions or users accessing your system looks normal. </a:t>
+            </a:r>
+            <a:endParaRPr lang="en-US" dirty="0" smtClean="0"/>
+          </a:p>
+          <a:p>
+            <a:r>
+              <a:rPr lang="en-US" dirty="0" smtClean="0"/>
+              <a:t>If </a:t>
+            </a:r>
+            <a:r>
+              <a:rPr lang="en-US" dirty="0"/>
+              <a:t>you suddenly have no traffic or a giant spike in traffic, something could be wrong.</a:t>
+            </a:r>
+          </a:p>
+          <a:p>
+            <a:r>
+              <a:rPr lang="en-US" dirty="0" smtClean="0"/>
+              <a:t>The </a:t>
+            </a:r>
+            <a:r>
+              <a:rPr lang="en-US" dirty="0"/>
+              <a:t>last thing you ever want to see is no traffic at all. </a:t>
+            </a:r>
+            <a:endParaRPr lang="en-US" dirty="0" smtClean="0"/>
+          </a:p>
+          <a:p>
+            <a:r>
+              <a:rPr lang="en-US" dirty="0" smtClean="0"/>
+              <a:t>You </a:t>
+            </a:r>
+            <a:r>
+              <a:rPr lang="en-US" dirty="0"/>
+              <a:t>could also see a spike in traffic if you are using </a:t>
+            </a:r>
+            <a:r>
+              <a:rPr lang="en-US" dirty="0" err="1"/>
+              <a:t>microservices</a:t>
+            </a:r>
+            <a:r>
+              <a:rPr lang="en-US" dirty="0"/>
+              <a:t> and one of your applications is causing a lot more traffic all of a sudden.</a:t>
+            </a:r>
+          </a:p>
+        </p:txBody>
+      </p:sp>
+      <p:sp>
+        <p:nvSpPr>
+          <p:cNvPr id="4" name="Slide Number Placeholder 3"/>
+          <p:cNvSpPr>
+            <a:spLocks noGrp="1"/>
+          </p:cNvSpPr>
+          <p:nvPr>
+            <p:ph type="sldNum" sz="quarter" idx="12"/>
+          </p:nvPr>
+        </p:nvSpPr>
+        <p:spPr/>
+        <p:txBody>
+          <a:bodyPr/>
+          <a:lstStyle/>
+          <a:p>
+            <a:fld id="{B8DACC02-A2BD-4578-8E03-6D891060A695}" type="slidenum">
+              <a:rPr lang="en-US" smtClean="0"/>
+              <a:pPr/>
+              <a:t>34</a:t>
+            </a:fld>
+            <a:endParaRPr lang="en-US" dirty="0"/>
+          </a:p>
+        </p:txBody>
+      </p:sp>
+    </p:spTree>
+    <p:extLst>
+      <p:ext uri="{BB962C8B-B14F-4D97-AF65-F5344CB8AC3E}">
+        <p14:creationId xmlns:p14="http://schemas.microsoft.com/office/powerpoint/2010/main" val="4268337211"/>
+      </p:ext>
+    </p:extLst>
+  </p:cSld>
+  <p:clrMapOvr>
+    <a:masterClrMapping/>
+  </p:clrMapOvr>
+</p:sld>
+</file>
+
+<file path=ppt/slides/slide35.xml><?xml version="1.0" encoding="utf-8"?>
+<p:sld xmlns:a="http://schemas.openxmlformats.org/drawingml/2006/main" xmlns:r="http://schemas.openxmlformats.org/officeDocument/2006/relationships" xmlns:p="http://schemas.openxmlformats.org/presentationml/2006/main">
+  <p:cSld>
+    <p:spTree>
+      <p:nvGrpSpPr>
+        <p:cNvPr id="1" name=""/>
+        <p:cNvGrpSpPr/>
+        <p:nvPr/>
+      </p:nvGrpSpPr>
+      <p:grpSpPr>
+        <a:xfrm>
+          <a:off x="0" y="0"/>
+          <a:ext cx="0" cy="0"/>
+          <a:chOff x="0" y="0"/>
+          <a:chExt cx="0" cy="0"/>
+        </a:xfrm>
+      </p:grpSpPr>
+      <p:sp>
+        <p:nvSpPr>
+          <p:cNvPr id="2" name="Title 1"/>
+          <p:cNvSpPr>
+            <a:spLocks noGrp="1"/>
+          </p:cNvSpPr>
+          <p:nvPr>
+            <p:ph type="title"/>
+          </p:nvPr>
+        </p:nvSpPr>
+        <p:spPr/>
+        <p:txBody>
+          <a:bodyPr/>
+          <a:lstStyle/>
+          <a:p>
+            <a:r>
+              <a:rPr lang="en-US" dirty="0"/>
+              <a:t>Application performance</a:t>
+            </a:r>
+          </a:p>
+        </p:txBody>
+      </p:sp>
+      <p:sp>
+        <p:nvSpPr>
+          <p:cNvPr id="3" name="Content Placeholder 2"/>
+          <p:cNvSpPr>
+            <a:spLocks noGrp="1"/>
+          </p:cNvSpPr>
+          <p:nvPr>
+            <p:ph idx="1"/>
+          </p:nvPr>
+        </p:nvSpPr>
+        <p:spPr/>
+        <p:txBody>
+          <a:bodyPr/>
+          <a:lstStyle/>
+          <a:p>
+            <a:r>
+              <a:rPr lang="en-US" dirty="0" smtClean="0"/>
+              <a:t>Before </a:t>
+            </a:r>
+            <a:r>
+              <a:rPr lang="en-US" dirty="0"/>
+              <a:t>you even do a deployment, you should use a tool </a:t>
+            </a:r>
+            <a:r>
+              <a:rPr lang="en-US" dirty="0" smtClean="0"/>
+              <a:t>to </a:t>
+            </a:r>
+            <a:r>
+              <a:rPr lang="en-US" dirty="0"/>
+              <a:t>look for performance problems, hidden errors, and other issues. </a:t>
+            </a:r>
+            <a:endParaRPr lang="en-US" dirty="0" smtClean="0"/>
+          </a:p>
+          <a:p>
+            <a:r>
+              <a:rPr lang="en-US" dirty="0" smtClean="0"/>
+              <a:t>During </a:t>
+            </a:r>
+            <a:r>
+              <a:rPr lang="en-US" dirty="0"/>
+              <a:t>and after the deployment, you should also look for any changes in overall application performance.</a:t>
+            </a:r>
+          </a:p>
+          <a:p>
+            <a:r>
+              <a:rPr lang="en-US" dirty="0" smtClean="0"/>
+              <a:t>It </a:t>
+            </a:r>
+            <a:r>
+              <a:rPr lang="en-US" dirty="0"/>
+              <a:t>might be common after a deployment to see major changes in the usage of specific SQL queries, web service calls, and other application dependencies. </a:t>
+            </a:r>
+          </a:p>
+        </p:txBody>
+      </p:sp>
+      <p:sp>
+        <p:nvSpPr>
+          <p:cNvPr id="4" name="Slide Number Placeholder 3"/>
+          <p:cNvSpPr>
+            <a:spLocks noGrp="1"/>
+          </p:cNvSpPr>
+          <p:nvPr>
+            <p:ph type="sldNum" sz="quarter" idx="12"/>
+          </p:nvPr>
+        </p:nvSpPr>
+        <p:spPr/>
+        <p:txBody>
+          <a:bodyPr/>
+          <a:lstStyle/>
+          <a:p>
+            <a:fld id="{B8DACC02-A2BD-4578-8E03-6D891060A695}" type="slidenum">
+              <a:rPr lang="en-US" smtClean="0"/>
+              <a:pPr/>
+              <a:t>35</a:t>
+            </a:fld>
+            <a:endParaRPr lang="en-US" dirty="0"/>
+          </a:p>
+        </p:txBody>
+      </p:sp>
+      <p:pic>
+        <p:nvPicPr>
+          <p:cNvPr id="2050" name="Picture 2" descr="https://stackify.com/wp-content/uploads/2017/12/word-image-3.png"/>
+          <p:cNvPicPr>
+            <a:picLocks noChangeAspect="1" noChangeArrowheads="1"/>
+          </p:cNvPicPr>
+          <p:nvPr/>
+        </p:nvPicPr>
+        <p:blipFill>
+          <a:blip r:embed="rId2">
+            <a:extLst>
+              <a:ext uri="{28A0092B-C50C-407E-A947-70E740481C1C}">
+                <a14:useLocalDpi xmlns:a14="http://schemas.microsoft.com/office/drawing/2010/main" val="0"/>
+              </a:ext>
+            </a:extLst>
+          </a:blip>
+          <a:srcRect/>
+          <a:stretch>
+            <a:fillRect/>
+          </a:stretch>
+        </p:blipFill>
+        <p:spPr bwMode="auto">
+          <a:xfrm>
+            <a:off x="3365119" y="4389551"/>
+            <a:ext cx="8336376" cy="1963000"/>
+          </a:xfrm>
+          <a:prstGeom prst="rect">
+            <a:avLst/>
+          </a:prstGeom>
+          <a:noFill/>
+          <a:extLst>
+            <a:ext uri="{909E8E84-426E-40DD-AFC4-6F175D3DCCD1}">
+              <a14:hiddenFill xmlns:a14="http://schemas.microsoft.com/office/drawing/2010/main">
+                <a:solidFill>
+                  <a:srgbClr val="FFFFFF"/>
+                </a:solidFill>
+              </a14:hiddenFill>
+            </a:ext>
+          </a:extLst>
+        </p:spPr>
+      </p:pic>
+    </p:spTree>
+    <p:extLst>
+      <p:ext uri="{BB962C8B-B14F-4D97-AF65-F5344CB8AC3E}">
+        <p14:creationId xmlns:p14="http://schemas.microsoft.com/office/powerpoint/2010/main" val="2058158379"/>
+      </p:ext>
+    </p:extLst>
+  </p:cSld>
+  <p:clrMapOvr>
+    <a:masterClrMapping/>
+  </p:clrMapOvr>
+</p:sld>
+</file>
+
+<file path=ppt/slides/slide36.xml><?xml version="1.0" encoding="utf-8"?>
+<p:sld xmlns:a="http://schemas.openxmlformats.org/drawingml/2006/main" xmlns:r="http://schemas.openxmlformats.org/officeDocument/2006/relationships" xmlns:p="http://schemas.openxmlformats.org/presentationml/2006/main">
+  <p:cSld>
+    <p:spTree>
+      <p:nvGrpSpPr>
+        <p:cNvPr id="1" name=""/>
+        <p:cNvGrpSpPr/>
+        <p:nvPr/>
+      </p:nvGrpSpPr>
+      <p:grpSpPr>
+        <a:xfrm>
+          <a:off x="0" y="0"/>
+          <a:ext cx="0" cy="0"/>
+          <a:chOff x="0" y="0"/>
+          <a:chExt cx="0" cy="0"/>
+        </a:xfrm>
+      </p:grpSpPr>
+      <p:sp>
+        <p:nvSpPr>
+          <p:cNvPr id="2" name="Title 1"/>
+          <p:cNvSpPr>
+            <a:spLocks noGrp="1"/>
+          </p:cNvSpPr>
+          <p:nvPr>
+            <p:ph type="title"/>
+          </p:nvPr>
+        </p:nvSpPr>
+        <p:spPr/>
+        <p:txBody>
+          <a:bodyPr/>
+          <a:lstStyle/>
+          <a:p>
+            <a:r>
+              <a:rPr lang="en-US" dirty="0"/>
+              <a:t>Mean time to detection (MTTD)</a:t>
+            </a:r>
+          </a:p>
+        </p:txBody>
+      </p:sp>
+      <p:sp>
+        <p:nvSpPr>
+          <p:cNvPr id="3" name="Content Placeholder 2"/>
+          <p:cNvSpPr>
+            <a:spLocks noGrp="1"/>
+          </p:cNvSpPr>
+          <p:nvPr>
+            <p:ph idx="1"/>
+          </p:nvPr>
+        </p:nvSpPr>
+        <p:spPr/>
+        <p:txBody>
+          <a:bodyPr/>
+          <a:lstStyle/>
+          <a:p>
+            <a:r>
+              <a:rPr lang="en-US" dirty="0" smtClean="0"/>
+              <a:t>When </a:t>
+            </a:r>
+            <a:r>
+              <a:rPr lang="en-US" dirty="0"/>
+              <a:t>problems do happen, it is important that you identify them quickly</a:t>
+            </a:r>
+            <a:r>
+              <a:rPr lang="en-US" dirty="0" smtClean="0"/>
+              <a:t>.</a:t>
+            </a:r>
+          </a:p>
+          <a:p>
+            <a:r>
+              <a:rPr lang="en-US" dirty="0" smtClean="0"/>
+              <a:t>The </a:t>
+            </a:r>
+            <a:r>
+              <a:rPr lang="en-US" dirty="0"/>
+              <a:t>last thing you want is to have a major partial or broad system outage and not know about it. </a:t>
+            </a:r>
+            <a:endParaRPr lang="en-US" dirty="0" smtClean="0"/>
+          </a:p>
+          <a:p>
+            <a:r>
+              <a:rPr lang="en-US" dirty="0" smtClean="0"/>
+              <a:t>Having </a:t>
+            </a:r>
+            <a:r>
+              <a:rPr lang="en-US" dirty="0"/>
+              <a:t>robust application monitoring and good coverage in place will help you detect issues quickly. </a:t>
+            </a:r>
+            <a:endParaRPr lang="en-US" dirty="0" smtClean="0"/>
+          </a:p>
+          <a:p>
+            <a:r>
+              <a:rPr lang="en-US" dirty="0" smtClean="0"/>
+              <a:t>Once </a:t>
+            </a:r>
+            <a:r>
+              <a:rPr lang="en-US" dirty="0"/>
+              <a:t>you detect them, you also have to fix them quickly!</a:t>
+            </a:r>
+          </a:p>
+        </p:txBody>
+      </p:sp>
+      <p:sp>
+        <p:nvSpPr>
+          <p:cNvPr id="4" name="Slide Number Placeholder 3"/>
+          <p:cNvSpPr>
+            <a:spLocks noGrp="1"/>
+          </p:cNvSpPr>
+          <p:nvPr>
+            <p:ph type="sldNum" sz="quarter" idx="12"/>
+          </p:nvPr>
+        </p:nvSpPr>
+        <p:spPr/>
+        <p:txBody>
+          <a:bodyPr/>
+          <a:lstStyle/>
+          <a:p>
+            <a:fld id="{B8DACC02-A2BD-4578-8E03-6D891060A695}" type="slidenum">
+              <a:rPr lang="en-US" smtClean="0"/>
+              <a:pPr/>
+              <a:t>36</a:t>
+            </a:fld>
+            <a:endParaRPr lang="en-US" dirty="0"/>
+          </a:p>
+        </p:txBody>
+      </p:sp>
+    </p:spTree>
+    <p:extLst>
+      <p:ext uri="{BB962C8B-B14F-4D97-AF65-F5344CB8AC3E}">
+        <p14:creationId xmlns:p14="http://schemas.microsoft.com/office/powerpoint/2010/main" val="3632291400"/>
+      </p:ext>
+    </p:extLst>
+  </p:cSld>
+  <p:clrMapOvr>
+    <a:masterClrMapping/>
+  </p:clrMapOvr>
+</p:sld>
+</file>
+
+<file path=ppt/slides/slide37.xml><?xml version="1.0" encoding="utf-8"?>
+<p:sld xmlns:a="http://schemas.openxmlformats.org/drawingml/2006/main" xmlns:r="http://schemas.openxmlformats.org/officeDocument/2006/relationships" xmlns:p="http://schemas.openxmlformats.org/presentationml/2006/main">
+  <p:cSld>
+    <p:spTree>
+      <p:nvGrpSpPr>
+        <p:cNvPr id="1" name=""/>
+        <p:cNvGrpSpPr/>
+        <p:nvPr/>
+      </p:nvGrpSpPr>
+      <p:grpSpPr>
+        <a:xfrm>
+          <a:off x="0" y="0"/>
+          <a:ext cx="0" cy="0"/>
+          <a:chOff x="0" y="0"/>
+          <a:chExt cx="0" cy="0"/>
+        </a:xfrm>
+      </p:grpSpPr>
+      <p:sp>
+        <p:nvSpPr>
+          <p:cNvPr id="2" name="Title 1"/>
+          <p:cNvSpPr>
+            <a:spLocks noGrp="1"/>
+          </p:cNvSpPr>
+          <p:nvPr>
+            <p:ph type="title"/>
+          </p:nvPr>
+        </p:nvSpPr>
+        <p:spPr/>
+        <p:txBody>
+          <a:bodyPr/>
+          <a:lstStyle/>
+          <a:p>
+            <a:r>
+              <a:rPr lang="en-US" dirty="0"/>
+              <a:t>Mean Time to Recovery (MTTR)</a:t>
+            </a:r>
+          </a:p>
+        </p:txBody>
+      </p:sp>
+      <p:sp>
+        <p:nvSpPr>
+          <p:cNvPr id="3" name="Content Placeholder 2"/>
+          <p:cNvSpPr>
+            <a:spLocks noGrp="1"/>
+          </p:cNvSpPr>
+          <p:nvPr>
+            <p:ph idx="1"/>
+          </p:nvPr>
+        </p:nvSpPr>
+        <p:spPr/>
+        <p:txBody>
+          <a:bodyPr>
+            <a:normAutofit/>
+          </a:bodyPr>
+          <a:lstStyle/>
+          <a:p>
+            <a:r>
+              <a:rPr lang="en-US" dirty="0"/>
+              <a:t>This indicator tracks how long it will take the organization to recover from failure. </a:t>
+            </a:r>
+          </a:p>
+          <a:p>
+            <a:r>
+              <a:rPr lang="en-US" dirty="0"/>
+              <a:t>It is a key business indicator because it reflects the ability to minimize disruption and recover normal operations quickly. </a:t>
+            </a:r>
+          </a:p>
+          <a:p>
+            <a:r>
+              <a:rPr lang="en-US" dirty="0"/>
+              <a:t>It is usually measured in minutes or hours, and can sometimes refer to time during business days, not clock time. </a:t>
+            </a:r>
+          </a:p>
+          <a:p>
+            <a:r>
+              <a:rPr lang="en-US" dirty="0"/>
+              <a:t>To reduce MTTR, it is important to have the right application monitoring tools, as well as effective collaboration between operations and developers, which can help you find root causes and deploy solutions quickly.</a:t>
+            </a:r>
+          </a:p>
+        </p:txBody>
+      </p:sp>
+      <p:sp>
+        <p:nvSpPr>
+          <p:cNvPr id="4" name="Slide Number Placeholder 3"/>
+          <p:cNvSpPr>
+            <a:spLocks noGrp="1"/>
+          </p:cNvSpPr>
+          <p:nvPr>
+            <p:ph type="sldNum" sz="quarter" idx="12"/>
+          </p:nvPr>
+        </p:nvSpPr>
+        <p:spPr/>
+        <p:txBody>
+          <a:bodyPr/>
+          <a:lstStyle/>
+          <a:p>
+            <a:fld id="{B8DACC02-A2BD-4578-8E03-6D891060A695}" type="slidenum">
+              <a:rPr lang="en-US" smtClean="0"/>
+              <a:pPr/>
+              <a:t>37</a:t>
+            </a:fld>
+            <a:endParaRPr lang="en-US" dirty="0"/>
+          </a:p>
+        </p:txBody>
+      </p:sp>
+    </p:spTree>
+    <p:extLst>
+      <p:ext uri="{BB962C8B-B14F-4D97-AF65-F5344CB8AC3E}">
+        <p14:creationId xmlns:p14="http://schemas.microsoft.com/office/powerpoint/2010/main" val="3917286219"/>
+      </p:ext>
+    </p:extLst>
+  </p:cSld>
+  <p:clrMapOvr>
+    <a:masterClrMapping/>
+  </p:clrMapOvr>
+  <p:timing>
+    <p:tnLst>
+      <p:par>
+        <p:cTn id="1" dur="indefinite" restart="never" nodeType="tmRoot"/>
+      </p:par>
+    </p:tnLst>
+  </p:timing>
+</p:sld>
+</file>
+
+<file path=ppt/slides/slide38.xml><?xml version="1.0" encoding="utf-8"?>
+<p:sld xmlns:a="http://schemas.openxmlformats.org/drawingml/2006/main" xmlns:r="http://schemas.openxmlformats.org/officeDocument/2006/relationships" xmlns:p="http://schemas.openxmlformats.org/presentationml/2006/main">
+  <p:cSld>
+    <p:spTree>
+      <p:nvGrpSpPr>
+        <p:cNvPr id="1" name=""/>
+        <p:cNvGrpSpPr/>
+        <p:nvPr/>
+      </p:nvGrpSpPr>
+      <p:grpSpPr>
+        <a:xfrm>
+          <a:off x="0" y="0"/>
+          <a:ext cx="0" cy="0"/>
+          <a:chOff x="0" y="0"/>
+          <a:chExt cx="0" cy="0"/>
+        </a:xfrm>
+      </p:grpSpPr>
+      <p:sp>
+        <p:nvSpPr>
+          <p:cNvPr id="2" name="Title 1"/>
+          <p:cNvSpPr>
+            <a:spLocks noGrp="1"/>
+          </p:cNvSpPr>
+          <p:nvPr>
+            <p:ph type="title"/>
+          </p:nvPr>
+        </p:nvSpPr>
+        <p:spPr/>
+        <p:txBody>
+          <a:bodyPr/>
+          <a:lstStyle/>
+          <a:p>
+            <a:r>
+              <a:rPr lang="en-US" dirty="0"/>
+              <a:t>Measuring DevOps</a:t>
+            </a:r>
+          </a:p>
+        </p:txBody>
+      </p:sp>
+      <p:pic>
+        <p:nvPicPr>
+          <p:cNvPr id="5" name="Content Placeholder 4"/>
+          <p:cNvPicPr>
+            <a:picLocks noGrp="1" noChangeAspect="1"/>
+          </p:cNvPicPr>
+          <p:nvPr>
+            <p:ph idx="1"/>
+          </p:nvPr>
+        </p:nvPicPr>
+        <p:blipFill>
+          <a:blip r:embed="rId2">
+            <a:extLst>
+              <a:ext uri="{28A0092B-C50C-407E-A947-70E740481C1C}">
+                <a14:useLocalDpi xmlns:a14="http://schemas.microsoft.com/office/drawing/2010/main" val="0"/>
+              </a:ext>
+            </a:extLst>
+          </a:blip>
+          <a:stretch>
+            <a:fillRect/>
+          </a:stretch>
+        </p:blipFill>
+        <p:spPr>
+          <a:xfrm>
+            <a:off x="2362910" y="1940179"/>
+            <a:ext cx="7620000" cy="3971925"/>
+          </a:xfrm>
+        </p:spPr>
+      </p:pic>
+      <p:sp>
+        <p:nvSpPr>
+          <p:cNvPr id="4" name="Slide Number Placeholder 3"/>
+          <p:cNvSpPr>
+            <a:spLocks noGrp="1"/>
+          </p:cNvSpPr>
+          <p:nvPr>
+            <p:ph type="sldNum" sz="quarter" idx="12"/>
+          </p:nvPr>
+        </p:nvSpPr>
+        <p:spPr/>
+        <p:txBody>
+          <a:bodyPr/>
+          <a:lstStyle/>
+          <a:p>
+            <a:fld id="{B8DACC02-A2BD-4578-8E03-6D891060A695}" type="slidenum">
+              <a:rPr lang="en-US" smtClean="0"/>
+              <a:pPr/>
+              <a:t>38</a:t>
+            </a:fld>
+            <a:endParaRPr lang="en-US" dirty="0"/>
+          </a:p>
+        </p:txBody>
+      </p:sp>
+    </p:spTree>
+    <p:extLst>
+      <p:ext uri="{BB962C8B-B14F-4D97-AF65-F5344CB8AC3E}">
+        <p14:creationId xmlns:p14="http://schemas.microsoft.com/office/powerpoint/2010/main" val="3671150327"/>
+      </p:ext>
+    </p:extLst>
+  </p:cSld>
+  <p:clrMapOvr>
+    <a:masterClrMapping/>
+  </p:clrMapOvr>
+  <p:timing>
+    <p:tnLst>
+      <p:par>
+        <p:cTn id="1" dur="indefinite" restart="never" nodeType="tmRoot"/>
+      </p:par>
+    </p:tnLst>
+  </p:timing>
+</p:sld>
+</file>
+
+<file path=ppt/slides/slide39.xml><?xml version="1.0" encoding="utf-8"?>
+<p:sld xmlns:a="http://schemas.openxmlformats.org/drawingml/2006/main" xmlns:r="http://schemas.openxmlformats.org/officeDocument/2006/relationships" xmlns:p="http://schemas.openxmlformats.org/presentationml/2006/main">
+  <p:cSld>
+    <p:spTree>
+      <p:nvGrpSpPr>
+        <p:cNvPr id="1" name=""/>
+        <p:cNvGrpSpPr/>
+        <p:nvPr/>
+      </p:nvGrpSpPr>
+      <p:grpSpPr>
+        <a:xfrm>
+          <a:off x="0" y="0"/>
+          <a:ext cx="0" cy="0"/>
+          <a:chOff x="0" y="0"/>
+          <a:chExt cx="0" cy="0"/>
+        </a:xfrm>
+      </p:grpSpPr>
+      <p:sp>
+        <p:nvSpPr>
+          <p:cNvPr id="2" name="Title 1"/>
+          <p:cNvSpPr>
+            <a:spLocks noGrp="1"/>
+          </p:cNvSpPr>
+          <p:nvPr>
+            <p:ph type="title"/>
+          </p:nvPr>
+        </p:nvSpPr>
+        <p:spPr/>
+        <p:txBody>
+          <a:bodyPr/>
+          <a:lstStyle/>
+          <a:p>
+            <a:r>
+              <a:rPr lang="en-US" dirty="0"/>
+              <a:t>Measuring DevOps</a:t>
+            </a:r>
+          </a:p>
+        </p:txBody>
+      </p:sp>
+      <p:sp>
+        <p:nvSpPr>
+          <p:cNvPr id="4" name="Slide Number Placeholder 3"/>
+          <p:cNvSpPr>
+            <a:spLocks noGrp="1"/>
+          </p:cNvSpPr>
+          <p:nvPr>
+            <p:ph type="sldNum" sz="quarter" idx="12"/>
+          </p:nvPr>
+        </p:nvSpPr>
+        <p:spPr/>
+        <p:txBody>
+          <a:bodyPr/>
+          <a:lstStyle/>
+          <a:p>
+            <a:fld id="{B8DACC02-A2BD-4578-8E03-6D891060A695}" type="slidenum">
+              <a:rPr lang="en-US" smtClean="0"/>
+              <a:pPr/>
+              <a:t>39</a:t>
+            </a:fld>
+            <a:endParaRPr lang="en-US" dirty="0"/>
+          </a:p>
+        </p:txBody>
+      </p:sp>
+      <p:pic>
+        <p:nvPicPr>
+          <p:cNvPr id="3074" name="Picture 2" descr="Monitoring Azure DevOps Project Performance | Bold BI"/>
+          <p:cNvPicPr>
+            <a:picLocks noChangeAspect="1" noChangeArrowheads="1"/>
+          </p:cNvPicPr>
+          <p:nvPr/>
+        </p:nvPicPr>
+        <p:blipFill>
+          <a:blip r:embed="rId2">
+            <a:extLst>
+              <a:ext uri="{28A0092B-C50C-407E-A947-70E740481C1C}">
+                <a14:useLocalDpi xmlns:a14="http://schemas.microsoft.com/office/drawing/2010/main" val="0"/>
+              </a:ext>
+            </a:extLst>
+          </a:blip>
+          <a:srcRect/>
+          <a:stretch>
+            <a:fillRect/>
+          </a:stretch>
+        </p:blipFill>
+        <p:spPr bwMode="auto">
+          <a:xfrm>
+            <a:off x="1517903" y="1310446"/>
+            <a:ext cx="8961121" cy="5037502"/>
+          </a:xfrm>
+          <a:prstGeom prst="rect">
+            <a:avLst/>
+          </a:prstGeom>
+          <a:noFill/>
+          <a:extLst>
+            <a:ext uri="{909E8E84-426E-40DD-AFC4-6F175D3DCCD1}">
+              <a14:hiddenFill xmlns:a14="http://schemas.microsoft.com/office/drawing/2010/main">
+                <a:solidFill>
+                  <a:srgbClr val="FFFFFF"/>
+                </a:solidFill>
+              </a14:hiddenFill>
+            </a:ext>
+          </a:extLst>
+        </p:spPr>
+      </p:pic>
+    </p:spTree>
+    <p:extLst>
+      <p:ext uri="{BB962C8B-B14F-4D97-AF65-F5344CB8AC3E}">
+        <p14:creationId xmlns:p14="http://schemas.microsoft.com/office/powerpoint/2010/main" val="3012994419"/>
+      </p:ext>
+    </p:extLst>
+  </p:cSld>
+  <p:clrMapOvr>
+    <a:masterClrMapping/>
+  </p:clrMapOvr>
+  <p:timing>
+    <p:tnLst>
+      <p:par>
+        <p:cTn id="1" dur="indefinite" restart="never" nodeType="tmRoot"/>
+      </p:par>
+    </p:tnLst>
+  </p:timing>
 </p:sld>
 </file>
 

--- a/SE489/Lectures/8-DevOps Metrics/DevOps Metrics.pptx
+++ b/SE489/Lectures/8-DevOps Metrics/DevOps Metrics.pptx
@@ -5,7 +5,7 @@
     <p:sldMasterId id="2147483648" r:id="rId1"/>
   </p:sldMasterIdLst>
   <p:notesMasterIdLst>
-    <p:notesMasterId r:id="rId41"/>
+    <p:notesMasterId r:id="rId40"/>
   </p:notesMasterIdLst>
   <p:sldIdLst>
     <p:sldId id="256" r:id="rId2"/>
@@ -27,26 +27,25 @@
     <p:sldId id="530" r:id="rId18"/>
     <p:sldId id="516" r:id="rId19"/>
     <p:sldId id="517" r:id="rId20"/>
-    <p:sldId id="532" r:id="rId21"/>
-    <p:sldId id="521" r:id="rId22"/>
-    <p:sldId id="509" r:id="rId23"/>
-    <p:sldId id="511" r:id="rId24"/>
-    <p:sldId id="534" r:id="rId25"/>
-    <p:sldId id="533" r:id="rId26"/>
-    <p:sldId id="510" r:id="rId27"/>
-    <p:sldId id="514" r:id="rId28"/>
-    <p:sldId id="535" r:id="rId29"/>
-    <p:sldId id="515" r:id="rId30"/>
-    <p:sldId id="536" r:id="rId31"/>
-    <p:sldId id="537" r:id="rId32"/>
-    <p:sldId id="538" r:id="rId33"/>
-    <p:sldId id="539" r:id="rId34"/>
-    <p:sldId id="540" r:id="rId35"/>
-    <p:sldId id="541" r:id="rId36"/>
-    <p:sldId id="542" r:id="rId37"/>
-    <p:sldId id="513" r:id="rId38"/>
-    <p:sldId id="519" r:id="rId39"/>
-    <p:sldId id="543" r:id="rId40"/>
+    <p:sldId id="521" r:id="rId21"/>
+    <p:sldId id="509" r:id="rId22"/>
+    <p:sldId id="511" r:id="rId23"/>
+    <p:sldId id="534" r:id="rId24"/>
+    <p:sldId id="533" r:id="rId25"/>
+    <p:sldId id="510" r:id="rId26"/>
+    <p:sldId id="514" r:id="rId27"/>
+    <p:sldId id="535" r:id="rId28"/>
+    <p:sldId id="515" r:id="rId29"/>
+    <p:sldId id="536" r:id="rId30"/>
+    <p:sldId id="537" r:id="rId31"/>
+    <p:sldId id="538" r:id="rId32"/>
+    <p:sldId id="539" r:id="rId33"/>
+    <p:sldId id="540" r:id="rId34"/>
+    <p:sldId id="541" r:id="rId35"/>
+    <p:sldId id="542" r:id="rId36"/>
+    <p:sldId id="513" r:id="rId37"/>
+    <p:sldId id="519" r:id="rId38"/>
+    <p:sldId id="543" r:id="rId39"/>
   </p:sldIdLst>
   <p:sldSz cx="12192000" cy="6858000"/>
   <p:notesSz cx="6858000" cy="9144000"/>
@@ -357,7 +356,7 @@
           <a:p>
             <a:fld id="{41DA9887-9249-49FD-809A-BACB264048C3}" type="datetimeFigureOut">
               <a:rPr lang="en-US" smtClean="0"/>
-              <a:t>11/10/2022</a:t>
+              <a:t>11/14/2022</a:t>
             </a:fld>
             <a:endParaRPr lang="en-US"/>
           </a:p>
@@ -759,7 +758,7 @@
           <a:p>
             <a:fld id="{08A707AD-71EE-4F71-BFB0-5CFFA7745367}" type="datetime1">
               <a:rPr lang="en-US" smtClean="0"/>
-              <a:t>11/10/2022</a:t>
+              <a:t>11/14/2022</a:t>
             </a:fld>
             <a:endParaRPr lang="en-US"/>
           </a:p>
@@ -1049,7 +1048,7 @@
           <a:p>
             <a:fld id="{CF6F9948-F8FC-4163-B3EE-CE0CD0EF91F9}" type="datetime1">
               <a:rPr lang="en-US" smtClean="0"/>
-              <a:t>11/10/2022</a:t>
+              <a:t>11/14/2022</a:t>
             </a:fld>
             <a:endParaRPr lang="en-US"/>
           </a:p>
@@ -1227,7 +1226,7 @@
           <a:p>
             <a:fld id="{090C3B62-4C74-4EE9-93F0-BE51AE88912F}" type="datetime1">
               <a:rPr lang="en-US" smtClean="0"/>
-              <a:t>11/10/2022</a:t>
+              <a:t>11/14/2022</a:t>
             </a:fld>
             <a:endParaRPr lang="en-US"/>
           </a:p>
@@ -1481,7 +1480,7 @@
           <a:p>
             <a:fld id="{D63A470F-AE83-4D43-9CAA-74593F94EAD0}" type="datetime1">
               <a:rPr lang="en-US" smtClean="0"/>
-              <a:t>11/10/2022</a:t>
+              <a:t>11/14/2022</a:t>
             </a:fld>
             <a:endParaRPr lang="en-US"/>
           </a:p>
@@ -1825,7 +1824,7 @@
           <a:p>
             <a:fld id="{E5B8C5BE-3403-4496-9B81-C40FD99BCC4A}" type="datetime1">
               <a:rPr lang="en-US" smtClean="0"/>
-              <a:t>11/10/2022</a:t>
+              <a:t>11/14/2022</a:t>
             </a:fld>
             <a:endParaRPr lang="en-US"/>
           </a:p>
@@ -2054,7 +2053,7 @@
           <a:p>
             <a:fld id="{B78E11C0-1713-41FC-9E65-ABB713C18815}" type="datetime1">
               <a:rPr lang="en-US" smtClean="0"/>
-              <a:t>11/10/2022</a:t>
+              <a:t>11/14/2022</a:t>
             </a:fld>
             <a:endParaRPr lang="en-US"/>
           </a:p>
@@ -2418,7 +2417,7 @@
           <a:p>
             <a:fld id="{555C483D-0DA7-48F4-B572-48ADE24F3969}" type="datetime1">
               <a:rPr lang="en-US" smtClean="0"/>
-              <a:t>11/10/2022</a:t>
+              <a:t>11/14/2022</a:t>
             </a:fld>
             <a:endParaRPr lang="en-US"/>
           </a:p>
@@ -2513,7 +2512,7 @@
           <a:p>
             <a:fld id="{4C06054D-416E-4D32-B207-3C4728F29C83}" type="datetime1">
               <a:rPr lang="en-US" smtClean="0"/>
-              <a:t>11/10/2022</a:t>
+              <a:t>11/14/2022</a:t>
             </a:fld>
             <a:endParaRPr lang="en-US"/>
           </a:p>
@@ -2735,7 +2734,7 @@
             <a:fld id="{B2F5E2FA-C428-4CE7-95B0-168D3259A5BB}" type="datetimeFigureOut">
               <a:rPr lang="en-US" smtClean="0"/>
               <a:pPr/>
-              <a:t>11/10/2022</a:t>
+              <a:t>11/14/2022</a:t>
             </a:fld>
             <a:endParaRPr lang="en-US"/>
           </a:p>
@@ -2906,7 +2905,7 @@
           <a:p>
             <a:fld id="{B34CF2DF-EBB2-4927-9B4B-28D12CAF900C}" type="datetime1">
               <a:rPr lang="en-US" smtClean="0"/>
-              <a:t>11/10/2022</a:t>
+              <a:t>11/14/2022</a:t>
             </a:fld>
             <a:endParaRPr lang="en-US"/>
           </a:p>
@@ -3181,7 +3180,7 @@
           <a:p>
             <a:fld id="{287D8537-E29A-46E3-9242-0E7B32B09241}" type="datetime1">
               <a:rPr lang="en-US" smtClean="0"/>
-              <a:t>11/10/2022</a:t>
+              <a:t>11/14/2022</a:t>
             </a:fld>
             <a:endParaRPr lang="en-US"/>
           </a:p>
@@ -3433,7 +3432,7 @@
           <a:p>
             <a:fld id="{0B8D9EDF-63DE-4DED-A3C4-232814F0B4D7}" type="datetime1">
               <a:rPr lang="en-US" smtClean="0"/>
-              <a:t>11/10/2022</a:t>
+              <a:t>11/14/2022</a:t>
             </a:fld>
             <a:endParaRPr lang="en-US"/>
           </a:p>
@@ -3644,7 +3643,7 @@
           <a:p>
             <a:fld id="{1DC34F13-F0A8-4E10-9ECC-0BA9AAA5E3EB}" type="datetime1">
               <a:rPr lang="en-US" smtClean="0"/>
-              <a:t>11/10/2022</a:t>
+              <a:t>11/14/2022</a:t>
             </a:fld>
             <a:endParaRPr lang="en-US"/>
           </a:p>
@@ -5554,7 +5553,7 @@
       </p:grpSpPr>
       <p:sp>
         <p:nvSpPr>
-          <p:cNvPr id="2" name="Title 1"/>
+          <p:cNvPr id="5" name="Title 4"/>
           <p:cNvSpPr>
             <a:spLocks noGrp="1"/>
           </p:cNvSpPr>
@@ -5564,92 +5563,36 @@
         </p:nvSpPr>
         <p:spPr/>
         <p:txBody>
-          <a:bodyPr>
-            <a:normAutofit/>
-          </a:bodyPr>
-          <a:lstStyle/>
-          <a:p>
-            <a:r>
-              <a:rPr lang="en-US" dirty="0"/>
-              <a:t>Characteristics of Useful DevOps </a:t>
-            </a:r>
+          <a:bodyPr/>
+          <a:lstStyle/>
+          <a:p>
             <a:r>
               <a:rPr lang="en-US" dirty="0" smtClean="0"/>
-              <a:t>Metrics</a:t>
-            </a:r>
-            <a:endParaRPr lang="en-US" dirty="0"/>
-          </a:p>
-        </p:txBody>
-      </p:sp>
-      <p:sp>
-        <p:nvSpPr>
-          <p:cNvPr id="3" name="Content Placeholder 2"/>
-          <p:cNvSpPr>
-            <a:spLocks noGrp="1"/>
-          </p:cNvSpPr>
-          <p:nvPr>
-            <p:ph idx="1"/>
-          </p:nvPr>
-        </p:nvSpPr>
-        <p:spPr/>
-        <p:txBody>
-          <a:bodyPr>
-            <a:normAutofit/>
-          </a:bodyPr>
-          <a:lstStyle/>
-          <a:p>
-            <a:r>
-              <a:rPr lang="en-US" dirty="0" smtClean="0"/>
-              <a:t>Here </a:t>
-            </a:r>
-            <a:r>
-              <a:rPr lang="en-US" dirty="0"/>
-              <a:t>are five characteristics of a good DevOps </a:t>
-            </a:r>
-            <a:r>
-              <a:rPr lang="en-US" dirty="0" smtClean="0"/>
-              <a:t>indicator:</a:t>
-            </a:r>
-            <a:endParaRPr lang="en-US" dirty="0"/>
-          </a:p>
-          <a:p>
-            <a:pPr lvl="1"/>
-            <a:r>
-              <a:rPr lang="en-US" dirty="0" smtClean="0"/>
-              <a:t>Measurable—metrics </a:t>
-            </a:r>
-            <a:r>
-              <a:rPr lang="en-US" dirty="0"/>
-              <a:t>must have standardized values that are consistent over time.</a:t>
-            </a:r>
-          </a:p>
-          <a:p>
-            <a:pPr lvl="1"/>
-            <a:r>
-              <a:rPr lang="en-US" dirty="0"/>
-              <a:t>Relevant—metrics should measure aspects that are important to the business.</a:t>
-            </a:r>
-          </a:p>
-          <a:p>
-            <a:pPr lvl="1"/>
-            <a:r>
-              <a:rPr lang="en-US" dirty="0"/>
-              <a:t>Reliable—team members cannot affect or “game” the measurement.</a:t>
-            </a:r>
-          </a:p>
-          <a:p>
-            <a:pPr lvl="1"/>
-            <a:r>
-              <a:rPr lang="en-US" dirty="0"/>
-              <a:t>Actionable—long-term analysis of the metric should provide insights into possible improvements in systems, workflows, strategies, etc.</a:t>
-            </a:r>
-          </a:p>
-          <a:p>
-            <a:pPr lvl="1"/>
-            <a:r>
-              <a:rPr lang="en-US" dirty="0"/>
-              <a:t>Traceable—the metrics should point directly to a root cause, not just allude to a general problem.</a:t>
-            </a:r>
+              <a:t>15 </a:t>
+            </a:r>
+            <a:r>
+              <a:rPr lang="en-US" dirty="0"/>
+              <a:t>Key DevOps Metrics</a:t>
+            </a:r>
+          </a:p>
+        </p:txBody>
+      </p:sp>
+      <p:sp>
+        <p:nvSpPr>
+          <p:cNvPr id="6" name="Text Placeholder 5"/>
+          <p:cNvSpPr>
+            <a:spLocks noGrp="1"/>
+          </p:cNvSpPr>
+          <p:nvPr>
+            <p:ph type="body" idx="1"/>
+          </p:nvPr>
+        </p:nvSpPr>
+        <p:spPr/>
+        <p:txBody>
+          <a:bodyPr/>
+          <a:lstStyle/>
+          <a:p>
+            <a:endParaRPr lang="en-US"/>
           </a:p>
         </p:txBody>
       </p:sp>
@@ -5680,7 +5623,7 @@
     </p:spTree>
     <p:extLst>
       <p:ext uri="{BB962C8B-B14F-4D97-AF65-F5344CB8AC3E}">
-        <p14:creationId xmlns:p14="http://schemas.microsoft.com/office/powerpoint/2010/main" val="3898236590"/>
+        <p14:creationId xmlns:p14="http://schemas.microsoft.com/office/powerpoint/2010/main" val="67450362"/>
       </p:ext>
     </p:extLst>
   </p:cSld>
@@ -5709,7 +5652,7 @@
       </p:grpSpPr>
       <p:sp>
         <p:nvSpPr>
-          <p:cNvPr id="5" name="Title 4"/>
+          <p:cNvPr id="2" name="Title 1"/>
           <p:cNvSpPr>
             <a:spLocks noGrp="1"/>
           </p:cNvSpPr>
@@ -5735,20 +5678,35 @@
       </p:sp>
       <p:sp>
         <p:nvSpPr>
-          <p:cNvPr id="6" name="Text Placeholder 5"/>
-          <p:cNvSpPr>
-            <a:spLocks noGrp="1"/>
-          </p:cNvSpPr>
-          <p:nvPr>
-            <p:ph type="body" idx="1"/>
-          </p:nvPr>
-        </p:nvSpPr>
-        <p:spPr/>
-        <p:txBody>
-          <a:bodyPr/>
-          <a:lstStyle/>
-          <a:p>
-            <a:endParaRPr lang="en-US"/>
+          <p:cNvPr id="3" name="Content Placeholder 2"/>
+          <p:cNvSpPr>
+            <a:spLocks noGrp="1"/>
+          </p:cNvSpPr>
+          <p:nvPr>
+            <p:ph idx="1"/>
+          </p:nvPr>
+        </p:nvSpPr>
+        <p:spPr>
+          <a:xfrm>
+            <a:off x="347526" y="1406881"/>
+            <a:ext cx="11650767" cy="988848"/>
+          </a:xfrm>
+        </p:spPr>
+        <p:txBody>
+          <a:bodyPr>
+            <a:normAutofit/>
+          </a:bodyPr>
+          <a:lstStyle/>
+          <a:p>
+            <a:r>
+              <a:rPr lang="en-US" dirty="0"/>
+              <a:t>The following six metrics can be important for measuring DevOps performance and progress in most </a:t>
+            </a:r>
+            <a:r>
+              <a:rPr lang="en-US" dirty="0" smtClean="0"/>
+              <a:t>organizations</a:t>
+            </a:r>
+            <a:endParaRPr lang="en-US" dirty="0"/>
           </a:p>
         </p:txBody>
       </p:sp>
@@ -5776,10 +5734,268 @@
           </a:p>
         </p:txBody>
       </p:sp>
+      <p:sp>
+        <p:nvSpPr>
+          <p:cNvPr id="5" name="TextBox 4"/>
+          <p:cNvSpPr txBox="1"/>
+          <p:nvPr/>
+        </p:nvSpPr>
+        <p:spPr>
+          <a:xfrm>
+            <a:off x="713232" y="2395729"/>
+            <a:ext cx="10533888" cy="3785652"/>
+          </a:xfrm>
+          <a:prstGeom prst="rect">
+            <a:avLst/>
+          </a:prstGeom>
+          <a:noFill/>
+        </p:spPr>
+        <p:txBody>
+          <a:bodyPr wrap="square" numCol="2" rtlCol="0">
+            <a:spAutoFit/>
+          </a:bodyPr>
+          <a:lstStyle/>
+          <a:p>
+            <a:pPr marL="914400" lvl="1" indent="-457200">
+              <a:lnSpc>
+                <a:spcPct val="150000"/>
+              </a:lnSpc>
+              <a:buFont typeface="+mj-lt"/>
+              <a:buAutoNum type="arabicPeriod"/>
+            </a:pPr>
+            <a:r>
+              <a:rPr lang="en-US" sz="2000" dirty="0">
+                <a:latin typeface="Candara" panose="020E0502030303020204" pitchFamily="34" charset="0"/>
+              </a:rPr>
+              <a:t>Deployment frequency</a:t>
+            </a:r>
+          </a:p>
+          <a:p>
+            <a:pPr marL="914400" lvl="1" indent="-457200">
+              <a:lnSpc>
+                <a:spcPct val="150000"/>
+              </a:lnSpc>
+              <a:buFont typeface="+mj-lt"/>
+              <a:buAutoNum type="arabicPeriod"/>
+            </a:pPr>
+            <a:r>
+              <a:rPr lang="en-US" sz="2000" dirty="0">
+                <a:latin typeface="Candara" panose="020E0502030303020204" pitchFamily="34" charset="0"/>
+              </a:rPr>
+              <a:t>Change volume</a:t>
+            </a:r>
+          </a:p>
+          <a:p>
+            <a:pPr marL="914400" lvl="1" indent="-457200">
+              <a:lnSpc>
+                <a:spcPct val="150000"/>
+              </a:lnSpc>
+              <a:buFont typeface="+mj-lt"/>
+              <a:buAutoNum type="arabicPeriod"/>
+            </a:pPr>
+            <a:r>
+              <a:rPr lang="en-US" sz="2000" dirty="0">
+                <a:latin typeface="Candara" panose="020E0502030303020204" pitchFamily="34" charset="0"/>
+              </a:rPr>
+              <a:t>Deployment time</a:t>
+            </a:r>
+          </a:p>
+          <a:p>
+            <a:pPr marL="914400" lvl="1" indent="-457200">
+              <a:lnSpc>
+                <a:spcPct val="150000"/>
+              </a:lnSpc>
+              <a:buFont typeface="+mj-lt"/>
+              <a:buAutoNum type="arabicPeriod"/>
+            </a:pPr>
+            <a:r>
+              <a:rPr lang="en-US" sz="2000" dirty="0">
+                <a:latin typeface="Candara" panose="020E0502030303020204" pitchFamily="34" charset="0"/>
+              </a:rPr>
+              <a:t>Lead time</a:t>
+            </a:r>
+          </a:p>
+          <a:p>
+            <a:pPr marL="914400" lvl="1" indent="-457200">
+              <a:lnSpc>
+                <a:spcPct val="150000"/>
+              </a:lnSpc>
+              <a:buFont typeface="+mj-lt"/>
+              <a:buAutoNum type="arabicPeriod"/>
+            </a:pPr>
+            <a:r>
+              <a:rPr lang="en-US" sz="2000" dirty="0">
+                <a:latin typeface="Candara" panose="020E0502030303020204" pitchFamily="34" charset="0"/>
+              </a:rPr>
+              <a:t>Customer tickets</a:t>
+            </a:r>
+          </a:p>
+          <a:p>
+            <a:pPr marL="914400" lvl="1" indent="-457200">
+              <a:lnSpc>
+                <a:spcPct val="150000"/>
+              </a:lnSpc>
+              <a:buFont typeface="+mj-lt"/>
+              <a:buAutoNum type="arabicPeriod"/>
+            </a:pPr>
+            <a:r>
+              <a:rPr lang="en-US" sz="2000" dirty="0">
+                <a:latin typeface="Candara" panose="020E0502030303020204" pitchFamily="34" charset="0"/>
+              </a:rPr>
+              <a:t>Automated test pass %</a:t>
+            </a:r>
+          </a:p>
+          <a:p>
+            <a:pPr marL="914400" lvl="1" indent="-457200">
+              <a:lnSpc>
+                <a:spcPct val="150000"/>
+              </a:lnSpc>
+              <a:buFont typeface="+mj-lt"/>
+              <a:buAutoNum type="arabicPeriod"/>
+            </a:pPr>
+            <a:r>
+              <a:rPr lang="en-US" sz="2000" dirty="0">
+                <a:latin typeface="Candara" panose="020E0502030303020204" pitchFamily="34" charset="0"/>
+              </a:rPr>
+              <a:t>Defect escape rate</a:t>
+            </a:r>
+          </a:p>
+          <a:p>
+            <a:pPr marL="914400" lvl="1" indent="-457200">
+              <a:lnSpc>
+                <a:spcPct val="150000"/>
+              </a:lnSpc>
+              <a:buFont typeface="+mj-lt"/>
+              <a:buAutoNum type="arabicPeriod"/>
+            </a:pPr>
+            <a:r>
+              <a:rPr lang="en-US" sz="2000" dirty="0">
+                <a:latin typeface="Candara" panose="020E0502030303020204" pitchFamily="34" charset="0"/>
+              </a:rPr>
+              <a:t>Availability</a:t>
+            </a:r>
+          </a:p>
+          <a:p>
+            <a:pPr marL="914400" lvl="1" indent="-457200">
+              <a:lnSpc>
+                <a:spcPct val="150000"/>
+              </a:lnSpc>
+              <a:buFont typeface="+mj-lt"/>
+              <a:buAutoNum type="arabicPeriod"/>
+            </a:pPr>
+            <a:r>
+              <a:rPr lang="en-US" sz="2000" dirty="0">
+                <a:latin typeface="Candara" panose="020E0502030303020204" pitchFamily="34" charset="0"/>
+              </a:rPr>
+              <a:t>Service level agreements</a:t>
+            </a:r>
+          </a:p>
+          <a:p>
+            <a:pPr marL="914400" lvl="1" indent="-457200">
+              <a:lnSpc>
+                <a:spcPct val="150000"/>
+              </a:lnSpc>
+              <a:buFont typeface="+mj-lt"/>
+              <a:buAutoNum type="arabicPeriod"/>
+            </a:pPr>
+            <a:r>
+              <a:rPr lang="en-US" sz="2000" dirty="0">
+                <a:latin typeface="Candara" panose="020E0502030303020204" pitchFamily="34" charset="0"/>
+              </a:rPr>
+              <a:t>Failed deployments</a:t>
+            </a:r>
+          </a:p>
+          <a:p>
+            <a:pPr marL="914400" lvl="1" indent="-457200">
+              <a:lnSpc>
+                <a:spcPct val="150000"/>
+              </a:lnSpc>
+              <a:buFont typeface="+mj-lt"/>
+              <a:buAutoNum type="arabicPeriod"/>
+            </a:pPr>
+            <a:r>
+              <a:rPr lang="en-US" sz="2000" dirty="0">
+                <a:latin typeface="Candara" panose="020E0502030303020204" pitchFamily="34" charset="0"/>
+              </a:rPr>
+              <a:t>Error rates</a:t>
+            </a:r>
+          </a:p>
+          <a:p>
+            <a:pPr marL="914400" lvl="1" indent="-457200">
+              <a:lnSpc>
+                <a:spcPct val="150000"/>
+              </a:lnSpc>
+              <a:buFont typeface="+mj-lt"/>
+              <a:buAutoNum type="arabicPeriod"/>
+            </a:pPr>
+            <a:r>
+              <a:rPr lang="en-US" sz="2000" dirty="0">
+                <a:latin typeface="Candara" panose="020E0502030303020204" pitchFamily="34" charset="0"/>
+              </a:rPr>
+              <a:t>Application usage and traffic</a:t>
+            </a:r>
+          </a:p>
+          <a:p>
+            <a:pPr marL="914400" lvl="1" indent="-457200">
+              <a:lnSpc>
+                <a:spcPct val="150000"/>
+              </a:lnSpc>
+              <a:buFont typeface="+mj-lt"/>
+              <a:buAutoNum type="arabicPeriod"/>
+            </a:pPr>
+            <a:r>
+              <a:rPr lang="en-US" sz="2000" dirty="0">
+                <a:latin typeface="Candara" panose="020E0502030303020204" pitchFamily="34" charset="0"/>
+              </a:rPr>
+              <a:t>Application performance</a:t>
+            </a:r>
+          </a:p>
+          <a:p>
+            <a:pPr marL="914400" lvl="1" indent="-457200">
+              <a:lnSpc>
+                <a:spcPct val="150000"/>
+              </a:lnSpc>
+              <a:buFont typeface="+mj-lt"/>
+              <a:buAutoNum type="arabicPeriod"/>
+            </a:pPr>
+            <a:r>
+              <a:rPr lang="en-US" sz="2000" dirty="0">
+                <a:latin typeface="Candara" panose="020E0502030303020204" pitchFamily="34" charset="0"/>
+              </a:rPr>
+              <a:t>Mean time to detection (MTTD)</a:t>
+            </a:r>
+          </a:p>
+          <a:p>
+            <a:pPr marL="914400" lvl="1" indent="-457200">
+              <a:lnSpc>
+                <a:spcPct val="150000"/>
+              </a:lnSpc>
+              <a:buFont typeface="+mj-lt"/>
+              <a:buAutoNum type="arabicPeriod"/>
+            </a:pPr>
+            <a:r>
+              <a:rPr lang="en-US" sz="2000" dirty="0">
+                <a:latin typeface="Candara" panose="020E0502030303020204" pitchFamily="34" charset="0"/>
+              </a:rPr>
+              <a:t>Mean time to recovery (MTTR)</a:t>
+            </a:r>
+          </a:p>
+          <a:p>
+            <a:pPr>
+              <a:lnSpc>
+                <a:spcPct val="150000"/>
+              </a:lnSpc>
+            </a:pPr>
+            <a:endParaRPr lang="en-US" sz="2000" dirty="0">
+              <a:latin typeface="Candara" panose="020E0502030303020204" pitchFamily="34" charset="0"/>
+            </a:endParaRPr>
+          </a:p>
+        </p:txBody>
+      </p:sp>
     </p:spTree>
     <p:extLst>
       <p:ext uri="{BB962C8B-B14F-4D97-AF65-F5344CB8AC3E}">
-        <p14:creationId xmlns:p14="http://schemas.microsoft.com/office/powerpoint/2010/main" val="67450362"/>
+        <p14:creationId xmlns:p14="http://schemas.microsoft.com/office/powerpoint/2010/main" val="3009427701"/>
       </p:ext>
     </p:extLst>
   </p:cSld>
@@ -5822,12 +6038,8 @@
           <a:lstStyle/>
           <a:p>
             <a:r>
-              <a:rPr lang="en-US" dirty="0" smtClean="0"/>
-              <a:t>15 </a:t>
-            </a:r>
-            <a:r>
-              <a:rPr lang="en-US" dirty="0"/>
-              <a:t>Key DevOps Metrics</a:t>
+              <a:rPr lang="en-US" dirty="0"/>
+              <a:t>Deployment Frequency</a:t>
             </a:r>
           </a:p>
         </p:txBody>
@@ -5842,27 +6054,27 @@
             <p:ph idx="1"/>
           </p:nvPr>
         </p:nvSpPr>
-        <p:spPr>
-          <a:xfrm>
-            <a:off x="347526" y="1406881"/>
-            <a:ext cx="11650767" cy="988848"/>
-          </a:xfrm>
-        </p:spPr>
-        <p:txBody>
-          <a:bodyPr>
-            <a:normAutofit/>
-          </a:bodyPr>
-          <a:lstStyle/>
-          <a:p>
-            <a:r>
-              <a:rPr lang="en-US" dirty="0"/>
-              <a:t>The following six metrics can be important for measuring DevOps performance and progress in most </a:t>
-            </a:r>
-            <a:r>
-              <a:rPr lang="en-US" dirty="0" smtClean="0"/>
-              <a:t>organizations</a:t>
-            </a:r>
-            <a:endParaRPr lang="en-US" dirty="0"/>
+        <p:spPr/>
+        <p:txBody>
+          <a:bodyPr/>
+          <a:lstStyle/>
+          <a:p>
+            <a:r>
+              <a:rPr lang="en-US" dirty="0"/>
+              <a:t>The number of software deployments over a period of time. </a:t>
+            </a:r>
+          </a:p>
+          <a:p>
+            <a:r>
+              <a:rPr lang="en-US" dirty="0"/>
+              <a:t>It can be measured in a variety of ways, including automated deployment pipelines, API calls, and manual scripts. </a:t>
+            </a:r>
+          </a:p>
+          <a:p>
+            <a:r>
+              <a:rPr lang="en-US" dirty="0"/>
+              <a:t>This metric has to do with technical performance of the deployment pipeline, not frequency of delivery, because not all deployments are pushed to production. However, more frequent deployments can reduce errors associated with failed deployments, which affect overall customer satisfaction. </a:t>
+            </a:r>
           </a:p>
         </p:txBody>
       </p:sp>
@@ -5890,268 +6102,10 @@
           </a:p>
         </p:txBody>
       </p:sp>
-      <p:sp>
-        <p:nvSpPr>
-          <p:cNvPr id="5" name="TextBox 4"/>
-          <p:cNvSpPr txBox="1"/>
-          <p:nvPr/>
-        </p:nvSpPr>
-        <p:spPr>
-          <a:xfrm>
-            <a:off x="713232" y="2395729"/>
-            <a:ext cx="10533888" cy="3785652"/>
-          </a:xfrm>
-          <a:prstGeom prst="rect">
-            <a:avLst/>
-          </a:prstGeom>
-          <a:noFill/>
-        </p:spPr>
-        <p:txBody>
-          <a:bodyPr wrap="square" numCol="2" rtlCol="0">
-            <a:spAutoFit/>
-          </a:bodyPr>
-          <a:lstStyle/>
-          <a:p>
-            <a:pPr marL="914400" lvl="1" indent="-457200">
-              <a:lnSpc>
-                <a:spcPct val="150000"/>
-              </a:lnSpc>
-              <a:buFont typeface="+mj-lt"/>
-              <a:buAutoNum type="arabicPeriod"/>
-            </a:pPr>
-            <a:r>
-              <a:rPr lang="en-US" sz="2000" dirty="0">
-                <a:latin typeface="Candara" panose="020E0502030303020204" pitchFamily="34" charset="0"/>
-              </a:rPr>
-              <a:t>Deployment frequency</a:t>
-            </a:r>
-          </a:p>
-          <a:p>
-            <a:pPr marL="914400" lvl="1" indent="-457200">
-              <a:lnSpc>
-                <a:spcPct val="150000"/>
-              </a:lnSpc>
-              <a:buFont typeface="+mj-lt"/>
-              <a:buAutoNum type="arabicPeriod"/>
-            </a:pPr>
-            <a:r>
-              <a:rPr lang="en-US" sz="2000" dirty="0">
-                <a:latin typeface="Candara" panose="020E0502030303020204" pitchFamily="34" charset="0"/>
-              </a:rPr>
-              <a:t>Change volume</a:t>
-            </a:r>
-          </a:p>
-          <a:p>
-            <a:pPr marL="914400" lvl="1" indent="-457200">
-              <a:lnSpc>
-                <a:spcPct val="150000"/>
-              </a:lnSpc>
-              <a:buFont typeface="+mj-lt"/>
-              <a:buAutoNum type="arabicPeriod"/>
-            </a:pPr>
-            <a:r>
-              <a:rPr lang="en-US" sz="2000" dirty="0">
-                <a:latin typeface="Candara" panose="020E0502030303020204" pitchFamily="34" charset="0"/>
-              </a:rPr>
-              <a:t>Deployment time</a:t>
-            </a:r>
-          </a:p>
-          <a:p>
-            <a:pPr marL="914400" lvl="1" indent="-457200">
-              <a:lnSpc>
-                <a:spcPct val="150000"/>
-              </a:lnSpc>
-              <a:buFont typeface="+mj-lt"/>
-              <a:buAutoNum type="arabicPeriod"/>
-            </a:pPr>
-            <a:r>
-              <a:rPr lang="en-US" sz="2000" dirty="0">
-                <a:latin typeface="Candara" panose="020E0502030303020204" pitchFamily="34" charset="0"/>
-              </a:rPr>
-              <a:t>Lead time</a:t>
-            </a:r>
-          </a:p>
-          <a:p>
-            <a:pPr marL="914400" lvl="1" indent="-457200">
-              <a:lnSpc>
-                <a:spcPct val="150000"/>
-              </a:lnSpc>
-              <a:buFont typeface="+mj-lt"/>
-              <a:buAutoNum type="arabicPeriod"/>
-            </a:pPr>
-            <a:r>
-              <a:rPr lang="en-US" sz="2000" dirty="0">
-                <a:latin typeface="Candara" panose="020E0502030303020204" pitchFamily="34" charset="0"/>
-              </a:rPr>
-              <a:t>Customer tickets</a:t>
-            </a:r>
-          </a:p>
-          <a:p>
-            <a:pPr marL="914400" lvl="1" indent="-457200">
-              <a:lnSpc>
-                <a:spcPct val="150000"/>
-              </a:lnSpc>
-              <a:buFont typeface="+mj-lt"/>
-              <a:buAutoNum type="arabicPeriod"/>
-            </a:pPr>
-            <a:r>
-              <a:rPr lang="en-US" sz="2000" dirty="0">
-                <a:latin typeface="Candara" panose="020E0502030303020204" pitchFamily="34" charset="0"/>
-              </a:rPr>
-              <a:t>Automated test pass %</a:t>
-            </a:r>
-          </a:p>
-          <a:p>
-            <a:pPr marL="914400" lvl="1" indent="-457200">
-              <a:lnSpc>
-                <a:spcPct val="150000"/>
-              </a:lnSpc>
-              <a:buFont typeface="+mj-lt"/>
-              <a:buAutoNum type="arabicPeriod"/>
-            </a:pPr>
-            <a:r>
-              <a:rPr lang="en-US" sz="2000" dirty="0">
-                <a:latin typeface="Candara" panose="020E0502030303020204" pitchFamily="34" charset="0"/>
-              </a:rPr>
-              <a:t>Defect escape rate</a:t>
-            </a:r>
-          </a:p>
-          <a:p>
-            <a:pPr marL="914400" lvl="1" indent="-457200">
-              <a:lnSpc>
-                <a:spcPct val="150000"/>
-              </a:lnSpc>
-              <a:buFont typeface="+mj-lt"/>
-              <a:buAutoNum type="arabicPeriod"/>
-            </a:pPr>
-            <a:r>
-              <a:rPr lang="en-US" sz="2000" dirty="0">
-                <a:latin typeface="Candara" panose="020E0502030303020204" pitchFamily="34" charset="0"/>
-              </a:rPr>
-              <a:t>Availability</a:t>
-            </a:r>
-          </a:p>
-          <a:p>
-            <a:pPr marL="914400" lvl="1" indent="-457200">
-              <a:lnSpc>
-                <a:spcPct val="150000"/>
-              </a:lnSpc>
-              <a:buFont typeface="+mj-lt"/>
-              <a:buAutoNum type="arabicPeriod"/>
-            </a:pPr>
-            <a:r>
-              <a:rPr lang="en-US" sz="2000" dirty="0">
-                <a:latin typeface="Candara" panose="020E0502030303020204" pitchFamily="34" charset="0"/>
-              </a:rPr>
-              <a:t>Service level agreements</a:t>
-            </a:r>
-          </a:p>
-          <a:p>
-            <a:pPr marL="914400" lvl="1" indent="-457200">
-              <a:lnSpc>
-                <a:spcPct val="150000"/>
-              </a:lnSpc>
-              <a:buFont typeface="+mj-lt"/>
-              <a:buAutoNum type="arabicPeriod"/>
-            </a:pPr>
-            <a:r>
-              <a:rPr lang="en-US" sz="2000" dirty="0">
-                <a:latin typeface="Candara" panose="020E0502030303020204" pitchFamily="34" charset="0"/>
-              </a:rPr>
-              <a:t>Failed deployments</a:t>
-            </a:r>
-          </a:p>
-          <a:p>
-            <a:pPr marL="914400" lvl="1" indent="-457200">
-              <a:lnSpc>
-                <a:spcPct val="150000"/>
-              </a:lnSpc>
-              <a:buFont typeface="+mj-lt"/>
-              <a:buAutoNum type="arabicPeriod"/>
-            </a:pPr>
-            <a:r>
-              <a:rPr lang="en-US" sz="2000" dirty="0">
-                <a:latin typeface="Candara" panose="020E0502030303020204" pitchFamily="34" charset="0"/>
-              </a:rPr>
-              <a:t>Error rates</a:t>
-            </a:r>
-          </a:p>
-          <a:p>
-            <a:pPr marL="914400" lvl="1" indent="-457200">
-              <a:lnSpc>
-                <a:spcPct val="150000"/>
-              </a:lnSpc>
-              <a:buFont typeface="+mj-lt"/>
-              <a:buAutoNum type="arabicPeriod"/>
-            </a:pPr>
-            <a:r>
-              <a:rPr lang="en-US" sz="2000" dirty="0">
-                <a:latin typeface="Candara" panose="020E0502030303020204" pitchFamily="34" charset="0"/>
-              </a:rPr>
-              <a:t>Application usage and traffic</a:t>
-            </a:r>
-          </a:p>
-          <a:p>
-            <a:pPr marL="914400" lvl="1" indent="-457200">
-              <a:lnSpc>
-                <a:spcPct val="150000"/>
-              </a:lnSpc>
-              <a:buFont typeface="+mj-lt"/>
-              <a:buAutoNum type="arabicPeriod"/>
-            </a:pPr>
-            <a:r>
-              <a:rPr lang="en-US" sz="2000" dirty="0">
-                <a:latin typeface="Candara" panose="020E0502030303020204" pitchFamily="34" charset="0"/>
-              </a:rPr>
-              <a:t>Application performance</a:t>
-            </a:r>
-          </a:p>
-          <a:p>
-            <a:pPr marL="914400" lvl="1" indent="-457200">
-              <a:lnSpc>
-                <a:spcPct val="150000"/>
-              </a:lnSpc>
-              <a:buFont typeface="+mj-lt"/>
-              <a:buAutoNum type="arabicPeriod"/>
-            </a:pPr>
-            <a:r>
-              <a:rPr lang="en-US" sz="2000" dirty="0">
-                <a:latin typeface="Candara" panose="020E0502030303020204" pitchFamily="34" charset="0"/>
-              </a:rPr>
-              <a:t>Mean time to detection (MTTD)</a:t>
-            </a:r>
-          </a:p>
-          <a:p>
-            <a:pPr marL="914400" lvl="1" indent="-457200">
-              <a:lnSpc>
-                <a:spcPct val="150000"/>
-              </a:lnSpc>
-              <a:buFont typeface="+mj-lt"/>
-              <a:buAutoNum type="arabicPeriod"/>
-            </a:pPr>
-            <a:r>
-              <a:rPr lang="en-US" sz="2000" dirty="0">
-                <a:latin typeface="Candara" panose="020E0502030303020204" pitchFamily="34" charset="0"/>
-              </a:rPr>
-              <a:t>Mean time to recovery (MTTR)</a:t>
-            </a:r>
-          </a:p>
-          <a:p>
-            <a:pPr>
-              <a:lnSpc>
-                <a:spcPct val="150000"/>
-              </a:lnSpc>
-            </a:pPr>
-            <a:endParaRPr lang="en-US" sz="2000" dirty="0">
-              <a:latin typeface="Candara" panose="020E0502030303020204" pitchFamily="34" charset="0"/>
-            </a:endParaRPr>
-          </a:p>
-        </p:txBody>
-      </p:sp>
     </p:spTree>
     <p:extLst>
       <p:ext uri="{BB962C8B-B14F-4D97-AF65-F5344CB8AC3E}">
-        <p14:creationId xmlns:p14="http://schemas.microsoft.com/office/powerpoint/2010/main" val="3009427701"/>
+        <p14:creationId xmlns:p14="http://schemas.microsoft.com/office/powerpoint/2010/main" val="376371076"/>
       </p:ext>
     </p:extLst>
   </p:cSld>
@@ -6194,9 +6148,10 @@
           <a:lstStyle/>
           <a:p>
             <a:r>
-              <a:rPr lang="en-US" dirty="0"/>
-              <a:t>Deployment Frequency</a:t>
-            </a:r>
+              <a:rPr lang="en-US" dirty="0" smtClean="0"/>
+              <a:t>Change Volume</a:t>
+            </a:r>
+            <a:endParaRPr lang="en-US" dirty="0"/>
           </a:p>
         </p:txBody>
       </p:sp>
@@ -6217,19 +6172,13 @@
           <a:p>
             <a:r>
               <a:rPr lang="en-US" dirty="0"/>
-              <a:t>The number of software deployments over a period of time. </a:t>
-            </a:r>
-          </a:p>
-          <a:p>
-            <a:r>
-              <a:rPr lang="en-US" dirty="0"/>
-              <a:t>It can be measured in a variety of ways, including automated deployment pipelines, API calls, and manual scripts. </a:t>
-            </a:r>
-          </a:p>
-          <a:p>
-            <a:r>
-              <a:rPr lang="en-US" dirty="0"/>
-              <a:t>This metric has to do with technical performance of the deployment pipeline, not frequency of delivery, because not all deployments are pushed to production. However, more frequent deployments can reduce errors associated with failed deployments, which affect overall customer satisfaction. </a:t>
+              <a:t>Change Lead Time — how much time we have from issuing a feature and deploy it to production?</a:t>
+            </a:r>
+          </a:p>
+          <a:p>
+            <a:r>
+              <a:rPr lang="en-US" dirty="0"/>
+              <a:t>Change Volume — how many stories/features and lines-of-code we push to production per deploy?</a:t>
             </a:r>
           </a:p>
         </p:txBody>
@@ -6261,7 +6210,7 @@
     </p:spTree>
     <p:extLst>
       <p:ext uri="{BB962C8B-B14F-4D97-AF65-F5344CB8AC3E}">
-        <p14:creationId xmlns:p14="http://schemas.microsoft.com/office/powerpoint/2010/main" val="376371076"/>
+        <p14:creationId xmlns:p14="http://schemas.microsoft.com/office/powerpoint/2010/main" val="2506147866"/>
       </p:ext>
     </p:extLst>
   </p:cSld>
@@ -6304,37 +6253,56 @@
           <a:lstStyle/>
           <a:p>
             <a:r>
+              <a:rPr lang="en-US" dirty="0"/>
+              <a:t>Deployment time</a:t>
+            </a:r>
+          </a:p>
+        </p:txBody>
+      </p:sp>
+      <p:sp>
+        <p:nvSpPr>
+          <p:cNvPr id="3" name="Content Placeholder 2"/>
+          <p:cNvSpPr>
+            <a:spLocks noGrp="1"/>
+          </p:cNvSpPr>
+          <p:nvPr>
+            <p:ph idx="1"/>
+          </p:nvPr>
+        </p:nvSpPr>
+        <p:spPr/>
+        <p:txBody>
+          <a:bodyPr/>
+          <a:lstStyle/>
+          <a:p>
+            <a:r>
               <a:rPr lang="en-US" dirty="0" smtClean="0"/>
-              <a:t>Change Volume</a:t>
-            </a:r>
-            <a:endParaRPr lang="en-US" dirty="0"/>
-          </a:p>
-        </p:txBody>
-      </p:sp>
-      <p:sp>
-        <p:nvSpPr>
-          <p:cNvPr id="3" name="Content Placeholder 2"/>
-          <p:cNvSpPr>
-            <a:spLocks noGrp="1"/>
-          </p:cNvSpPr>
-          <p:nvPr>
-            <p:ph idx="1"/>
-          </p:nvPr>
-        </p:nvSpPr>
-        <p:spPr/>
-        <p:txBody>
-          <a:bodyPr/>
-          <a:lstStyle/>
-          <a:p>
-            <a:r>
-              <a:rPr lang="en-US" dirty="0"/>
-              <a:t>Change Lead Time — how much time we have from issuing a feature and deploy it to production?</a:t>
-            </a:r>
-          </a:p>
-          <a:p>
-            <a:r>
-              <a:rPr lang="en-US" dirty="0"/>
-              <a:t>Change Volume — how many stories/features and lines-of-code we push to production per deploy?</a:t>
+              <a:t>Tracking </a:t>
+            </a:r>
+            <a:r>
+              <a:rPr lang="en-US" dirty="0"/>
+              <a:t>how long it takes to do an actual deployment is another good metric. </a:t>
+            </a:r>
+            <a:endParaRPr lang="en-US" dirty="0" smtClean="0"/>
+          </a:p>
+          <a:p>
+            <a:r>
+              <a:rPr lang="en-US" dirty="0" smtClean="0"/>
+              <a:t>Tracking </a:t>
+            </a:r>
+            <a:r>
+              <a:rPr lang="en-US" dirty="0"/>
+              <a:t>such things could help identify potential problems. </a:t>
+            </a:r>
+            <a:endParaRPr lang="en-US" dirty="0" smtClean="0"/>
+          </a:p>
+          <a:p>
+            <a:r>
+              <a:rPr lang="en-US" dirty="0" smtClean="0"/>
+              <a:t>It </a:t>
+            </a:r>
+            <a:r>
+              <a:rPr lang="en-US" dirty="0"/>
+              <a:t>is much easier to deploy more often when the task of actually doing it is quick.</a:t>
             </a:r>
           </a:p>
         </p:txBody>
@@ -6366,7 +6334,7 @@
     </p:spTree>
     <p:extLst>
       <p:ext uri="{BB962C8B-B14F-4D97-AF65-F5344CB8AC3E}">
-        <p14:creationId xmlns:p14="http://schemas.microsoft.com/office/powerpoint/2010/main" val="2506147866"/>
+        <p14:creationId xmlns:p14="http://schemas.microsoft.com/office/powerpoint/2010/main" val="1059190640"/>
       </p:ext>
     </p:extLst>
   </p:cSld>
@@ -6405,12 +6373,14 @@
         </p:nvSpPr>
         <p:spPr/>
         <p:txBody>
-          <a:bodyPr/>
-          <a:lstStyle/>
-          <a:p>
-            <a:r>
-              <a:rPr lang="en-US" dirty="0"/>
-              <a:t>Deployment time</a:t>
+          <a:bodyPr>
+            <a:normAutofit/>
+          </a:bodyPr>
+          <a:lstStyle/>
+          <a:p>
+            <a:r>
+              <a:rPr lang="en-US" dirty="0"/>
+              <a:t>Lead Time</a:t>
             </a:r>
           </a:p>
         </p:txBody>
@@ -6431,34 +6401,20 @@
           <a:lstStyle/>
           <a:p>
             <a:r>
-              <a:rPr lang="en-US" dirty="0" smtClean="0"/>
-              <a:t>Tracking </a:t>
-            </a:r>
-            <a:r>
-              <a:rPr lang="en-US" dirty="0"/>
-              <a:t>how long it takes to do an actual deployment is another good metric. </a:t>
-            </a:r>
-            <a:endParaRPr lang="en-US" dirty="0" smtClean="0"/>
-          </a:p>
-          <a:p>
-            <a:r>
-              <a:rPr lang="en-US" dirty="0" smtClean="0"/>
-              <a:t>Tracking </a:t>
-            </a:r>
-            <a:r>
-              <a:rPr lang="en-US" dirty="0"/>
-              <a:t>such things could help identify potential problems. </a:t>
-            </a:r>
-            <a:endParaRPr lang="en-US" dirty="0" smtClean="0"/>
-          </a:p>
-          <a:p>
-            <a:r>
-              <a:rPr lang="en-US" dirty="0" smtClean="0"/>
-              <a:t>It </a:t>
-            </a:r>
-            <a:r>
-              <a:rPr lang="en-US" dirty="0"/>
-              <a:t>is much easier to deploy more often when the task of actually doing it is quick.</a:t>
+              <a:rPr lang="en-US" dirty="0"/>
+              <a:t>The time it takes to implement, test, and deliver code. </a:t>
+            </a:r>
+          </a:p>
+          <a:p>
+            <a:r>
+              <a:rPr lang="en-US" dirty="0"/>
+              <a:t>To measure delivery time, the team must clearly define the start and end of the work (e.g. measurable time from code commitment to production deployment). </a:t>
+            </a:r>
+          </a:p>
+          <a:p>
+            <a:r>
+              <a:rPr lang="en-US" dirty="0"/>
+              <a:t>The goal is to speed up deployment through automation and reduce overall deployment time, for example by optimizing test integration and automation.</a:t>
             </a:r>
           </a:p>
         </p:txBody>
@@ -6490,7 +6446,7 @@
     </p:spTree>
     <p:extLst>
       <p:ext uri="{BB962C8B-B14F-4D97-AF65-F5344CB8AC3E}">
-        <p14:creationId xmlns:p14="http://schemas.microsoft.com/office/powerpoint/2010/main" val="1059190640"/>
+        <p14:creationId xmlns:p14="http://schemas.microsoft.com/office/powerpoint/2010/main" val="1003919779"/>
       </p:ext>
     </p:extLst>
   </p:cSld>
@@ -6529,14 +6485,12 @@
         </p:nvSpPr>
         <p:spPr/>
         <p:txBody>
-          <a:bodyPr>
-            <a:normAutofit/>
-          </a:bodyPr>
-          <a:lstStyle/>
-          <a:p>
-            <a:r>
-              <a:rPr lang="en-US" dirty="0"/>
-              <a:t>Lead Time</a:t>
+          <a:bodyPr/>
+          <a:lstStyle/>
+          <a:p>
+            <a:r>
+              <a:rPr lang="en-US" dirty="0"/>
+              <a:t>Customer Ticket Volume</a:t>
             </a:r>
           </a:p>
         </p:txBody>
@@ -6558,19 +6512,31 @@
           <a:p>
             <a:r>
               <a:rPr lang="en-US" dirty="0"/>
-              <a:t>The time it takes to implement, test, and deliver code. </a:t>
-            </a:r>
-          </a:p>
-          <a:p>
-            <a:r>
-              <a:rPr lang="en-US" dirty="0"/>
-              <a:t>To measure delivery time, the team must clearly define the start and end of the work (e.g. measurable time from code commitment to production deployment). </a:t>
-            </a:r>
-          </a:p>
-          <a:p>
-            <a:r>
-              <a:rPr lang="en-US" dirty="0"/>
-              <a:t>The goal is to speed up deployment through automation and reduce overall deployment time, for example by optimizing test integration and automation.</a:t>
+              <a:t>This metric is a measure of end user satisfaction. </a:t>
+            </a:r>
+          </a:p>
+          <a:p>
+            <a:r>
+              <a:rPr lang="en-US" dirty="0"/>
+              <a:t>Bugs and errors can often bypass the testing phase and be detected by the end user. </a:t>
+            </a:r>
+          </a:p>
+          <a:p>
+            <a:r>
+              <a:rPr lang="en-US" dirty="0"/>
+              <a:t>Customers will then contact support and share their feedback. </a:t>
+            </a:r>
+          </a:p>
+          <a:p>
+            <a:r>
+              <a:rPr lang="en-US" dirty="0"/>
+              <a:t>Therefore, the number of customer tickets marked as problems or bugs are an important indicator of application reliability. </a:t>
+            </a:r>
+          </a:p>
+          <a:p>
+            <a:r>
+              <a:rPr lang="en-US" dirty="0"/>
+              <a:t>A large number of tickets indicates quality issues, while a small number indicates robustness of the application.</a:t>
             </a:r>
           </a:p>
         </p:txBody>
@@ -6602,7 +6568,7 @@
     </p:spTree>
     <p:extLst>
       <p:ext uri="{BB962C8B-B14F-4D97-AF65-F5344CB8AC3E}">
-        <p14:creationId xmlns:p14="http://schemas.microsoft.com/office/powerpoint/2010/main" val="1003919779"/>
+        <p14:creationId xmlns:p14="http://schemas.microsoft.com/office/powerpoint/2010/main" val="2774400387"/>
       </p:ext>
     </p:extLst>
   </p:cSld>
@@ -6641,13 +6607,20 @@
         </p:nvSpPr>
         <p:spPr/>
         <p:txBody>
-          <a:bodyPr/>
-          <a:lstStyle/>
-          <a:p>
-            <a:r>
-              <a:rPr lang="en-US" dirty="0"/>
-              <a:t>Customer Ticket Volume</a:t>
-            </a:r>
+          <a:bodyPr>
+            <a:normAutofit/>
+          </a:bodyPr>
+          <a:lstStyle/>
+          <a:p>
+            <a:r>
+              <a:rPr lang="en-US" dirty="0"/>
+              <a:t>Automated test pass </a:t>
+            </a:r>
+            <a:r>
+              <a:rPr lang="en-US" dirty="0" smtClean="0"/>
+              <a:t>%</a:t>
+            </a:r>
+            <a:endParaRPr lang="en-US" dirty="0"/>
           </a:p>
         </p:txBody>
       </p:sp>
@@ -6668,31 +6641,29 @@
           <a:p>
             <a:r>
               <a:rPr lang="en-US" dirty="0"/>
-              <a:t>This metric is a measure of end user satisfaction. </a:t>
-            </a:r>
-          </a:p>
-          <a:p>
-            <a:r>
-              <a:rPr lang="en-US" dirty="0"/>
-              <a:t>Bugs and errors can often bypass the testing phase and be detected by the end user. </a:t>
-            </a:r>
-          </a:p>
-          <a:p>
-            <a:r>
-              <a:rPr lang="en-US" dirty="0"/>
-              <a:t>Customers will then contact support and share their feedback. </a:t>
-            </a:r>
-          </a:p>
-          <a:p>
-            <a:r>
-              <a:rPr lang="en-US" dirty="0"/>
-              <a:t>Therefore, the number of customer tickets marked as problems or bugs are an important indicator of application reliability. </a:t>
-            </a:r>
-          </a:p>
-          <a:p>
-            <a:r>
-              <a:rPr lang="en-US" dirty="0"/>
-              <a:t>A large number of tickets indicates quality issues, while a small number indicates robustness of the application.</a:t>
+              <a:t>To increase velocity, it is highly recommended that your team makes extensive usage of unit and functional testing. </a:t>
+            </a:r>
+            <a:endParaRPr lang="en-US" dirty="0" smtClean="0"/>
+          </a:p>
+          <a:p>
+            <a:r>
+              <a:rPr lang="en-US" dirty="0" smtClean="0"/>
+              <a:t>Since </a:t>
+            </a:r>
+            <a:r>
+              <a:rPr lang="en-US" dirty="0"/>
+              <a:t>DevOps relies heavily on automation, tracking how well your automated tests work is a good DevOps metrics. </a:t>
+            </a:r>
+            <a:endParaRPr lang="en-US" dirty="0" smtClean="0"/>
+          </a:p>
+          <a:p>
+            <a:r>
+              <a:rPr lang="en-US" dirty="0" smtClean="0"/>
+              <a:t>It </a:t>
+            </a:r>
+            <a:r>
+              <a:rPr lang="en-US" dirty="0"/>
+              <a:t>is good to know how often code changes are causing your tests to break.</a:t>
             </a:r>
           </a:p>
         </p:txBody>
@@ -6724,7 +6695,7 @@
     </p:spTree>
     <p:extLst>
       <p:ext uri="{BB962C8B-B14F-4D97-AF65-F5344CB8AC3E}">
-        <p14:creationId xmlns:p14="http://schemas.microsoft.com/office/powerpoint/2010/main" val="2774400387"/>
+        <p14:creationId xmlns:p14="http://schemas.microsoft.com/office/powerpoint/2010/main" val="849201769"/>
       </p:ext>
     </p:extLst>
   </p:cSld>
@@ -6763,64 +6734,59 @@
         </p:nvSpPr>
         <p:spPr/>
         <p:txBody>
-          <a:bodyPr>
-            <a:normAutofit/>
-          </a:bodyPr>
-          <a:lstStyle/>
-          <a:p>
-            <a:r>
-              <a:rPr lang="en-US" dirty="0"/>
-              <a:t>Automated test pass </a:t>
-            </a:r>
-            <a:r>
-              <a:rPr lang="en-US" dirty="0" smtClean="0"/>
-              <a:t>%</a:t>
-            </a:r>
+          <a:bodyPr/>
+          <a:lstStyle/>
+          <a:p>
+            <a:r>
+              <a:rPr lang="en-US" dirty="0"/>
+              <a:t>Defect Escape Rate</a:t>
+            </a:r>
+          </a:p>
+        </p:txBody>
+      </p:sp>
+      <p:sp>
+        <p:nvSpPr>
+          <p:cNvPr id="3" name="Content Placeholder 2"/>
+          <p:cNvSpPr>
+            <a:spLocks noGrp="1"/>
+          </p:cNvSpPr>
+          <p:nvPr>
+            <p:ph idx="1"/>
+          </p:nvPr>
+        </p:nvSpPr>
+        <p:spPr/>
+        <p:txBody>
+          <a:bodyPr/>
+          <a:lstStyle/>
+          <a:p>
+            <a:r>
+              <a:rPr lang="en-US" dirty="0"/>
+              <a:t>Even with a great DevOps pipeline, defects will occur. </a:t>
+            </a:r>
+          </a:p>
+          <a:p>
+            <a:r>
+              <a:rPr lang="en-US" dirty="0"/>
+              <a:t>In some cases, these defects may be detected during development or testing phases of the pipeline. But in the worst case, they will pass tests and be detected by end users.</a:t>
+            </a:r>
+          </a:p>
+          <a:p>
+            <a:r>
+              <a:rPr lang="en-US" dirty="0"/>
+              <a:t>The defect escape rate reflects the number of defects found in production during and after deployment. </a:t>
+            </a:r>
+          </a:p>
+          <a:p>
+            <a:r>
+              <a:rPr lang="en-US" dirty="0"/>
+              <a:t>It identifies cracks in the software development process—defects slide through these cracks and indicates that the quality process should be optimized and tightened.</a:t>
+            </a:r>
+          </a:p>
+          <a:p>
             <a:endParaRPr lang="en-US" dirty="0"/>
           </a:p>
-        </p:txBody>
-      </p:sp>
-      <p:sp>
-        <p:nvSpPr>
-          <p:cNvPr id="3" name="Content Placeholder 2"/>
-          <p:cNvSpPr>
-            <a:spLocks noGrp="1"/>
-          </p:cNvSpPr>
-          <p:nvPr>
-            <p:ph idx="1"/>
-          </p:nvPr>
-        </p:nvSpPr>
-        <p:spPr/>
-        <p:txBody>
-          <a:bodyPr/>
-          <a:lstStyle/>
-          <a:p>
-            <a:r>
-              <a:rPr lang="en-US" dirty="0"/>
-              <a:t>To increase velocity, it is highly recommended that your team makes extensive usage of unit and functional testing. </a:t>
-            </a:r>
-            <a:endParaRPr lang="en-US" dirty="0" smtClean="0"/>
-          </a:p>
-          <a:p>
-            <a:r>
-              <a:rPr lang="en-US" dirty="0" smtClean="0"/>
-              <a:t>Since </a:t>
-            </a:r>
-            <a:r>
-              <a:rPr lang="en-US" dirty="0"/>
-              <a:t>DevOps relies heavily on automation, tracking how well your automated tests work is a good DevOps metrics. </a:t>
-            </a:r>
-            <a:endParaRPr lang="en-US" dirty="0" smtClean="0"/>
-          </a:p>
-          <a:p>
-            <a:r>
-              <a:rPr lang="en-US" dirty="0" smtClean="0"/>
-              <a:t>It </a:t>
-            </a:r>
-            <a:r>
-              <a:rPr lang="en-US" dirty="0"/>
-              <a:t>is good to know how often code changes are causing your tests to break.</a:t>
-            </a:r>
+          <a:p>
+            <a:endParaRPr lang="en-US" dirty="0"/>
           </a:p>
         </p:txBody>
       </p:sp>
@@ -6851,7 +6817,7 @@
     </p:spTree>
     <p:extLst>
       <p:ext uri="{BB962C8B-B14F-4D97-AF65-F5344CB8AC3E}">
-        <p14:creationId xmlns:p14="http://schemas.microsoft.com/office/powerpoint/2010/main" val="849201769"/>
+        <p14:creationId xmlns:p14="http://schemas.microsoft.com/office/powerpoint/2010/main" val="1640919458"/>
       </p:ext>
     </p:extLst>
   </p:cSld>
@@ -6890,13 +6856,16 @@
         </p:nvSpPr>
         <p:spPr/>
         <p:txBody>
-          <a:bodyPr/>
-          <a:lstStyle/>
-          <a:p>
-            <a:r>
-              <a:rPr lang="en-US" dirty="0"/>
-              <a:t>Defect Escape Rate</a:t>
-            </a:r>
+          <a:bodyPr>
+            <a:normAutofit/>
+          </a:bodyPr>
+          <a:lstStyle/>
+          <a:p>
+            <a:r>
+              <a:rPr lang="en-US" dirty="0" smtClean="0"/>
+              <a:t>Availability</a:t>
+            </a:r>
+            <a:endParaRPr lang="en-US" dirty="0"/>
           </a:p>
         </p:txBody>
       </p:sp>
@@ -6916,30 +6885,25 @@
           <a:lstStyle/>
           <a:p>
             <a:r>
-              <a:rPr lang="en-US" dirty="0"/>
-              <a:t>Even with a great DevOps pipeline, defects will occur. </a:t>
-            </a:r>
-          </a:p>
-          <a:p>
-            <a:r>
-              <a:rPr lang="en-US" dirty="0"/>
-              <a:t>In some cases, these defects may be detected during development or testing phases of the pipeline. But in the worst case, they will pass tests and be detected by end users.</a:t>
-            </a:r>
-          </a:p>
-          <a:p>
-            <a:r>
-              <a:rPr lang="en-US" dirty="0"/>
-              <a:t>The defect escape rate reflects the number of defects found in production during and after deployment. </a:t>
-            </a:r>
-          </a:p>
-          <a:p>
-            <a:r>
-              <a:rPr lang="en-US" dirty="0"/>
-              <a:t>It identifies cracks in the software development process—defects slide through these cracks and indicates that the quality process should be optimized and tightened.</a:t>
-            </a:r>
-          </a:p>
-          <a:p>
-            <a:endParaRPr lang="en-US" dirty="0"/>
+              <a:rPr lang="en-US" dirty="0" smtClean="0"/>
+              <a:t>The </a:t>
+            </a:r>
+            <a:r>
+              <a:rPr lang="en-US" dirty="0"/>
+              <a:t>last thing you ever want is for your application to be down. </a:t>
+            </a:r>
+            <a:endParaRPr lang="en-US" dirty="0" smtClean="0"/>
+          </a:p>
+          <a:p>
+            <a:r>
+              <a:rPr lang="en-US" dirty="0" smtClean="0"/>
+              <a:t>Depending </a:t>
+            </a:r>
+            <a:r>
+              <a:rPr lang="en-US" dirty="0"/>
+              <a:t>on your type of application and how you deploy it, you may have a little downtime as part of scheduled maintenance. </a:t>
+            </a:r>
+            <a:endParaRPr lang="en-US" dirty="0" smtClean="0"/>
           </a:p>
           <a:p>
             <a:endParaRPr lang="en-US" dirty="0"/>
@@ -6973,7 +6937,7 @@
     </p:spTree>
     <p:extLst>
       <p:ext uri="{BB962C8B-B14F-4D97-AF65-F5344CB8AC3E}">
-        <p14:creationId xmlns:p14="http://schemas.microsoft.com/office/powerpoint/2010/main" val="1640919458"/>
+        <p14:creationId xmlns:p14="http://schemas.microsoft.com/office/powerpoint/2010/main" val="3979352005"/>
       </p:ext>
     </p:extLst>
   </p:cSld>
@@ -7113,8 +7077,12 @@
           <a:lstStyle/>
           <a:p>
             <a:r>
+              <a:rPr lang="en-US" dirty="0"/>
+              <a:t>Service level </a:t>
+            </a:r>
+            <a:r>
               <a:rPr lang="en-US" dirty="0" smtClean="0"/>
-              <a:t>Availability</a:t>
+              <a:t>agreements</a:t>
             </a:r>
             <a:endParaRPr lang="en-US" dirty="0"/>
           </a:p>
@@ -7137,27 +7105,34 @@
           <a:p>
             <a:r>
               <a:rPr lang="en-US" dirty="0" smtClean="0"/>
-              <a:t>The </a:t>
-            </a:r>
-            <a:r>
-              <a:rPr lang="en-US" dirty="0"/>
-              <a:t>last thing you ever want is for your application to be down. </a:t>
+              <a:t>Most </a:t>
+            </a:r>
+            <a:r>
+              <a:rPr lang="en-US" dirty="0"/>
+              <a:t>companies have some service level agreement (SLA) that they operate with. </a:t>
             </a:r>
             <a:endParaRPr lang="en-US" dirty="0" smtClean="0"/>
           </a:p>
           <a:p>
             <a:r>
               <a:rPr lang="en-US" dirty="0" smtClean="0"/>
-              <a:t>Depending </a:t>
-            </a:r>
-            <a:r>
-              <a:rPr lang="en-US" dirty="0"/>
-              <a:t>on your type of application and how you deploy it, you may have a little downtime as part of scheduled maintenance. </a:t>
+              <a:t>It </a:t>
+            </a:r>
+            <a:r>
+              <a:rPr lang="en-US" dirty="0"/>
+              <a:t>is also important that you track your compliance with your SLAs. </a:t>
             </a:r>
             <a:endParaRPr lang="en-US" dirty="0" smtClean="0"/>
           </a:p>
           <a:p>
-            <a:endParaRPr lang="en-US" dirty="0"/>
+            <a:r>
+              <a:rPr lang="en-US" dirty="0" smtClean="0"/>
+              <a:t>Even </a:t>
+            </a:r>
+            <a:r>
+              <a:rPr lang="en-US" dirty="0"/>
+              <a:t>if there are no formal SLA, there probably are application requirements or expectations to be achieved.</a:t>
+            </a:r>
           </a:p>
         </p:txBody>
       </p:sp>
@@ -7188,7 +7163,7 @@
     </p:spTree>
     <p:extLst>
       <p:ext uri="{BB962C8B-B14F-4D97-AF65-F5344CB8AC3E}">
-        <p14:creationId xmlns:p14="http://schemas.microsoft.com/office/powerpoint/2010/main" val="3979352005"/>
+        <p14:creationId xmlns:p14="http://schemas.microsoft.com/office/powerpoint/2010/main" val="3960581462"/>
       </p:ext>
     </p:extLst>
   </p:cSld>
@@ -7234,11 +7209,11 @@
           <a:p>
             <a:r>
               <a:rPr lang="en-US" dirty="0"/>
-              <a:t>Service level </a:t>
+              <a:t>Failed </a:t>
             </a:r>
             <a:r>
               <a:rPr lang="en-US" dirty="0" smtClean="0"/>
-              <a:t>agreements</a:t>
+              <a:t>deployments</a:t>
             </a:r>
             <a:endParaRPr lang="en-US" dirty="0"/>
           </a:p>
@@ -7261,34 +7236,48 @@
           <a:p>
             <a:r>
               <a:rPr lang="en-US" dirty="0" smtClean="0"/>
-              <a:t>Most </a:t>
-            </a:r>
-            <a:r>
-              <a:rPr lang="en-US" dirty="0"/>
-              <a:t>companies have some service level agreement (SLA) that they operate with. </a:t>
+              <a:t>We </a:t>
+            </a:r>
+            <a:r>
+              <a:rPr lang="en-US" dirty="0"/>
+              <a:t>all hope this never happens, but how often do your deployments cause an outage or major issues for your users? </a:t>
             </a:r>
             <a:endParaRPr lang="en-US" dirty="0" smtClean="0"/>
           </a:p>
           <a:p>
             <a:r>
               <a:rPr lang="en-US" dirty="0" smtClean="0"/>
-              <a:t>It </a:t>
-            </a:r>
-            <a:r>
-              <a:rPr lang="en-US" dirty="0"/>
-              <a:t>is also important that you track your compliance with your SLAs. </a:t>
+              <a:t>Reversing </a:t>
+            </a:r>
+            <a:r>
+              <a:rPr lang="en-US" dirty="0"/>
+              <a:t>a failed deployment is something we never want to do, but it is something you should always plan for. </a:t>
             </a:r>
             <a:endParaRPr lang="en-US" dirty="0" smtClean="0"/>
           </a:p>
           <a:p>
             <a:r>
               <a:rPr lang="en-US" dirty="0" smtClean="0"/>
-              <a:t>Even </a:t>
-            </a:r>
-            <a:r>
-              <a:rPr lang="en-US" dirty="0"/>
-              <a:t>if there are no formal SLA, there probably are application requirements or expectations to be achieved.</a:t>
-            </a:r>
+              <a:t>If </a:t>
+            </a:r>
+            <a:r>
+              <a:rPr lang="en-US" dirty="0"/>
+              <a:t>you have issues with failed deployments, be sure to track this metric over time. </a:t>
+            </a:r>
+            <a:endParaRPr lang="en-US" dirty="0" smtClean="0"/>
+          </a:p>
+          <a:p>
+            <a:r>
+              <a:rPr lang="en-US" dirty="0" smtClean="0"/>
+              <a:t>This </a:t>
+            </a:r>
+            <a:r>
+              <a:rPr lang="en-US" dirty="0"/>
+              <a:t>could also be seen as tracking mean time to failure (MTTF).</a:t>
+            </a:r>
+          </a:p>
+          <a:p>
+            <a:endParaRPr lang="en-US" dirty="0"/>
           </a:p>
         </p:txBody>
       </p:sp>
@@ -7319,7 +7308,7 @@
     </p:spTree>
     <p:extLst>
       <p:ext uri="{BB962C8B-B14F-4D97-AF65-F5344CB8AC3E}">
-        <p14:creationId xmlns:p14="http://schemas.microsoft.com/office/powerpoint/2010/main" val="3960581462"/>
+        <p14:creationId xmlns:p14="http://schemas.microsoft.com/office/powerpoint/2010/main" val="279919680"/>
       </p:ext>
     </p:extLst>
   </p:cSld>
@@ -7358,81 +7347,85 @@
         </p:nvSpPr>
         <p:spPr/>
         <p:txBody>
+          <a:bodyPr/>
+          <a:lstStyle/>
+          <a:p>
+            <a:r>
+              <a:rPr lang="en-US" dirty="0"/>
+              <a:t>Error rates</a:t>
+            </a:r>
+          </a:p>
+        </p:txBody>
+      </p:sp>
+      <p:sp>
+        <p:nvSpPr>
+          <p:cNvPr id="3" name="Content Placeholder 2"/>
+          <p:cNvSpPr>
+            <a:spLocks noGrp="1"/>
+          </p:cNvSpPr>
+          <p:nvPr>
+            <p:ph idx="1"/>
+          </p:nvPr>
+        </p:nvSpPr>
+        <p:spPr/>
+        <p:txBody>
           <a:bodyPr>
             <a:normAutofit/>
           </a:bodyPr>
           <a:lstStyle/>
           <a:p>
             <a:r>
-              <a:rPr lang="en-US" dirty="0"/>
-              <a:t>Failed </a:t>
-            </a:r>
-            <a:r>
               <a:rPr lang="en-US" dirty="0" smtClean="0"/>
-              <a:t>deployments</a:t>
-            </a:r>
-            <a:endParaRPr lang="en-US" dirty="0"/>
-          </a:p>
-        </p:txBody>
-      </p:sp>
-      <p:sp>
-        <p:nvSpPr>
-          <p:cNvPr id="3" name="Content Placeholder 2"/>
-          <p:cNvSpPr>
-            <a:spLocks noGrp="1"/>
-          </p:cNvSpPr>
-          <p:nvPr>
-            <p:ph idx="1"/>
-          </p:nvPr>
-        </p:nvSpPr>
-        <p:spPr/>
-        <p:txBody>
-          <a:bodyPr/>
-          <a:lstStyle/>
+              <a:t>Tracking </a:t>
+            </a:r>
+            <a:r>
+              <a:rPr lang="en-US" dirty="0"/>
+              <a:t>error rates within your application is super important. </a:t>
+            </a:r>
+            <a:endParaRPr lang="en-US" dirty="0" smtClean="0"/>
+          </a:p>
           <a:p>
             <a:r>
               <a:rPr lang="en-US" dirty="0" smtClean="0"/>
-              <a:t>We </a:t>
-            </a:r>
-            <a:r>
-              <a:rPr lang="en-US" dirty="0"/>
-              <a:t>all hope this never happens, but how often do your deployments cause an outage or major issues for your users? </a:t>
+              <a:t>Not </a:t>
+            </a:r>
+            <a:r>
+              <a:rPr lang="en-US" dirty="0"/>
+              <a:t>only are they an indicator of quality problems, but also ongoing performance and uptime related issues. </a:t>
             </a:r>
             <a:endParaRPr lang="en-US" dirty="0" smtClean="0"/>
           </a:p>
           <a:p>
             <a:r>
               <a:rPr lang="en-US" dirty="0" smtClean="0"/>
-              <a:t>Reversing </a:t>
-            </a:r>
-            <a:r>
-              <a:rPr lang="en-US" dirty="0"/>
-              <a:t>a failed deployment is something we never want to do, but it is something you should always plan for. </a:t>
-            </a:r>
-            <a:endParaRPr lang="en-US" dirty="0" smtClean="0"/>
-          </a:p>
-          <a:p>
+              <a:t>Good </a:t>
+            </a:r>
+            <a:r>
+              <a:rPr lang="en-US" dirty="0"/>
+              <a:t>exception handling best practices are critical for good software.</a:t>
+            </a:r>
+          </a:p>
+          <a:p>
+            <a:pPr lvl="1"/>
             <a:r>
               <a:rPr lang="en-US" dirty="0" smtClean="0"/>
-              <a:t>If </a:t>
-            </a:r>
-            <a:r>
-              <a:rPr lang="en-US" dirty="0"/>
-              <a:t>you have issues with failed deployments, be sure to track this metric over time. </a:t>
-            </a:r>
-            <a:endParaRPr lang="en-US" dirty="0" smtClean="0"/>
-          </a:p>
-          <a:p>
+              <a:t>Bugs </a:t>
+            </a:r>
+            <a:r>
+              <a:rPr lang="en-US" dirty="0"/>
+              <a:t>– Identify new exceptions being thrown in your code after a deployment</a:t>
+            </a:r>
+          </a:p>
+          <a:p>
+            <a:pPr lvl="1"/>
+            <a:r>
+              <a:rPr lang="en-US" dirty="0"/>
+              <a:t>Production issues – Capture issues with database connections, query timeouts, and other related issues</a:t>
+            </a:r>
             <a:r>
               <a:rPr lang="en-US" dirty="0" smtClean="0"/>
-              <a:t>This </a:t>
-            </a:r>
-            <a:r>
-              <a:rPr lang="en-US" dirty="0"/>
-              <a:t>could also be seen as tracking mean time to failure (MTTF).</a:t>
-            </a:r>
-          </a:p>
-          <a:p>
+              <a:t>.</a:t>
+            </a:r>
             <a:endParaRPr lang="en-US" dirty="0"/>
           </a:p>
         </p:txBody>
@@ -7456,155 +7449,6 @@
               <a:rPr lang="en-US" smtClean="0"/>
               <a:pPr/>
               <a:t>32</a:t>
-            </a:fld>
-            <a:endParaRPr lang="en-US" dirty="0"/>
-          </a:p>
-        </p:txBody>
-      </p:sp>
-    </p:spTree>
-    <p:extLst>
-      <p:ext uri="{BB962C8B-B14F-4D97-AF65-F5344CB8AC3E}">
-        <p14:creationId xmlns:p14="http://schemas.microsoft.com/office/powerpoint/2010/main" val="279919680"/>
-      </p:ext>
-    </p:extLst>
-  </p:cSld>
-  <p:clrMapOvr>
-    <a:masterClrMapping/>
-  </p:clrMapOvr>
-</p:sld>
-</file>
-
-<file path=ppt/slides/slide33.xml><?xml version="1.0" encoding="utf-8"?>
-<p:sld xmlns:a="http://schemas.openxmlformats.org/drawingml/2006/main" xmlns:r="http://schemas.openxmlformats.org/officeDocument/2006/relationships" xmlns:p="http://schemas.openxmlformats.org/presentationml/2006/main">
-  <p:cSld>
-    <p:spTree>
-      <p:nvGrpSpPr>
-        <p:cNvPr id="1" name=""/>
-        <p:cNvGrpSpPr/>
-        <p:nvPr/>
-      </p:nvGrpSpPr>
-      <p:grpSpPr>
-        <a:xfrm>
-          <a:off x="0" y="0"/>
-          <a:ext cx="0" cy="0"/>
-          <a:chOff x="0" y="0"/>
-          <a:chExt cx="0" cy="0"/>
-        </a:xfrm>
-      </p:grpSpPr>
-      <p:sp>
-        <p:nvSpPr>
-          <p:cNvPr id="2" name="Title 1"/>
-          <p:cNvSpPr>
-            <a:spLocks noGrp="1"/>
-          </p:cNvSpPr>
-          <p:nvPr>
-            <p:ph type="title"/>
-          </p:nvPr>
-        </p:nvSpPr>
-        <p:spPr/>
-        <p:txBody>
-          <a:bodyPr/>
-          <a:lstStyle/>
-          <a:p>
-            <a:r>
-              <a:rPr lang="en-US" dirty="0"/>
-              <a:t>Error rates</a:t>
-            </a:r>
-          </a:p>
-        </p:txBody>
-      </p:sp>
-      <p:sp>
-        <p:nvSpPr>
-          <p:cNvPr id="3" name="Content Placeholder 2"/>
-          <p:cNvSpPr>
-            <a:spLocks noGrp="1"/>
-          </p:cNvSpPr>
-          <p:nvPr>
-            <p:ph idx="1"/>
-          </p:nvPr>
-        </p:nvSpPr>
-        <p:spPr/>
-        <p:txBody>
-          <a:bodyPr>
-            <a:normAutofit/>
-          </a:bodyPr>
-          <a:lstStyle/>
-          <a:p>
-            <a:r>
-              <a:rPr lang="en-US" dirty="0" smtClean="0"/>
-              <a:t>Tracking </a:t>
-            </a:r>
-            <a:r>
-              <a:rPr lang="en-US" dirty="0"/>
-              <a:t>error rates within your application is super important. </a:t>
-            </a:r>
-            <a:endParaRPr lang="en-US" dirty="0" smtClean="0"/>
-          </a:p>
-          <a:p>
-            <a:r>
-              <a:rPr lang="en-US" dirty="0" smtClean="0"/>
-              <a:t>Not </a:t>
-            </a:r>
-            <a:r>
-              <a:rPr lang="en-US" dirty="0"/>
-              <a:t>only are they an indicator of quality problems, but also ongoing performance and uptime related issues. </a:t>
-            </a:r>
-            <a:endParaRPr lang="en-US" dirty="0" smtClean="0"/>
-          </a:p>
-          <a:p>
-            <a:r>
-              <a:rPr lang="en-US" dirty="0" smtClean="0"/>
-              <a:t>Good </a:t>
-            </a:r>
-            <a:r>
-              <a:rPr lang="en-US" dirty="0"/>
-              <a:t>exception handling best practices are critical for good software.</a:t>
-            </a:r>
-          </a:p>
-          <a:p>
-            <a:pPr lvl="1"/>
-            <a:r>
-              <a:rPr lang="en-US" dirty="0" smtClean="0"/>
-              <a:t>Bugs </a:t>
-            </a:r>
-            <a:r>
-              <a:rPr lang="en-US" dirty="0"/>
-              <a:t>– Identify new exceptions being thrown in your code after a deployment</a:t>
-            </a:r>
-          </a:p>
-          <a:p>
-            <a:pPr lvl="1"/>
-            <a:r>
-              <a:rPr lang="en-US" dirty="0"/>
-              <a:t>Production issues – Capture issues with database connections, query timeouts, and other related issues</a:t>
-            </a:r>
-            <a:r>
-              <a:rPr lang="en-US" dirty="0" smtClean="0"/>
-              <a:t>.</a:t>
-            </a:r>
-            <a:endParaRPr lang="en-US" dirty="0"/>
-          </a:p>
-        </p:txBody>
-      </p:sp>
-      <p:sp>
-        <p:nvSpPr>
-          <p:cNvPr id="4" name="Slide Number Placeholder 3"/>
-          <p:cNvSpPr>
-            <a:spLocks noGrp="1"/>
-          </p:cNvSpPr>
-          <p:nvPr>
-            <p:ph type="sldNum" sz="quarter" idx="12"/>
-          </p:nvPr>
-        </p:nvSpPr>
-        <p:spPr/>
-        <p:txBody>
-          <a:bodyPr/>
-          <a:lstStyle/>
-          <a:p>
-            <a:fld id="{B8DACC02-A2BD-4578-8E03-6D891060A695}" type="slidenum">
-              <a:rPr lang="en-US" smtClean="0"/>
-              <a:pPr/>
-              <a:t>33</a:t>
             </a:fld>
             <a:endParaRPr lang="en-US" dirty="0"/>
           </a:p>
@@ -7664,6 +7508,155 @@
 </p:sld>
 </file>
 
+<file path=ppt/slides/slide33.xml><?xml version="1.0" encoding="utf-8"?>
+<p:sld xmlns:a="http://schemas.openxmlformats.org/drawingml/2006/main" xmlns:r="http://schemas.openxmlformats.org/officeDocument/2006/relationships" xmlns:p="http://schemas.openxmlformats.org/presentationml/2006/main">
+  <p:cSld>
+    <p:spTree>
+      <p:nvGrpSpPr>
+        <p:cNvPr id="1" name=""/>
+        <p:cNvGrpSpPr/>
+        <p:nvPr/>
+      </p:nvGrpSpPr>
+      <p:grpSpPr>
+        <a:xfrm>
+          <a:off x="0" y="0"/>
+          <a:ext cx="0" cy="0"/>
+          <a:chOff x="0" y="0"/>
+          <a:chExt cx="0" cy="0"/>
+        </a:xfrm>
+      </p:grpSpPr>
+      <p:sp>
+        <p:nvSpPr>
+          <p:cNvPr id="2" name="Title 1"/>
+          <p:cNvSpPr>
+            <a:spLocks noGrp="1"/>
+          </p:cNvSpPr>
+          <p:nvPr>
+            <p:ph type="title"/>
+          </p:nvPr>
+        </p:nvSpPr>
+        <p:spPr/>
+        <p:txBody>
+          <a:bodyPr>
+            <a:normAutofit/>
+          </a:bodyPr>
+          <a:lstStyle/>
+          <a:p>
+            <a:r>
+              <a:rPr lang="en-US" dirty="0"/>
+              <a:t>Application usage &amp; </a:t>
+            </a:r>
+            <a:r>
+              <a:rPr lang="en-US" dirty="0" smtClean="0"/>
+              <a:t>traffic</a:t>
+            </a:r>
+            <a:endParaRPr lang="en-US" dirty="0"/>
+          </a:p>
+        </p:txBody>
+      </p:sp>
+      <p:sp>
+        <p:nvSpPr>
+          <p:cNvPr id="3" name="Content Placeholder 2"/>
+          <p:cNvSpPr>
+            <a:spLocks noGrp="1"/>
+          </p:cNvSpPr>
+          <p:nvPr>
+            <p:ph idx="1"/>
+          </p:nvPr>
+        </p:nvSpPr>
+        <p:spPr/>
+        <p:txBody>
+          <a:bodyPr/>
+          <a:lstStyle/>
+          <a:p>
+            <a:r>
+              <a:rPr lang="en-US" dirty="0" smtClean="0"/>
+              <a:t>After </a:t>
+            </a:r>
+            <a:r>
+              <a:rPr lang="en-US" dirty="0"/>
+              <a:t>a deployment, you want to see if the amount of transactions or users accessing your system looks normal. </a:t>
+            </a:r>
+            <a:endParaRPr lang="en-US" dirty="0" smtClean="0"/>
+          </a:p>
+          <a:p>
+            <a:r>
+              <a:rPr lang="en-US" dirty="0" smtClean="0"/>
+              <a:t>If </a:t>
+            </a:r>
+            <a:r>
+              <a:rPr lang="en-US" dirty="0"/>
+              <a:t>you suddenly have no traffic or a giant spike in traffic, something could be wrong.</a:t>
+            </a:r>
+          </a:p>
+          <a:p>
+            <a:r>
+              <a:rPr lang="en-US" dirty="0" smtClean="0"/>
+              <a:t>The </a:t>
+            </a:r>
+            <a:r>
+              <a:rPr lang="en-US" dirty="0"/>
+              <a:t>last thing you ever want to see is no traffic at all. </a:t>
+            </a:r>
+            <a:endParaRPr lang="en-US" dirty="0" smtClean="0"/>
+          </a:p>
+          <a:p>
+            <a:r>
+              <a:rPr lang="en-US" dirty="0" smtClean="0"/>
+              <a:t>You </a:t>
+            </a:r>
+            <a:r>
+              <a:rPr lang="en-US" dirty="0"/>
+              <a:t>could also see a spike in traffic if you are using </a:t>
+            </a:r>
+            <a:r>
+              <a:rPr lang="en-US" dirty="0" err="1"/>
+              <a:t>microservices</a:t>
+            </a:r>
+            <a:r>
+              <a:rPr lang="en-US" dirty="0"/>
+              <a:t> and one of your applications is causing a lot more traffic all of a sudden.</a:t>
+            </a:r>
+          </a:p>
+        </p:txBody>
+      </p:sp>
+      <p:sp>
+        <p:nvSpPr>
+          <p:cNvPr id="4" name="Slide Number Placeholder 3"/>
+          <p:cNvSpPr>
+            <a:spLocks noGrp="1"/>
+          </p:cNvSpPr>
+          <p:nvPr>
+            <p:ph type="sldNum" sz="quarter" idx="12"/>
+          </p:nvPr>
+        </p:nvSpPr>
+        <p:spPr/>
+        <p:txBody>
+          <a:bodyPr/>
+          <a:lstStyle/>
+          <a:p>
+            <a:fld id="{B8DACC02-A2BD-4578-8E03-6D891060A695}" type="slidenum">
+              <a:rPr lang="en-US" smtClean="0"/>
+              <a:pPr/>
+              <a:t>33</a:t>
+            </a:fld>
+            <a:endParaRPr lang="en-US" dirty="0"/>
+          </a:p>
+        </p:txBody>
+      </p:sp>
+    </p:spTree>
+    <p:extLst>
+      <p:ext uri="{BB962C8B-B14F-4D97-AF65-F5344CB8AC3E}">
+        <p14:creationId xmlns:p14="http://schemas.microsoft.com/office/powerpoint/2010/main" val="4268337211"/>
+      </p:ext>
+    </p:extLst>
+  </p:cSld>
+  <p:clrMapOvr>
+    <a:masterClrMapping/>
+  </p:clrMapOvr>
+</p:sld>
+</file>
+
 <file path=ppt/slides/slide34.xml><?xml version="1.0" encoding="utf-8"?>
 <p:sld xmlns:a="http://schemas.openxmlformats.org/drawingml/2006/main" xmlns:r="http://schemas.openxmlformats.org/officeDocument/2006/relationships" xmlns:p="http://schemas.openxmlformats.org/presentationml/2006/main">
   <p:cSld>
@@ -7693,85 +7686,67 @@
         </p:nvSpPr>
         <p:spPr/>
         <p:txBody>
-          <a:bodyPr>
-            <a:normAutofit/>
-          </a:bodyPr>
-          <a:lstStyle/>
-          <a:p>
-            <a:r>
-              <a:rPr lang="en-US" dirty="0"/>
-              <a:t>Application usage &amp; </a:t>
-            </a:r>
+          <a:bodyPr/>
+          <a:lstStyle/>
+          <a:p>
+            <a:r>
+              <a:rPr lang="en-US" dirty="0"/>
+              <a:t>Application performance</a:t>
+            </a:r>
+          </a:p>
+        </p:txBody>
+      </p:sp>
+      <p:sp>
+        <p:nvSpPr>
+          <p:cNvPr id="3" name="Content Placeholder 2"/>
+          <p:cNvSpPr>
+            <a:spLocks noGrp="1"/>
+          </p:cNvSpPr>
+          <p:nvPr>
+            <p:ph idx="1"/>
+          </p:nvPr>
+        </p:nvSpPr>
+        <p:spPr/>
+        <p:txBody>
+          <a:bodyPr/>
+          <a:lstStyle/>
+          <a:p>
             <a:r>
               <a:rPr lang="en-US" dirty="0" smtClean="0"/>
-              <a:t>traffic</a:t>
-            </a:r>
-            <a:endParaRPr lang="en-US" dirty="0"/>
-          </a:p>
-        </p:txBody>
-      </p:sp>
-      <p:sp>
-        <p:nvSpPr>
-          <p:cNvPr id="3" name="Content Placeholder 2"/>
-          <p:cNvSpPr>
-            <a:spLocks noGrp="1"/>
-          </p:cNvSpPr>
-          <p:nvPr>
-            <p:ph idx="1"/>
-          </p:nvPr>
-        </p:nvSpPr>
-        <p:spPr/>
-        <p:txBody>
-          <a:bodyPr/>
-          <a:lstStyle/>
-          <a:p>
+              <a:t>Before </a:t>
+            </a:r>
+            <a:r>
+              <a:rPr lang="en-US" dirty="0"/>
+              <a:t>you even do a deployment, you should use a tool </a:t>
+            </a:r>
             <a:r>
               <a:rPr lang="en-US" dirty="0" smtClean="0"/>
-              <a:t>After </a:t>
-            </a:r>
-            <a:r>
-              <a:rPr lang="en-US" dirty="0"/>
-              <a:t>a deployment, you want to see if the amount of transactions or users accessing your system looks normal. </a:t>
+              <a:t>to </a:t>
+            </a:r>
+            <a:r>
+              <a:rPr lang="en-US" dirty="0"/>
+              <a:t>look for performance problems, hidden errors, and other issues. </a:t>
             </a:r>
             <a:endParaRPr lang="en-US" dirty="0" smtClean="0"/>
           </a:p>
           <a:p>
             <a:r>
               <a:rPr lang="en-US" dirty="0" smtClean="0"/>
-              <a:t>If </a:t>
-            </a:r>
-            <a:r>
-              <a:rPr lang="en-US" dirty="0"/>
-              <a:t>you suddenly have no traffic or a giant spike in traffic, something could be wrong.</a:t>
+              <a:t>During </a:t>
+            </a:r>
+            <a:r>
+              <a:rPr lang="en-US" dirty="0"/>
+              <a:t>and after the deployment, you should also look for any changes in overall application performance.</a:t>
             </a:r>
           </a:p>
           <a:p>
             <a:r>
               <a:rPr lang="en-US" dirty="0" smtClean="0"/>
-              <a:t>The </a:t>
-            </a:r>
-            <a:r>
-              <a:rPr lang="en-US" dirty="0"/>
-              <a:t>last thing you ever want to see is no traffic at all. </a:t>
-            </a:r>
-            <a:endParaRPr lang="en-US" dirty="0" smtClean="0"/>
-          </a:p>
-          <a:p>
-            <a:r>
-              <a:rPr lang="en-US" dirty="0" smtClean="0"/>
-              <a:t>You </a:t>
-            </a:r>
-            <a:r>
-              <a:rPr lang="en-US" dirty="0"/>
-              <a:t>could also see a spike in traffic if you are using </a:t>
-            </a:r>
-            <a:r>
-              <a:rPr lang="en-US" dirty="0" err="1"/>
-              <a:t>microservices</a:t>
-            </a:r>
-            <a:r>
-              <a:rPr lang="en-US" dirty="0"/>
-              <a:t> and one of your applications is causing a lot more traffic all of a sudden.</a:t>
+              <a:t>It </a:t>
+            </a:r>
+            <a:r>
+              <a:rPr lang="en-US" dirty="0"/>
+              <a:t>might be common after a deployment to see major changes in the usage of specific SQL queries, web service calls, and other application dependencies. </a:t>
             </a:r>
           </a:p>
         </p:txBody>
@@ -7795,137 +7770,6 @@
               <a:rPr lang="en-US" smtClean="0"/>
               <a:pPr/>
               <a:t>34</a:t>
-            </a:fld>
-            <a:endParaRPr lang="en-US" dirty="0"/>
-          </a:p>
-        </p:txBody>
-      </p:sp>
-    </p:spTree>
-    <p:extLst>
-      <p:ext uri="{BB962C8B-B14F-4D97-AF65-F5344CB8AC3E}">
-        <p14:creationId xmlns:p14="http://schemas.microsoft.com/office/powerpoint/2010/main" val="4268337211"/>
-      </p:ext>
-    </p:extLst>
-  </p:cSld>
-  <p:clrMapOvr>
-    <a:masterClrMapping/>
-  </p:clrMapOvr>
-</p:sld>
-</file>
-
-<file path=ppt/slides/slide35.xml><?xml version="1.0" encoding="utf-8"?>
-<p:sld xmlns:a="http://schemas.openxmlformats.org/drawingml/2006/main" xmlns:r="http://schemas.openxmlformats.org/officeDocument/2006/relationships" xmlns:p="http://schemas.openxmlformats.org/presentationml/2006/main">
-  <p:cSld>
-    <p:spTree>
-      <p:nvGrpSpPr>
-        <p:cNvPr id="1" name=""/>
-        <p:cNvGrpSpPr/>
-        <p:nvPr/>
-      </p:nvGrpSpPr>
-      <p:grpSpPr>
-        <a:xfrm>
-          <a:off x="0" y="0"/>
-          <a:ext cx="0" cy="0"/>
-          <a:chOff x="0" y="0"/>
-          <a:chExt cx="0" cy="0"/>
-        </a:xfrm>
-      </p:grpSpPr>
-      <p:sp>
-        <p:nvSpPr>
-          <p:cNvPr id="2" name="Title 1"/>
-          <p:cNvSpPr>
-            <a:spLocks noGrp="1"/>
-          </p:cNvSpPr>
-          <p:nvPr>
-            <p:ph type="title"/>
-          </p:nvPr>
-        </p:nvSpPr>
-        <p:spPr/>
-        <p:txBody>
-          <a:bodyPr/>
-          <a:lstStyle/>
-          <a:p>
-            <a:r>
-              <a:rPr lang="en-US" dirty="0"/>
-              <a:t>Application performance</a:t>
-            </a:r>
-          </a:p>
-        </p:txBody>
-      </p:sp>
-      <p:sp>
-        <p:nvSpPr>
-          <p:cNvPr id="3" name="Content Placeholder 2"/>
-          <p:cNvSpPr>
-            <a:spLocks noGrp="1"/>
-          </p:cNvSpPr>
-          <p:nvPr>
-            <p:ph idx="1"/>
-          </p:nvPr>
-        </p:nvSpPr>
-        <p:spPr/>
-        <p:txBody>
-          <a:bodyPr/>
-          <a:lstStyle/>
-          <a:p>
-            <a:r>
-              <a:rPr lang="en-US" dirty="0" smtClean="0"/>
-              <a:t>Before </a:t>
-            </a:r>
-            <a:r>
-              <a:rPr lang="en-US" dirty="0"/>
-              <a:t>you even do a deployment, you should use a tool </a:t>
-            </a:r>
-            <a:r>
-              <a:rPr lang="en-US" dirty="0" smtClean="0"/>
-              <a:t>to </a:t>
-            </a:r>
-            <a:r>
-              <a:rPr lang="en-US" dirty="0"/>
-              <a:t>look for performance problems, hidden errors, and other issues. </a:t>
-            </a:r>
-            <a:endParaRPr lang="en-US" dirty="0" smtClean="0"/>
-          </a:p>
-          <a:p>
-            <a:r>
-              <a:rPr lang="en-US" dirty="0" smtClean="0"/>
-              <a:t>During </a:t>
-            </a:r>
-            <a:r>
-              <a:rPr lang="en-US" dirty="0"/>
-              <a:t>and after the deployment, you should also look for any changes in overall application performance.</a:t>
-            </a:r>
-          </a:p>
-          <a:p>
-            <a:r>
-              <a:rPr lang="en-US" dirty="0" smtClean="0"/>
-              <a:t>It </a:t>
-            </a:r>
-            <a:r>
-              <a:rPr lang="en-US" dirty="0"/>
-              <a:t>might be common after a deployment to see major changes in the usage of specific SQL queries, web service calls, and other application dependencies. </a:t>
-            </a:r>
-          </a:p>
-        </p:txBody>
-      </p:sp>
-      <p:sp>
-        <p:nvSpPr>
-          <p:cNvPr id="4" name="Slide Number Placeholder 3"/>
-          <p:cNvSpPr>
-            <a:spLocks noGrp="1"/>
-          </p:cNvSpPr>
-          <p:nvPr>
-            <p:ph type="sldNum" sz="quarter" idx="12"/>
-          </p:nvPr>
-        </p:nvSpPr>
-        <p:spPr/>
-        <p:txBody>
-          <a:bodyPr/>
-          <a:lstStyle/>
-          <a:p>
-            <a:fld id="{B8DACC02-A2BD-4578-8E03-6D891060A695}" type="slidenum">
-              <a:rPr lang="en-US" smtClean="0"/>
-              <a:pPr/>
-              <a:t>35</a:t>
             </a:fld>
             <a:endParaRPr lang="en-US" dirty="0"/>
           </a:p>
@@ -7985,6 +7829,144 @@
 </p:sld>
 </file>
 
+<file path=ppt/slides/slide35.xml><?xml version="1.0" encoding="utf-8"?>
+<p:sld xmlns:a="http://schemas.openxmlformats.org/drawingml/2006/main" xmlns:r="http://schemas.openxmlformats.org/officeDocument/2006/relationships" xmlns:p="http://schemas.openxmlformats.org/presentationml/2006/main">
+  <p:cSld>
+    <p:spTree>
+      <p:nvGrpSpPr>
+        <p:cNvPr id="1" name=""/>
+        <p:cNvGrpSpPr/>
+        <p:nvPr/>
+      </p:nvGrpSpPr>
+      <p:grpSpPr>
+        <a:xfrm>
+          <a:off x="0" y="0"/>
+          <a:ext cx="0" cy="0"/>
+          <a:chOff x="0" y="0"/>
+          <a:chExt cx="0" cy="0"/>
+        </a:xfrm>
+      </p:grpSpPr>
+      <p:sp>
+        <p:nvSpPr>
+          <p:cNvPr id="2" name="Title 1"/>
+          <p:cNvSpPr>
+            <a:spLocks noGrp="1"/>
+          </p:cNvSpPr>
+          <p:nvPr>
+            <p:ph type="title"/>
+          </p:nvPr>
+        </p:nvSpPr>
+        <p:spPr/>
+        <p:txBody>
+          <a:bodyPr/>
+          <a:lstStyle/>
+          <a:p>
+            <a:r>
+              <a:rPr lang="en-US" dirty="0"/>
+              <a:t>Mean time to detection (MTTD)</a:t>
+            </a:r>
+          </a:p>
+        </p:txBody>
+      </p:sp>
+      <p:sp>
+        <p:nvSpPr>
+          <p:cNvPr id="3" name="Content Placeholder 2"/>
+          <p:cNvSpPr>
+            <a:spLocks noGrp="1"/>
+          </p:cNvSpPr>
+          <p:nvPr>
+            <p:ph idx="1"/>
+          </p:nvPr>
+        </p:nvSpPr>
+        <p:spPr/>
+        <p:txBody>
+          <a:bodyPr/>
+          <a:lstStyle/>
+          <a:p>
+            <a:r>
+              <a:rPr lang="en-US" dirty="0" smtClean="0"/>
+              <a:t>When </a:t>
+            </a:r>
+            <a:r>
+              <a:rPr lang="en-US" dirty="0"/>
+              <a:t>problems do happen, it is important that you identify them quickly</a:t>
+            </a:r>
+            <a:r>
+              <a:rPr lang="en-US" dirty="0" smtClean="0"/>
+              <a:t>.</a:t>
+            </a:r>
+          </a:p>
+          <a:p>
+            <a:r>
+              <a:rPr lang="en-US" dirty="0" smtClean="0"/>
+              <a:t>The </a:t>
+            </a:r>
+            <a:r>
+              <a:rPr lang="en-US" dirty="0"/>
+              <a:t>last thing you want is to have a major partial or broad system outage and not know about it. </a:t>
+            </a:r>
+            <a:endParaRPr lang="en-US" dirty="0" smtClean="0"/>
+          </a:p>
+          <a:p>
+            <a:r>
+              <a:rPr lang="en-US" dirty="0" smtClean="0"/>
+              <a:t>Having </a:t>
+            </a:r>
+            <a:r>
+              <a:rPr lang="en-US" dirty="0"/>
+              <a:t>robust application monitoring and good coverage in place will help you detect issues quickly. </a:t>
+            </a:r>
+            <a:endParaRPr lang="en-US" dirty="0" smtClean="0"/>
+          </a:p>
+          <a:p>
+            <a:r>
+              <a:rPr lang="en-US" dirty="0" smtClean="0"/>
+              <a:t>Once </a:t>
+            </a:r>
+            <a:r>
+              <a:rPr lang="en-US" dirty="0"/>
+              <a:t>you detect them, you also have to fix them quickly!</a:t>
+            </a:r>
+          </a:p>
+        </p:txBody>
+      </p:sp>
+      <p:sp>
+        <p:nvSpPr>
+          <p:cNvPr id="4" name="Slide Number Placeholder 3"/>
+          <p:cNvSpPr>
+            <a:spLocks noGrp="1"/>
+          </p:cNvSpPr>
+          <p:nvPr>
+            <p:ph type="sldNum" sz="quarter" idx="12"/>
+          </p:nvPr>
+        </p:nvSpPr>
+        <p:spPr/>
+        <p:txBody>
+          <a:bodyPr/>
+          <a:lstStyle/>
+          <a:p>
+            <a:fld id="{B8DACC02-A2BD-4578-8E03-6D891060A695}" type="slidenum">
+              <a:rPr lang="en-US" smtClean="0"/>
+              <a:pPr/>
+              <a:t>35</a:t>
+            </a:fld>
+            <a:endParaRPr lang="en-US" dirty="0"/>
+          </a:p>
+        </p:txBody>
+      </p:sp>
+    </p:spTree>
+    <p:extLst>
+      <p:ext uri="{BB962C8B-B14F-4D97-AF65-F5344CB8AC3E}">
+        <p14:creationId xmlns:p14="http://schemas.microsoft.com/office/powerpoint/2010/main" val="3632291400"/>
+      </p:ext>
+    </p:extLst>
+  </p:cSld>
+  <p:clrMapOvr>
+    <a:masterClrMapping/>
+  </p:clrMapOvr>
+</p:sld>
+</file>
+
 <file path=ppt/slides/slide36.xml><?xml version="1.0" encoding="utf-8"?>
 <p:sld xmlns:a="http://schemas.openxmlformats.org/drawingml/2006/main" xmlns:r="http://schemas.openxmlformats.org/officeDocument/2006/relationships" xmlns:p="http://schemas.openxmlformats.org/presentationml/2006/main">
   <p:cSld>
@@ -8019,7 +8001,7 @@
           <a:p>
             <a:r>
               <a:rPr lang="en-US" dirty="0"/>
-              <a:t>Mean time to detection (MTTD)</a:t>
+              <a:t>Mean Time to Recovery (MTTR)</a:t>
             </a:r>
           </a:p>
         </p:txBody>
@@ -8036,52 +8018,32 @@
         </p:nvSpPr>
         <p:spPr/>
         <p:txBody>
-          <a:bodyPr/>
-          <a:lstStyle/>
-          <a:p>
-            <a:r>
-              <a:rPr lang="en-US" dirty="0" smtClean="0"/>
-              <a:t>When </a:t>
-            </a:r>
-            <a:r>
-              <a:rPr lang="en-US" dirty="0"/>
-              <a:t>problems do happen, it is important that you identify them quickly</a:t>
-            </a:r>
-            <a:r>
-              <a:rPr lang="en-US" dirty="0" smtClean="0"/>
-              <a:t>.</a:t>
-            </a:r>
-          </a:p>
-          <a:p>
-            <a:r>
-              <a:rPr lang="en-US" dirty="0" smtClean="0"/>
-              <a:t>The </a:t>
-            </a:r>
-            <a:r>
-              <a:rPr lang="en-US" dirty="0"/>
-              <a:t>last thing you want is to have a major partial or broad system outage and not know about it. </a:t>
-            </a:r>
-            <a:endParaRPr lang="en-US" dirty="0" smtClean="0"/>
-          </a:p>
-          <a:p>
-            <a:r>
-              <a:rPr lang="en-US" dirty="0" smtClean="0"/>
-              <a:t>Having </a:t>
-            </a:r>
-            <a:r>
-              <a:rPr lang="en-US" dirty="0"/>
-              <a:t>robust application monitoring and good coverage in place will help you detect issues quickly. </a:t>
-            </a:r>
-            <a:endParaRPr lang="en-US" dirty="0" smtClean="0"/>
-          </a:p>
-          <a:p>
-            <a:r>
-              <a:rPr lang="en-US" dirty="0" smtClean="0"/>
-              <a:t>Once </a:t>
-            </a:r>
-            <a:r>
-              <a:rPr lang="en-US" dirty="0"/>
-              <a:t>you detect them, you also have to fix them quickly!</a:t>
+          <a:bodyPr>
+            <a:normAutofit/>
+          </a:bodyPr>
+          <a:lstStyle/>
+          <a:p>
+            <a:r>
+              <a:rPr lang="en-US" dirty="0"/>
+              <a:t>This indicator tracks how long it will take the organization to recover from failure. </a:t>
+            </a:r>
+          </a:p>
+          <a:p>
+            <a:r>
+              <a:rPr lang="en-US" dirty="0"/>
+              <a:t>It is a key business indicator because it reflects the ability to minimize disruption and recover normal operations quickly. </a:t>
+            </a:r>
+          </a:p>
+          <a:p>
+            <a:r>
+              <a:rPr lang="en-US" dirty="0"/>
+              <a:t>It is usually measured in minutes or hours, and can sometimes refer to time during business days, not clock time. </a:t>
+            </a:r>
+          </a:p>
+          <a:p>
+            <a:r>
+              <a:rPr lang="en-US" dirty="0"/>
+              <a:t>To reduce MTTR, it is important to have the right application monitoring tools, as well as effective collaboration between operations and developers, which can help you find root causes and deploy solutions quickly.</a:t>
             </a:r>
           </a:p>
         </p:txBody>
@@ -8113,13 +8075,20 @@
     </p:spTree>
     <p:extLst>
       <p:ext uri="{BB962C8B-B14F-4D97-AF65-F5344CB8AC3E}">
-        <p14:creationId xmlns:p14="http://schemas.microsoft.com/office/powerpoint/2010/main" val="3632291400"/>
+        <p14:creationId xmlns:p14="http://schemas.microsoft.com/office/powerpoint/2010/main" val="3917286219"/>
       </p:ext>
     </p:extLst>
   </p:cSld>
   <p:clrMapOvr>
     <a:masterClrMapping/>
   </p:clrMapOvr>
+  <p:timing>
+    <p:tnLst>
+      <p:par>
+        <p:cTn id="1" dur="indefinite" restart="never" nodeType="tmRoot"/>
+      </p:par>
+    </p:tnLst>
+  </p:timing>
 </p:sld>
 </file>
 
@@ -8157,53 +8126,40 @@
           <a:p>
             <a:r>
               <a:rPr lang="en-US" dirty="0"/>
-              <a:t>Mean Time to Recovery (MTTR)</a:t>
-            </a:r>
-          </a:p>
-        </p:txBody>
-      </p:sp>
-      <p:sp>
-        <p:nvSpPr>
-          <p:cNvPr id="3" name="Content Placeholder 2"/>
-          <p:cNvSpPr>
-            <a:spLocks noGrp="1"/>
-          </p:cNvSpPr>
+              <a:t>Measuring DevOps</a:t>
+            </a:r>
+          </a:p>
+        </p:txBody>
+      </p:sp>
+      <p:pic>
+        <p:nvPicPr>
+          <p:cNvPr id="5" name="Content Placeholder 4"/>
+          <p:cNvPicPr>
+            <a:picLocks noGrp="1" noChangeAspect="1"/>
+          </p:cNvPicPr>
           <p:nvPr>
             <p:ph idx="1"/>
           </p:nvPr>
-        </p:nvSpPr>
-        <p:spPr/>
-        <p:txBody>
-          <a:bodyPr>
-            <a:normAutofit/>
-          </a:bodyPr>
-          <a:lstStyle/>
-          <a:p>
-            <a:r>
-              <a:rPr lang="en-US" dirty="0"/>
-              <a:t>This indicator tracks how long it will take the organization to recover from failure. </a:t>
-            </a:r>
-          </a:p>
-          <a:p>
-            <a:r>
-              <a:rPr lang="en-US" dirty="0"/>
-              <a:t>It is a key business indicator because it reflects the ability to minimize disruption and recover normal operations quickly. </a:t>
-            </a:r>
-          </a:p>
-          <a:p>
-            <a:r>
-              <a:rPr lang="en-US" dirty="0"/>
-              <a:t>It is usually measured in minutes or hours, and can sometimes refer to time during business days, not clock time. </a:t>
-            </a:r>
-          </a:p>
-          <a:p>
-            <a:r>
-              <a:rPr lang="en-US" dirty="0"/>
-              <a:t>To reduce MTTR, it is important to have the right application monitoring tools, as well as effective collaboration between operations and developers, which can help you find root causes and deploy solutions quickly.</a:t>
-            </a:r>
-          </a:p>
-        </p:txBody>
-      </p:sp>
+        </p:nvPicPr>
+        <p:blipFill>
+          <a:blip r:embed="rId2">
+            <a:extLst>
+              <a:ext uri="{28A0092B-C50C-407E-A947-70E740481C1C}">
+                <a14:useLocalDpi xmlns:a14="http://schemas.microsoft.com/office/drawing/2010/main" val="0"/>
+              </a:ext>
+            </a:extLst>
+          </a:blip>
+          <a:stretch>
+            <a:fillRect/>
+          </a:stretch>
+        </p:blipFill>
+        <p:spPr>
+          <a:xfrm>
+            <a:off x="2362910" y="1940179"/>
+            <a:ext cx="7620000" cy="3971925"/>
+          </a:xfrm>
+        </p:spPr>
+      </p:pic>
       <p:sp>
         <p:nvSpPr>
           <p:cNvPr id="4" name="Slide Number Placeholder 3"/>
@@ -8231,7 +8187,7 @@
     </p:spTree>
     <p:extLst>
       <p:ext uri="{BB962C8B-B14F-4D97-AF65-F5344CB8AC3E}">
-        <p14:creationId xmlns:p14="http://schemas.microsoft.com/office/powerpoint/2010/main" val="3917286219"/>
+        <p14:creationId xmlns:p14="http://schemas.microsoft.com/office/powerpoint/2010/main" val="3671150327"/>
       </p:ext>
     </p:extLst>
   </p:cSld>
@@ -8287,35 +8243,6 @@
           </a:p>
         </p:txBody>
       </p:sp>
-      <p:pic>
-        <p:nvPicPr>
-          <p:cNvPr id="5" name="Content Placeholder 4"/>
-          <p:cNvPicPr>
-            <a:picLocks noGrp="1" noChangeAspect="1"/>
-          </p:cNvPicPr>
-          <p:nvPr>
-            <p:ph idx="1"/>
-          </p:nvPr>
-        </p:nvPicPr>
-        <p:blipFill>
-          <a:blip r:embed="rId2">
-            <a:extLst>
-              <a:ext uri="{28A0092B-C50C-407E-A947-70E740481C1C}">
-                <a14:useLocalDpi xmlns:a14="http://schemas.microsoft.com/office/drawing/2010/main" val="0"/>
-              </a:ext>
-            </a:extLst>
-          </a:blip>
-          <a:stretch>
-            <a:fillRect/>
-          </a:stretch>
-        </p:blipFill>
-        <p:spPr>
-          <a:xfrm>
-            <a:off x="2362910" y="1940179"/>
-            <a:ext cx="7620000" cy="3971925"/>
-          </a:xfrm>
-        </p:spPr>
-      </p:pic>
       <p:sp>
         <p:nvSpPr>
           <p:cNvPr id="4" name="Slide Number Placeholder 3"/>
@@ -8335,89 +8262,6 @@
               <a:rPr lang="en-US" smtClean="0"/>
               <a:pPr/>
               <a:t>38</a:t>
-            </a:fld>
-            <a:endParaRPr lang="en-US" dirty="0"/>
-          </a:p>
-        </p:txBody>
-      </p:sp>
-    </p:spTree>
-    <p:extLst>
-      <p:ext uri="{BB962C8B-B14F-4D97-AF65-F5344CB8AC3E}">
-        <p14:creationId xmlns:p14="http://schemas.microsoft.com/office/powerpoint/2010/main" val="3671150327"/>
-      </p:ext>
-    </p:extLst>
-  </p:cSld>
-  <p:clrMapOvr>
-    <a:masterClrMapping/>
-  </p:clrMapOvr>
-  <p:timing>
-    <p:tnLst>
-      <p:par>
-        <p:cTn id="1" dur="indefinite" restart="never" nodeType="tmRoot"/>
-      </p:par>
-    </p:tnLst>
-  </p:timing>
-</p:sld>
-</file>
-
-<file path=ppt/slides/slide39.xml><?xml version="1.0" encoding="utf-8"?>
-<p:sld xmlns:a="http://schemas.openxmlformats.org/drawingml/2006/main" xmlns:r="http://schemas.openxmlformats.org/officeDocument/2006/relationships" xmlns:p="http://schemas.openxmlformats.org/presentationml/2006/main">
-  <p:cSld>
-    <p:spTree>
-      <p:nvGrpSpPr>
-        <p:cNvPr id="1" name=""/>
-        <p:cNvGrpSpPr/>
-        <p:nvPr/>
-      </p:nvGrpSpPr>
-      <p:grpSpPr>
-        <a:xfrm>
-          <a:off x="0" y="0"/>
-          <a:ext cx="0" cy="0"/>
-          <a:chOff x="0" y="0"/>
-          <a:chExt cx="0" cy="0"/>
-        </a:xfrm>
-      </p:grpSpPr>
-      <p:sp>
-        <p:nvSpPr>
-          <p:cNvPr id="2" name="Title 1"/>
-          <p:cNvSpPr>
-            <a:spLocks noGrp="1"/>
-          </p:cNvSpPr>
-          <p:nvPr>
-            <p:ph type="title"/>
-          </p:nvPr>
-        </p:nvSpPr>
-        <p:spPr/>
-        <p:txBody>
-          <a:bodyPr/>
-          <a:lstStyle/>
-          <a:p>
-            <a:r>
-              <a:rPr lang="en-US" dirty="0"/>
-              <a:t>Measuring DevOps</a:t>
-            </a:r>
-          </a:p>
-        </p:txBody>
-      </p:sp>
-      <p:sp>
-        <p:nvSpPr>
-          <p:cNvPr id="4" name="Slide Number Placeholder 3"/>
-          <p:cNvSpPr>
-            <a:spLocks noGrp="1"/>
-          </p:cNvSpPr>
-          <p:nvPr>
-            <p:ph type="sldNum" sz="quarter" idx="12"/>
-          </p:nvPr>
-        </p:nvSpPr>
-        <p:spPr/>
-        <p:txBody>
-          <a:bodyPr/>
-          <a:lstStyle/>
-          <a:p>
-            <a:fld id="{B8DACC02-A2BD-4578-8E03-6D891060A695}" type="slidenum">
-              <a:rPr lang="en-US" smtClean="0"/>
-              <a:pPr/>
-              <a:t>39</a:t>
             </a:fld>
             <a:endParaRPr lang="en-US" dirty="0"/>
           </a:p>
